--- a/Slides/Lesson 5.3 ormap, andmap, and filter.pptx
+++ b/Slides/Lesson 5.3 ormap, andmap, and filter.pptx
@@ -5,7 +5,7 @@
     <p:sldMasterId id="2147483661" r:id="rId1"/>
   </p:sldMasterIdLst>
   <p:notesMasterIdLst>
-    <p:notesMasterId r:id="rId21"/>
+    <p:notesMasterId r:id="rId22"/>
   </p:notesMasterIdLst>
   <p:sldIdLst>
     <p:sldId id="257" r:id="rId2"/>
@@ -25,13 +25,14 @@
     <p:sldId id="330" r:id="rId16"/>
     <p:sldId id="331" r:id="rId17"/>
     <p:sldId id="332" r:id="rId18"/>
-    <p:sldId id="293" r:id="rId19"/>
-    <p:sldId id="294" r:id="rId20"/>
+    <p:sldId id="347" r:id="rId19"/>
+    <p:sldId id="293" r:id="rId20"/>
+    <p:sldId id="294" r:id="rId21"/>
   </p:sldIdLst>
   <p:sldSz cx="9144000" cy="6858000" type="screen4x3"/>
   <p:notesSz cx="6858000" cy="9144000"/>
   <p:custDataLst>
-    <p:tags r:id="rId22"/>
+    <p:tags r:id="rId23"/>
   </p:custDataLst>
   <p:defaultTextStyle>
     <a:defPPr>
@@ -236,7 +237,7 @@
             <a:fld id="{CF8F25F6-E1EF-4065-8525-42EDEBD9BD22}" type="datetimeFigureOut">
               <a:rPr lang="en-US" smtClean="0"/>
               <a:pPr/>
-              <a:t>8/29/2015</a:t>
+              <a:t>8/31/2016</a:t>
             </a:fld>
             <a:endParaRPr lang="en-US"/>
           </a:p>
@@ -302,38 +303,37 @@
           <a:p>
             <a:pPr lvl="0"/>
             <a:r>
-              <a:rPr lang="en-US" smtClean="0"/>
+              <a:rPr lang="en-US"/>
               <a:t>Click to edit Master text styles</a:t>
             </a:r>
           </a:p>
           <a:p>
             <a:pPr lvl="1"/>
             <a:r>
-              <a:rPr lang="en-US" smtClean="0"/>
+              <a:rPr lang="en-US"/>
               <a:t>Second level</a:t>
             </a:r>
           </a:p>
           <a:p>
             <a:pPr lvl="2"/>
             <a:r>
-              <a:rPr lang="en-US" smtClean="0"/>
+              <a:rPr lang="en-US"/>
               <a:t>Third level</a:t>
             </a:r>
           </a:p>
           <a:p>
             <a:pPr lvl="3"/>
             <a:r>
-              <a:rPr lang="en-US" smtClean="0"/>
+              <a:rPr lang="en-US"/>
               <a:t>Fourth level</a:t>
             </a:r>
           </a:p>
           <a:p>
             <a:pPr lvl="4"/>
             <a:r>
-              <a:rPr lang="en-US" smtClean="0"/>
+              <a:rPr lang="en-US"/>
               <a:t>Fifth level</a:t>
             </a:r>
-            <a:endParaRPr lang="en-US"/>
           </a:p>
         </p:txBody>
       </p:sp>
@@ -764,6 +764,91 @@
 </p:notes>
 </file>
 
+<file path=ppt/notesSlides/notesSlide12.xml><?xml version="1.0" encoding="utf-8"?>
+<p:notes xmlns:a="http://schemas.openxmlformats.org/drawingml/2006/main" xmlns:r="http://schemas.openxmlformats.org/officeDocument/2006/relationships" xmlns:p="http://schemas.openxmlformats.org/presentationml/2006/main">
+  <p:cSld>
+    <p:spTree>
+      <p:nvGrpSpPr>
+        <p:cNvPr id="1" name=""/>
+        <p:cNvGrpSpPr/>
+        <p:nvPr/>
+      </p:nvGrpSpPr>
+      <p:grpSpPr>
+        <a:xfrm>
+          <a:off x="0" y="0"/>
+          <a:ext cx="0" cy="0"/>
+          <a:chOff x="0" y="0"/>
+          <a:chExt cx="0" cy="0"/>
+        </a:xfrm>
+      </p:grpSpPr>
+      <p:sp>
+        <p:nvSpPr>
+          <p:cNvPr id="2" name="Slide Image Placeholder 1"/>
+          <p:cNvSpPr>
+            <a:spLocks noGrp="1" noRot="1" noChangeAspect="1"/>
+          </p:cNvSpPr>
+          <p:nvPr>
+            <p:ph type="sldImg"/>
+          </p:nvPr>
+        </p:nvSpPr>
+        <p:spPr/>
+      </p:sp>
+      <p:sp>
+        <p:nvSpPr>
+          <p:cNvPr id="3" name="Notes Placeholder 2"/>
+          <p:cNvSpPr>
+            <a:spLocks noGrp="1"/>
+          </p:cNvSpPr>
+          <p:nvPr>
+            <p:ph type="body" idx="1"/>
+          </p:nvPr>
+        </p:nvSpPr>
+        <p:spPr/>
+        <p:txBody>
+          <a:bodyPr/>
+          <a:lstStyle/>
+          <a:p>
+            <a:endParaRPr lang="en-US" dirty="0"/>
+          </a:p>
+        </p:txBody>
+      </p:sp>
+      <p:sp>
+        <p:nvSpPr>
+          <p:cNvPr id="4" name="Slide Number Placeholder 3"/>
+          <p:cNvSpPr>
+            <a:spLocks noGrp="1"/>
+          </p:cNvSpPr>
+          <p:nvPr>
+            <p:ph type="sldNum" sz="quarter" idx="10"/>
+          </p:nvPr>
+        </p:nvSpPr>
+        <p:spPr/>
+        <p:txBody>
+          <a:bodyPr/>
+          <a:lstStyle/>
+          <a:p>
+            <a:fld id="{00E1DFD8-B619-4FFF-B366-BDCC98D08110}" type="slidenum">
+              <a:rPr lang="en-US" smtClean="0"/>
+              <a:pPr/>
+              <a:t>18</a:t>
+            </a:fld>
+            <a:endParaRPr lang="en-US"/>
+          </a:p>
+        </p:txBody>
+      </p:sp>
+    </p:spTree>
+    <p:extLst>
+      <p:ext uri="{BB962C8B-B14F-4D97-AF65-F5344CB8AC3E}">
+        <p14:creationId xmlns:p14="http://schemas.microsoft.com/office/powerpoint/2010/main" val="2952722842"/>
+      </p:ext>
+    </p:extLst>
+  </p:cSld>
+  <p:clrMapOvr>
+    <a:masterClrMapping/>
+  </p:clrMapOvr>
+</p:notes>
+</file>
+
 <file path=ppt/notesSlides/notesSlide2.xml><?xml version="1.0" encoding="utf-8"?>
 <p:notes xmlns:a="http://schemas.openxmlformats.org/drawingml/2006/main" xmlns:r="http://schemas.openxmlformats.org/officeDocument/2006/relationships" xmlns:p="http://schemas.openxmlformats.org/presentationml/2006/main">
   <p:cSld>
@@ -1064,10 +1149,9 @@
           <a:lstStyle/>
           <a:p>
             <a:r>
-              <a:rPr lang="en-US" dirty="0" smtClean="0"/>
+              <a:rPr lang="en-US" dirty="0"/>
               <a:t>Again, </a:t>
             </a:r>
-            <a:endParaRPr lang="en-US" dirty="0"/>
           </a:p>
         </p:txBody>
       </p:sp>
@@ -1486,10 +1570,9 @@
           <a:lstStyle/>
           <a:p>
             <a:r>
-              <a:rPr lang="en-US" smtClean="0"/>
+              <a:rPr lang="en-US"/>
               <a:t>Click to edit Master title style</a:t>
             </a:r>
-            <a:endParaRPr lang="en-US"/>
           </a:p>
         </p:txBody>
       </p:sp>
@@ -1605,10 +1688,9 @@
           </a:lstStyle>
           <a:p>
             <a:r>
-              <a:rPr lang="en-US" smtClean="0"/>
+              <a:rPr lang="en-US"/>
               <a:t>Click to edit Master subtitle style</a:t>
             </a:r>
-            <a:endParaRPr lang="en-US"/>
           </a:p>
         </p:txBody>
       </p:sp>
@@ -1629,7 +1711,7 @@
           <a:p>
             <a:fld id="{2F1F79F5-7BEC-496A-AFC7-876E38F64D71}" type="datetime1">
               <a:rPr lang="en-US" smtClean="0"/>
-              <a:t>8/29/2015</a:t>
+              <a:t>8/31/2016</a:t>
             </a:fld>
             <a:endParaRPr lang="en-US"/>
           </a:p>
@@ -1687,13 +1769,6 @@
   <p:clrMapOvr>
     <a:masterClrMapping/>
   </p:clrMapOvr>
-  <p:timing>
-    <p:tnLst>
-      <p:par>
-        <p:cTn id="1" dur="indefinite" restart="never" nodeType="tmRoot"/>
-      </p:par>
-    </p:tnLst>
-  </p:timing>
 </p:sldLayout>
 </file>
 
@@ -1731,7 +1806,7 @@
           <a:p>
             <a:fld id="{0A05703A-7669-4FEA-9056-25299B4D29D4}" type="datetime1">
               <a:rPr lang="en-US" smtClean="0"/>
-              <a:t>8/29/2015</a:t>
+              <a:t>8/31/2016</a:t>
             </a:fld>
             <a:endParaRPr lang="en-US"/>
           </a:p>
@@ -1834,10 +1909,9 @@
           </a:lstStyle>
           <a:p>
             <a:r>
-              <a:rPr lang="en-US" smtClean="0"/>
+              <a:rPr lang="en-US"/>
               <a:t>Click to edit Master title style</a:t>
             </a:r>
-            <a:endParaRPr lang="en-US"/>
           </a:p>
         </p:txBody>
       </p:sp>
@@ -1891,38 +1965,37 @@
           <a:p>
             <a:pPr lvl="0"/>
             <a:r>
-              <a:rPr lang="en-US" smtClean="0"/>
+              <a:rPr lang="en-US"/>
               <a:t>Click to edit Master text styles</a:t>
             </a:r>
           </a:p>
           <a:p>
             <a:pPr lvl="1"/>
             <a:r>
-              <a:rPr lang="en-US" smtClean="0"/>
+              <a:rPr lang="en-US"/>
               <a:t>Second level</a:t>
             </a:r>
           </a:p>
           <a:p>
             <a:pPr lvl="2"/>
             <a:r>
-              <a:rPr lang="en-US" smtClean="0"/>
+              <a:rPr lang="en-US"/>
               <a:t>Third level</a:t>
             </a:r>
           </a:p>
           <a:p>
             <a:pPr lvl="3"/>
             <a:r>
-              <a:rPr lang="en-US" smtClean="0"/>
+              <a:rPr lang="en-US"/>
               <a:t>Fourth level</a:t>
             </a:r>
           </a:p>
           <a:p>
             <a:pPr lvl="4"/>
             <a:r>
-              <a:rPr lang="en-US" smtClean="0"/>
+              <a:rPr lang="en-US"/>
               <a:t>Fifth level</a:t>
             </a:r>
-            <a:endParaRPr lang="en-US"/>
           </a:p>
         </p:txBody>
       </p:sp>
@@ -1985,7 +2058,7 @@
           <a:p>
             <a:pPr lvl="0"/>
             <a:r>
-              <a:rPr lang="en-US" smtClean="0"/>
+              <a:rPr lang="en-US"/>
               <a:t>Click to edit Master text styles</a:t>
             </a:r>
           </a:p>
@@ -2008,7 +2081,7 @@
           <a:p>
             <a:fld id="{6E5077B5-BB57-49DB-88CA-226A139E5C01}" type="datetime1">
               <a:rPr lang="en-US" smtClean="0"/>
-              <a:t>8/29/2015</a:t>
+              <a:t>8/31/2016</a:t>
             </a:fld>
             <a:endParaRPr lang="en-US"/>
           </a:p>
@@ -2111,10 +2184,9 @@
           </a:lstStyle>
           <a:p>
             <a:r>
-              <a:rPr lang="en-US" smtClean="0"/>
+              <a:rPr lang="en-US"/>
               <a:t>Click to edit Master title style</a:t>
             </a:r>
-            <a:endParaRPr lang="en-US"/>
           </a:p>
         </p:txBody>
       </p:sp>
@@ -2238,7 +2310,7 @@
           <a:p>
             <a:pPr lvl="0"/>
             <a:r>
-              <a:rPr lang="en-US" smtClean="0"/>
+              <a:rPr lang="en-US"/>
               <a:t>Click to edit Master text styles</a:t>
             </a:r>
           </a:p>
@@ -2261,7 +2333,7 @@
           <a:p>
             <a:fld id="{C48D9447-CBD6-49A1-89FD-8512A8CF8999}" type="datetime1">
               <a:rPr lang="en-US" smtClean="0"/>
-              <a:t>8/29/2015</a:t>
+              <a:t>8/31/2016</a:t>
             </a:fld>
             <a:endParaRPr lang="en-US"/>
           </a:p>
@@ -2355,10 +2427,9 @@
           <a:lstStyle/>
           <a:p>
             <a:r>
-              <a:rPr lang="en-US" smtClean="0"/>
+              <a:rPr lang="en-US"/>
               <a:t>Click to edit Master title style</a:t>
             </a:r>
-            <a:endParaRPr lang="en-US"/>
           </a:p>
         </p:txBody>
       </p:sp>
@@ -2379,38 +2450,37 @@
           <a:p>
             <a:pPr lvl="0"/>
             <a:r>
-              <a:rPr lang="en-US" smtClean="0"/>
+              <a:rPr lang="en-US"/>
               <a:t>Click to edit Master text styles</a:t>
             </a:r>
           </a:p>
           <a:p>
             <a:pPr lvl="1"/>
             <a:r>
-              <a:rPr lang="en-US" smtClean="0"/>
+              <a:rPr lang="en-US"/>
               <a:t>Second level</a:t>
             </a:r>
           </a:p>
           <a:p>
             <a:pPr lvl="2"/>
             <a:r>
-              <a:rPr lang="en-US" smtClean="0"/>
+              <a:rPr lang="en-US"/>
               <a:t>Third level</a:t>
             </a:r>
           </a:p>
           <a:p>
             <a:pPr lvl="3"/>
             <a:r>
-              <a:rPr lang="en-US" smtClean="0"/>
+              <a:rPr lang="en-US"/>
               <a:t>Fourth level</a:t>
             </a:r>
           </a:p>
           <a:p>
             <a:pPr lvl="4"/>
             <a:r>
-              <a:rPr lang="en-US" smtClean="0"/>
+              <a:rPr lang="en-US"/>
               <a:t>Fifth level</a:t>
             </a:r>
-            <a:endParaRPr lang="en-US"/>
           </a:p>
         </p:txBody>
       </p:sp>
@@ -2431,7 +2501,7 @@
           <a:p>
             <a:fld id="{A3639A2A-823D-48B7-9ACE-7FAF42870BA9}" type="datetime1">
               <a:rPr lang="en-US" smtClean="0"/>
-              <a:t>8/29/2015</a:t>
+              <a:t>8/31/2016</a:t>
             </a:fld>
             <a:endParaRPr lang="en-US"/>
           </a:p>
@@ -2530,10 +2600,9 @@
           <a:lstStyle/>
           <a:p>
             <a:r>
-              <a:rPr lang="en-US" smtClean="0"/>
+              <a:rPr lang="en-US"/>
               <a:t>Click to edit Master title style</a:t>
             </a:r>
-            <a:endParaRPr lang="en-US"/>
           </a:p>
         </p:txBody>
       </p:sp>
@@ -2559,38 +2628,37 @@
           <a:p>
             <a:pPr lvl="0"/>
             <a:r>
-              <a:rPr lang="en-US" smtClean="0"/>
+              <a:rPr lang="en-US"/>
               <a:t>Click to edit Master text styles</a:t>
             </a:r>
           </a:p>
           <a:p>
             <a:pPr lvl="1"/>
             <a:r>
-              <a:rPr lang="en-US" smtClean="0"/>
+              <a:rPr lang="en-US"/>
               <a:t>Second level</a:t>
             </a:r>
           </a:p>
           <a:p>
             <a:pPr lvl="2"/>
             <a:r>
-              <a:rPr lang="en-US" smtClean="0"/>
+              <a:rPr lang="en-US"/>
               <a:t>Third level</a:t>
             </a:r>
           </a:p>
           <a:p>
             <a:pPr lvl="3"/>
             <a:r>
-              <a:rPr lang="en-US" smtClean="0"/>
+              <a:rPr lang="en-US"/>
               <a:t>Fourth level</a:t>
             </a:r>
           </a:p>
           <a:p>
             <a:pPr lvl="4"/>
             <a:r>
-              <a:rPr lang="en-US" smtClean="0"/>
+              <a:rPr lang="en-US"/>
               <a:t>Fifth level</a:t>
             </a:r>
-            <a:endParaRPr lang="en-US"/>
           </a:p>
         </p:txBody>
       </p:sp>
@@ -2611,7 +2679,7 @@
           <a:p>
             <a:fld id="{ED1B6996-82E9-463C-972C-7B56056E426C}" type="datetime1">
               <a:rPr lang="en-US" smtClean="0"/>
-              <a:t>8/29/2015</a:t>
+              <a:t>8/31/2016</a:t>
             </a:fld>
             <a:endParaRPr lang="en-US"/>
           </a:p>
@@ -2711,10 +2779,9 @@
           <a:lstStyle/>
           <a:p>
             <a:r>
-              <a:rPr lang="en-US" dirty="0" smtClean="0"/>
+              <a:rPr lang="en-US" dirty="0"/>
               <a:t>Click to edit Master title style</a:t>
             </a:r>
-            <a:endParaRPr lang="en-US" dirty="0"/>
           </a:p>
         </p:txBody>
       </p:sp>
@@ -2735,38 +2802,37 @@
           <a:p>
             <a:pPr lvl="0"/>
             <a:r>
-              <a:rPr lang="en-US" smtClean="0"/>
+              <a:rPr lang="en-US"/>
               <a:t>Click to edit Master text styles</a:t>
             </a:r>
           </a:p>
           <a:p>
             <a:pPr lvl="1"/>
             <a:r>
-              <a:rPr lang="en-US" smtClean="0"/>
+              <a:rPr lang="en-US"/>
               <a:t>Second level</a:t>
             </a:r>
           </a:p>
           <a:p>
             <a:pPr lvl="2"/>
             <a:r>
-              <a:rPr lang="en-US" smtClean="0"/>
+              <a:rPr lang="en-US"/>
               <a:t>Third level</a:t>
             </a:r>
           </a:p>
           <a:p>
             <a:pPr lvl="3"/>
             <a:r>
-              <a:rPr lang="en-US" smtClean="0"/>
+              <a:rPr lang="en-US"/>
               <a:t>Fourth level</a:t>
             </a:r>
           </a:p>
           <a:p>
             <a:pPr lvl="4"/>
             <a:r>
-              <a:rPr lang="en-US" smtClean="0"/>
+              <a:rPr lang="en-US"/>
               <a:t>Fifth level</a:t>
             </a:r>
-            <a:endParaRPr lang="en-US"/>
           </a:p>
         </p:txBody>
       </p:sp>
@@ -2787,7 +2853,7 @@
           <a:p>
             <a:fld id="{E22ED4DA-448D-4BB1-B935-CC112220207B}" type="datetime1">
               <a:rPr lang="en-US" smtClean="0"/>
-              <a:t>8/29/2015</a:t>
+              <a:t>8/31/2016</a:t>
             </a:fld>
             <a:endParaRPr lang="en-US"/>
           </a:p>
@@ -2845,13 +2911,6 @@
   <p:clrMapOvr>
     <a:masterClrMapping/>
   </p:clrMapOvr>
-  <p:timing>
-    <p:tnLst>
-      <p:par>
-        <p:cTn id="1" dur="indefinite" restart="never" nodeType="tmRoot"/>
-      </p:par>
-    </p:tnLst>
-  </p:timing>
 </p:sldLayout>
 </file>
 
@@ -2888,10 +2947,9 @@
           <a:lstStyle/>
           <a:p>
             <a:r>
-              <a:rPr lang="en-US" smtClean="0"/>
+              <a:rPr lang="en-US"/>
               <a:t>Click to edit Master title style</a:t>
             </a:r>
-            <a:endParaRPr lang="en-US"/>
           </a:p>
         </p:txBody>
       </p:sp>
@@ -2917,38 +2975,37 @@
           <a:p>
             <a:pPr lvl="0"/>
             <a:r>
-              <a:rPr lang="en-US" dirty="0" smtClean="0"/>
+              <a:rPr lang="en-US" dirty="0"/>
               <a:t>Click to edit Master text styles</a:t>
             </a:r>
           </a:p>
           <a:p>
             <a:pPr lvl="1"/>
             <a:r>
-              <a:rPr lang="en-US" dirty="0" smtClean="0"/>
+              <a:rPr lang="en-US" dirty="0"/>
               <a:t>Second level</a:t>
             </a:r>
           </a:p>
           <a:p>
             <a:pPr lvl="2"/>
             <a:r>
-              <a:rPr lang="en-US" dirty="0" smtClean="0"/>
+              <a:rPr lang="en-US" dirty="0"/>
               <a:t>Third level</a:t>
             </a:r>
           </a:p>
           <a:p>
             <a:pPr lvl="3"/>
             <a:r>
-              <a:rPr lang="en-US" dirty="0" smtClean="0"/>
+              <a:rPr lang="en-US" dirty="0"/>
               <a:t>Fourth level</a:t>
             </a:r>
           </a:p>
           <a:p>
             <a:pPr lvl="4"/>
             <a:r>
-              <a:rPr lang="en-US" dirty="0" smtClean="0"/>
+              <a:rPr lang="en-US" dirty="0"/>
               <a:t>Fifth level</a:t>
             </a:r>
-            <a:endParaRPr lang="en-US" dirty="0"/>
           </a:p>
         </p:txBody>
       </p:sp>
@@ -2969,7 +3026,7 @@
           <a:p>
             <a:fld id="{E22ED4DA-448D-4BB1-B935-CC112220207B}" type="datetime1">
               <a:rPr lang="en-US" smtClean="0"/>
-              <a:t>8/29/2015</a:t>
+              <a:t>8/31/2016</a:t>
             </a:fld>
             <a:endParaRPr lang="en-US"/>
           </a:p>
@@ -3059,7 +3116,7 @@
           <a:lstStyle/>
           <a:p>
             <a:pPr algn="ctr"/>
-            <a:endParaRPr lang="en-US" dirty="0" smtClean="0">
+            <a:endParaRPr lang="en-US" dirty="0">
               <a:solidFill>
                 <a:schemeClr val="tx1"/>
               </a:solidFill>
@@ -3090,11 +3147,11 @@
           <a:lstStyle/>
           <a:p>
             <a:r>
-              <a:rPr lang="en-US" dirty="0" smtClean="0"/>
+              <a:rPr lang="en-US" dirty="0"/>
               <a:t>Resize video to this</a:t>
             </a:r>
             <a:r>
-              <a:rPr lang="en-US" baseline="0" dirty="0" smtClean="0"/>
+              <a:rPr lang="en-US" baseline="0" dirty="0"/>
               <a:t> box.</a:t>
             </a:r>
             <a:endParaRPr lang="en-US" dirty="0"/>
@@ -3111,13 +3168,6 @@
   <p:clrMapOvr>
     <a:masterClrMapping/>
   </p:clrMapOvr>
-  <p:timing>
-    <p:tnLst>
-      <p:par>
-        <p:cTn id="1" dur="indefinite" restart="never" nodeType="tmRoot"/>
-      </p:par>
-    </p:tnLst>
-  </p:timing>
 </p:sldLayout>
 </file>
 
@@ -3154,10 +3204,9 @@
           <a:lstStyle/>
           <a:p>
             <a:r>
-              <a:rPr lang="en-US" smtClean="0"/>
+              <a:rPr lang="en-US"/>
               <a:t>Click to edit Master title style</a:t>
             </a:r>
-            <a:endParaRPr lang="en-US"/>
           </a:p>
         </p:txBody>
       </p:sp>
@@ -3186,38 +3235,37 @@
           <a:p>
             <a:pPr lvl="0"/>
             <a:r>
-              <a:rPr lang="en-US" dirty="0" smtClean="0"/>
+              <a:rPr lang="en-US" dirty="0"/>
               <a:t>Click to edit Master text styles</a:t>
             </a:r>
           </a:p>
           <a:p>
             <a:pPr lvl="1"/>
             <a:r>
-              <a:rPr lang="en-US" dirty="0" smtClean="0"/>
+              <a:rPr lang="en-US" dirty="0"/>
               <a:t>Second level</a:t>
             </a:r>
           </a:p>
           <a:p>
             <a:pPr lvl="2"/>
             <a:r>
-              <a:rPr lang="en-US" dirty="0" smtClean="0"/>
+              <a:rPr lang="en-US" dirty="0"/>
               <a:t>Third level</a:t>
             </a:r>
           </a:p>
           <a:p>
             <a:pPr lvl="3"/>
             <a:r>
-              <a:rPr lang="en-US" dirty="0" smtClean="0"/>
+              <a:rPr lang="en-US" dirty="0"/>
               <a:t>Fourth level</a:t>
             </a:r>
           </a:p>
           <a:p>
             <a:pPr lvl="4"/>
             <a:r>
-              <a:rPr lang="en-US" dirty="0" smtClean="0"/>
+              <a:rPr lang="en-US" dirty="0"/>
               <a:t>Fifth level</a:t>
             </a:r>
-            <a:endParaRPr lang="en-US" dirty="0"/>
           </a:p>
         </p:txBody>
       </p:sp>
@@ -3238,7 +3286,7 @@
           <a:p>
             <a:fld id="{FF5D65A6-AB94-4435-B0B7-3743215FA46C}" type="datetime1">
               <a:rPr lang="en-US" smtClean="0"/>
-              <a:t>8/29/2015</a:t>
+              <a:t>8/31/2016</a:t>
             </a:fld>
             <a:endParaRPr lang="en-US"/>
           </a:p>
@@ -3296,13 +3344,6 @@
   <p:clrMapOvr>
     <a:masterClrMapping/>
   </p:clrMapOvr>
-  <p:timing>
-    <p:tnLst>
-      <p:par>
-        <p:cTn id="1" dur="indefinite" restart="never" nodeType="tmRoot"/>
-      </p:par>
-    </p:tnLst>
-  </p:timing>
 </p:sldLayout>
 </file>
 
@@ -3339,10 +3380,9 @@
           <a:lstStyle/>
           <a:p>
             <a:r>
-              <a:rPr lang="en-US" smtClean="0"/>
+              <a:rPr lang="en-US"/>
               <a:t>Click to edit Master title style</a:t>
             </a:r>
-            <a:endParaRPr lang="en-US"/>
           </a:p>
         </p:txBody>
       </p:sp>
@@ -3371,38 +3411,37 @@
           <a:p>
             <a:pPr lvl="0"/>
             <a:r>
-              <a:rPr lang="en-US" dirty="0" smtClean="0"/>
+              <a:rPr lang="en-US" dirty="0"/>
               <a:t>Click to edit Master text styles</a:t>
             </a:r>
           </a:p>
           <a:p>
             <a:pPr lvl="1"/>
             <a:r>
-              <a:rPr lang="en-US" dirty="0" smtClean="0"/>
+              <a:rPr lang="en-US" dirty="0"/>
               <a:t>Second level</a:t>
             </a:r>
           </a:p>
           <a:p>
             <a:pPr lvl="2"/>
             <a:r>
-              <a:rPr lang="en-US" dirty="0" smtClean="0"/>
+              <a:rPr lang="en-US" dirty="0"/>
               <a:t>Third level</a:t>
             </a:r>
           </a:p>
           <a:p>
             <a:pPr lvl="3"/>
             <a:r>
-              <a:rPr lang="en-US" dirty="0" smtClean="0"/>
+              <a:rPr lang="en-US" dirty="0"/>
               <a:t>Fourth level</a:t>
             </a:r>
           </a:p>
           <a:p>
             <a:pPr lvl="4"/>
             <a:r>
-              <a:rPr lang="en-US" dirty="0" smtClean="0"/>
+              <a:rPr lang="en-US" dirty="0"/>
               <a:t>Fifth level</a:t>
             </a:r>
-            <a:endParaRPr lang="en-US" dirty="0"/>
           </a:p>
         </p:txBody>
       </p:sp>
@@ -3423,7 +3462,7 @@
           <a:p>
             <a:fld id="{FF5D65A6-AB94-4435-B0B7-3743215FA46C}" type="datetime1">
               <a:rPr lang="en-US" smtClean="0"/>
-              <a:t>8/29/2015</a:t>
+              <a:t>8/31/2016</a:t>
             </a:fld>
             <a:endParaRPr lang="en-US"/>
           </a:p>
@@ -3530,13 +3569,6 @@
   <p:clrMapOvr>
     <a:masterClrMapping/>
   </p:clrMapOvr>
-  <p:timing>
-    <p:tnLst>
-      <p:par>
-        <p:cTn id="1" dur="indefinite" restart="never" nodeType="tmRoot"/>
-      </p:par>
-    </p:tnLst>
-  </p:timing>
 </p:sldLayout>
 </file>
 
@@ -3582,10 +3614,9 @@
           </a:lstStyle>
           <a:p>
             <a:r>
-              <a:rPr lang="en-US" smtClean="0"/>
+              <a:rPr lang="en-US"/>
               <a:t>Click to edit Master title style</a:t>
             </a:r>
-            <a:endParaRPr lang="en-US"/>
           </a:p>
         </p:txBody>
       </p:sp>
@@ -3702,7 +3733,7 @@
           <a:p>
             <a:pPr lvl="0"/>
             <a:r>
-              <a:rPr lang="en-US" smtClean="0"/>
+              <a:rPr lang="en-US"/>
               <a:t>Click to edit Master text styles</a:t>
             </a:r>
           </a:p>
@@ -3725,7 +3756,7 @@
           <a:p>
             <a:fld id="{7C193DC4-6EF0-48C9-B29C-616106A645E1}" type="datetime1">
               <a:rPr lang="en-US" smtClean="0"/>
-              <a:t>8/29/2015</a:t>
+              <a:t>8/31/2016</a:t>
             </a:fld>
             <a:endParaRPr lang="en-US"/>
           </a:p>
@@ -3819,10 +3850,9 @@
           <a:lstStyle/>
           <a:p>
             <a:r>
-              <a:rPr lang="en-US" smtClean="0"/>
+              <a:rPr lang="en-US"/>
               <a:t>Click to edit Master title style</a:t>
             </a:r>
-            <a:endParaRPr lang="en-US"/>
           </a:p>
         </p:txBody>
       </p:sp>
@@ -3876,38 +3906,37 @@
           <a:p>
             <a:pPr lvl="0"/>
             <a:r>
-              <a:rPr lang="en-US" smtClean="0"/>
+              <a:rPr lang="en-US"/>
               <a:t>Click to edit Master text styles</a:t>
             </a:r>
           </a:p>
           <a:p>
             <a:pPr lvl="1"/>
             <a:r>
-              <a:rPr lang="en-US" smtClean="0"/>
+              <a:rPr lang="en-US"/>
               <a:t>Second level</a:t>
             </a:r>
           </a:p>
           <a:p>
             <a:pPr lvl="2"/>
             <a:r>
-              <a:rPr lang="en-US" smtClean="0"/>
+              <a:rPr lang="en-US"/>
               <a:t>Third level</a:t>
             </a:r>
           </a:p>
           <a:p>
             <a:pPr lvl="3"/>
             <a:r>
-              <a:rPr lang="en-US" smtClean="0"/>
+              <a:rPr lang="en-US"/>
               <a:t>Fourth level</a:t>
             </a:r>
           </a:p>
           <a:p>
             <a:pPr lvl="4"/>
             <a:r>
-              <a:rPr lang="en-US" smtClean="0"/>
+              <a:rPr lang="en-US"/>
               <a:t>Fifth level</a:t>
             </a:r>
-            <a:endParaRPr lang="en-US"/>
           </a:p>
         </p:txBody>
       </p:sp>
@@ -3961,38 +3990,37 @@
           <a:p>
             <a:pPr lvl="0"/>
             <a:r>
-              <a:rPr lang="en-US" smtClean="0"/>
+              <a:rPr lang="en-US"/>
               <a:t>Click to edit Master text styles</a:t>
             </a:r>
           </a:p>
           <a:p>
             <a:pPr lvl="1"/>
             <a:r>
-              <a:rPr lang="en-US" smtClean="0"/>
+              <a:rPr lang="en-US"/>
               <a:t>Second level</a:t>
             </a:r>
           </a:p>
           <a:p>
             <a:pPr lvl="2"/>
             <a:r>
-              <a:rPr lang="en-US" smtClean="0"/>
+              <a:rPr lang="en-US"/>
               <a:t>Third level</a:t>
             </a:r>
           </a:p>
           <a:p>
             <a:pPr lvl="3"/>
             <a:r>
-              <a:rPr lang="en-US" smtClean="0"/>
+              <a:rPr lang="en-US"/>
               <a:t>Fourth level</a:t>
             </a:r>
           </a:p>
           <a:p>
             <a:pPr lvl="4"/>
             <a:r>
-              <a:rPr lang="en-US" smtClean="0"/>
+              <a:rPr lang="en-US"/>
               <a:t>Fifth level</a:t>
             </a:r>
-            <a:endParaRPr lang="en-US"/>
           </a:p>
         </p:txBody>
       </p:sp>
@@ -4013,7 +4041,7 @@
           <a:p>
             <a:fld id="{5D1846AD-9252-4647-9435-4C2AC365653A}" type="datetime1">
               <a:rPr lang="en-US" smtClean="0"/>
-              <a:t>8/29/2015</a:t>
+              <a:t>8/31/2016</a:t>
             </a:fld>
             <a:endParaRPr lang="en-US"/>
           </a:p>
@@ -4111,10 +4139,9 @@
           </a:lstStyle>
           <a:p>
             <a:r>
-              <a:rPr lang="en-US" smtClean="0"/>
+              <a:rPr lang="en-US"/>
               <a:t>Click to edit Master title style</a:t>
             </a:r>
-            <a:endParaRPr lang="en-US"/>
           </a:p>
         </p:txBody>
       </p:sp>
@@ -4177,7 +4204,7 @@
           <a:p>
             <a:pPr lvl="0"/>
             <a:r>
-              <a:rPr lang="en-US" smtClean="0"/>
+              <a:rPr lang="en-US"/>
               <a:t>Click to edit Master text styles</a:t>
             </a:r>
           </a:p>
@@ -4233,38 +4260,37 @@
           <a:p>
             <a:pPr lvl="0"/>
             <a:r>
-              <a:rPr lang="en-US" smtClean="0"/>
+              <a:rPr lang="en-US"/>
               <a:t>Click to edit Master text styles</a:t>
             </a:r>
           </a:p>
           <a:p>
             <a:pPr lvl="1"/>
             <a:r>
-              <a:rPr lang="en-US" smtClean="0"/>
+              <a:rPr lang="en-US"/>
               <a:t>Second level</a:t>
             </a:r>
           </a:p>
           <a:p>
             <a:pPr lvl="2"/>
             <a:r>
-              <a:rPr lang="en-US" smtClean="0"/>
+              <a:rPr lang="en-US"/>
               <a:t>Third level</a:t>
             </a:r>
           </a:p>
           <a:p>
             <a:pPr lvl="3"/>
             <a:r>
-              <a:rPr lang="en-US" smtClean="0"/>
+              <a:rPr lang="en-US"/>
               <a:t>Fourth level</a:t>
             </a:r>
           </a:p>
           <a:p>
             <a:pPr lvl="4"/>
             <a:r>
-              <a:rPr lang="en-US" smtClean="0"/>
+              <a:rPr lang="en-US"/>
               <a:t>Fifth level</a:t>
             </a:r>
-            <a:endParaRPr lang="en-US"/>
           </a:p>
         </p:txBody>
       </p:sp>
@@ -4327,7 +4353,7 @@
           <a:p>
             <a:pPr lvl="0"/>
             <a:r>
-              <a:rPr lang="en-US" smtClean="0"/>
+              <a:rPr lang="en-US"/>
               <a:t>Click to edit Master text styles</a:t>
             </a:r>
           </a:p>
@@ -4383,38 +4409,37 @@
           <a:p>
             <a:pPr lvl="0"/>
             <a:r>
-              <a:rPr lang="en-US" smtClean="0"/>
+              <a:rPr lang="en-US"/>
               <a:t>Click to edit Master text styles</a:t>
             </a:r>
           </a:p>
           <a:p>
             <a:pPr lvl="1"/>
             <a:r>
-              <a:rPr lang="en-US" smtClean="0"/>
+              <a:rPr lang="en-US"/>
               <a:t>Second level</a:t>
             </a:r>
           </a:p>
           <a:p>
             <a:pPr lvl="2"/>
             <a:r>
-              <a:rPr lang="en-US" smtClean="0"/>
+              <a:rPr lang="en-US"/>
               <a:t>Third level</a:t>
             </a:r>
           </a:p>
           <a:p>
             <a:pPr lvl="3"/>
             <a:r>
-              <a:rPr lang="en-US" smtClean="0"/>
+              <a:rPr lang="en-US"/>
               <a:t>Fourth level</a:t>
             </a:r>
           </a:p>
           <a:p>
             <a:pPr lvl="4"/>
             <a:r>
-              <a:rPr lang="en-US" smtClean="0"/>
+              <a:rPr lang="en-US"/>
               <a:t>Fifth level</a:t>
             </a:r>
-            <a:endParaRPr lang="en-US"/>
           </a:p>
         </p:txBody>
       </p:sp>
@@ -4435,7 +4460,7 @@
           <a:p>
             <a:fld id="{CE56DC10-3561-4063-A6AF-C1CC7A41040A}" type="datetime1">
               <a:rPr lang="en-US" smtClean="0"/>
-              <a:t>8/29/2015</a:t>
+              <a:t>8/31/2016</a:t>
             </a:fld>
             <a:endParaRPr lang="en-US"/>
           </a:p>
@@ -4529,10 +4554,9 @@
           <a:lstStyle/>
           <a:p>
             <a:r>
-              <a:rPr lang="en-US" smtClean="0"/>
+              <a:rPr lang="en-US"/>
               <a:t>Click to edit Master title style</a:t>
             </a:r>
-            <a:endParaRPr lang="en-US"/>
           </a:p>
         </p:txBody>
       </p:sp>
@@ -4553,7 +4577,7 @@
           <a:p>
             <a:fld id="{2F7B77F5-1464-4F6B-92A8-64FC8A508293}" type="datetime1">
               <a:rPr lang="en-US" smtClean="0"/>
-              <a:t>8/29/2015</a:t>
+              <a:t>8/31/2016</a:t>
             </a:fld>
             <a:endParaRPr lang="en-US"/>
           </a:p>
@@ -4611,13 +4635,6 @@
   <p:clrMapOvr>
     <a:masterClrMapping/>
   </p:clrMapOvr>
-  <p:timing>
-    <p:tnLst>
-      <p:par>
-        <p:cTn id="1" dur="indefinite" restart="never" nodeType="tmRoot"/>
-      </p:par>
-    </p:tnLst>
-  </p:timing>
 </p:sldLayout>
 </file>
 
@@ -4681,10 +4698,9 @@
           <a:lstStyle/>
           <a:p>
             <a:r>
-              <a:rPr lang="en-US" smtClean="0"/>
+              <a:rPr lang="en-US"/>
               <a:t>Click to edit Master title style</a:t>
             </a:r>
-            <a:endParaRPr lang="en-US"/>
           </a:p>
         </p:txBody>
       </p:sp>
@@ -4715,38 +4731,37 @@
           <a:p>
             <a:pPr lvl="0"/>
             <a:r>
-              <a:rPr lang="en-US" smtClean="0"/>
+              <a:rPr lang="en-US"/>
               <a:t>Click to edit Master text styles</a:t>
             </a:r>
           </a:p>
           <a:p>
             <a:pPr lvl="1"/>
             <a:r>
-              <a:rPr lang="en-US" smtClean="0"/>
+              <a:rPr lang="en-US"/>
               <a:t>Second level</a:t>
             </a:r>
           </a:p>
           <a:p>
             <a:pPr lvl="2"/>
             <a:r>
-              <a:rPr lang="en-US" smtClean="0"/>
+              <a:rPr lang="en-US"/>
               <a:t>Third level</a:t>
             </a:r>
           </a:p>
           <a:p>
             <a:pPr lvl="3"/>
             <a:r>
-              <a:rPr lang="en-US" smtClean="0"/>
+              <a:rPr lang="en-US"/>
               <a:t>Fourth level</a:t>
             </a:r>
           </a:p>
           <a:p>
             <a:pPr lvl="4"/>
             <a:r>
-              <a:rPr lang="en-US" smtClean="0"/>
+              <a:rPr lang="en-US"/>
               <a:t>Fifth level</a:t>
             </a:r>
-            <a:endParaRPr lang="en-US"/>
           </a:p>
         </p:txBody>
       </p:sp>
@@ -4785,7 +4800,7 @@
           <a:p>
             <a:fld id="{02B3F677-983B-48DB-ADFD-63FE6CBC7FB2}" type="datetime1">
               <a:rPr lang="en-US" smtClean="0"/>
-              <a:t>8/29/2015</a:t>
+              <a:t>8/31/2016</a:t>
             </a:fld>
             <a:endParaRPr lang="en-US"/>
           </a:p>
@@ -4893,13 +4908,6 @@
     <p:sldLayoutId id="2147483674" r:id="rId13"/>
     <p:sldLayoutId id="2147483675" r:id="rId14"/>
   </p:sldLayoutIdLst>
-  <p:timing>
-    <p:tnLst>
-      <p:par>
-        <p:cTn id="1" dur="indefinite" restart="never" nodeType="tmRoot"/>
-      </p:par>
-    </p:tnLst>
-  </p:timing>
   <p:hf hdr="0" ftr="0" dt="0"/>
   <p:txStyles>
     <p:titleStyle>
@@ -5235,21 +5243,21 @@
           <a:lstStyle/>
           <a:p>
             <a:r>
-              <a:rPr lang="en-US" dirty="0" smtClean="0"/>
+              <a:rPr lang="en-US" dirty="0"/>
               <a:t>CS 5010 Program Design Paradigms “</a:t>
             </a:r>
             <a:r>
-              <a:rPr lang="en-US" dirty="0" err="1" smtClean="0"/>
+              <a:rPr lang="en-US" dirty="0" err="1"/>
               <a:t>Bootcamp</a:t>
             </a:r>
             <a:r>
-              <a:rPr lang="en-US" dirty="0" smtClean="0"/>
+              <a:rPr lang="en-US" dirty="0"/>
               <a:t>”</a:t>
             </a:r>
           </a:p>
           <a:p>
             <a:r>
-              <a:rPr lang="en-US" dirty="0" smtClean="0"/>
+              <a:rPr lang="en-US" dirty="0"/>
               <a:t>Lesson 5.3</a:t>
             </a:r>
           </a:p>
@@ -5309,29 +5317,29 @@
           <a:lstStyle/>
           <a:p>
             <a:r>
-              <a:rPr lang="en-US" smtClean="0"/>
+              <a:rPr lang="en-US"/>
               <a:t>TexPoint fonts used in EMF. </a:t>
             </a:r>
           </a:p>
           <a:p>
             <a:r>
-              <a:rPr lang="en-US" smtClean="0"/>
+              <a:rPr lang="en-US"/>
               <a:t>Read the TexPoint manual before you delete this box.: </a:t>
             </a:r>
             <a:r>
-              <a:rPr lang="en-US" smtClean="0">
+              <a:rPr lang="en-US">
                 <a:latin typeface="CMMI10"/>
               </a:rPr>
               <a:t>A</a:t>
             </a:r>
             <a:r>
-              <a:rPr lang="en-US" smtClean="0">
+              <a:rPr lang="en-US">
                 <a:latin typeface="CMR10"/>
               </a:rPr>
               <a:t>A</a:t>
             </a:r>
             <a:r>
-              <a:rPr lang="en-US" smtClean="0">
+              <a:rPr lang="en-US">
                 <a:latin typeface="CMSY10ORIG"/>
               </a:rPr>
               <a:t>A</a:t>
@@ -5408,27 +5416,13 @@
             <a:p>
               <a:r>
                 <a:rPr lang="en-US" sz="1000" dirty="0"/>
-                <a:t>© Mitchell Wand, </a:t>
-              </a:r>
-              <a:r>
-                <a:rPr lang="en-US" sz="1000" dirty="0" smtClean="0"/>
-                <a:t>2012-2015</a:t>
+                <a:t>© Mitchell Wand, 2012-2015</a:t>
               </a:r>
             </a:p>
             <a:p>
               <a:r>
-                <a:rPr lang="en-US" sz="1000" dirty="0" smtClean="0"/>
+                <a:rPr lang="en-US" sz="1000" dirty="0"/>
                 <a:t>This work is licensed under a </a:t>
-              </a:r>
-              <a:r>
-                <a:rPr lang="en-US" altLang="en-US" sz="1000" dirty="0" smtClean="0">
-                  <a:solidFill>
-                    <a:srgbClr val="4374B7"/>
-                  </a:solidFill>
-                  <a:latin typeface="Helvetica Neue"/>
-                  <a:hlinkClick r:id="rId5"/>
-                </a:rPr>
-                <a:t>Creative </a:t>
               </a:r>
               <a:r>
                 <a:rPr lang="en-US" altLang="en-US" sz="1000" dirty="0">
@@ -5438,7 +5432,7 @@
                   <a:latin typeface="Helvetica Neue"/>
                   <a:hlinkClick r:id="rId5"/>
                 </a:rPr>
-                <a:t>Commons Attribution-</a:t>
+                <a:t>Creative Commons Attribution-</a:t>
               </a:r>
               <a:r>
                 <a:rPr lang="en-US" altLang="en-US" sz="1000" dirty="0" err="1">
@@ -5461,10 +5455,9 @@
                 <a:t> 4.0 International License</a:t>
               </a:r>
               <a:r>
-                <a:rPr lang="en-US" sz="1000" dirty="0" smtClean="0"/>
+                <a:rPr lang="en-US" sz="1000" dirty="0"/>
                 <a:t>.</a:t>
               </a:r>
-              <a:endParaRPr lang="en-US" sz="1000" dirty="0"/>
             </a:p>
           </p:txBody>
         </p:sp>
@@ -5474,13 +5467,6 @@
   <p:clrMapOvr>
     <a:masterClrMapping/>
   </p:clrMapOvr>
-  <p:timing>
-    <p:tnLst>
-      <p:par>
-        <p:cTn id="1" dur="indefinite" restart="never" nodeType="tmRoot"/>
-      </p:par>
-    </p:tnLst>
-  </p:timing>
 </p:sld>
 </file>
 
@@ -5664,15 +5650,15 @@
           </a:lstStyle>
           <a:p>
             <a:r>
-              <a:rPr lang="en-US" dirty="0" err="1" smtClean="0"/>
+              <a:rPr lang="en-US" dirty="0" err="1"/>
               <a:t>ormap</a:t>
             </a:r>
             <a:r>
-              <a:rPr lang="en-US" dirty="0" smtClean="0"/>
+              <a:rPr lang="en-US" dirty="0"/>
               <a:t> : </a:t>
             </a:r>
             <a:r>
-              <a:rPr lang="en-US" dirty="0" smtClean="0">
+              <a:rPr lang="en-US" dirty="0">
                 <a:solidFill>
                   <a:schemeClr val="bg1"/>
                 </a:solidFill>
@@ -5680,7 +5666,7 @@
               <a:t>(X -&gt; Bool) </a:t>
             </a:r>
             <a:r>
-              <a:rPr lang="en-US" dirty="0" err="1" smtClean="0">
+              <a:rPr lang="en-US" dirty="0" err="1">
                 <a:solidFill>
                   <a:schemeClr val="bg1"/>
                 </a:solidFill>
@@ -5688,7 +5674,7 @@
               <a:t>ListOfX</a:t>
             </a:r>
             <a:r>
-              <a:rPr lang="en-US" dirty="0" smtClean="0">
+              <a:rPr lang="en-US" dirty="0">
                 <a:solidFill>
                   <a:schemeClr val="bg1"/>
                 </a:solidFill>
@@ -5696,11 +5682,11 @@
               <a:t> </a:t>
             </a:r>
             <a:r>
-              <a:rPr lang="en-US" dirty="0" smtClean="0"/>
+              <a:rPr lang="en-US" dirty="0"/>
               <a:t>-&gt; </a:t>
             </a:r>
             <a:r>
-              <a:rPr lang="en-US" dirty="0" smtClean="0">
+              <a:rPr lang="en-US" dirty="0">
                 <a:solidFill>
                   <a:schemeClr val="bg1"/>
                 </a:solidFill>
@@ -5710,19 +5696,19 @@
           </a:p>
           <a:p>
             <a:r>
-              <a:rPr lang="en-US" dirty="0" smtClean="0"/>
+              <a:rPr lang="en-US" dirty="0"/>
               <a:t>(define (</a:t>
             </a:r>
             <a:r>
-              <a:rPr lang="en-US" dirty="0" err="1" smtClean="0"/>
+              <a:rPr lang="en-US" dirty="0" err="1"/>
               <a:t>ormap</a:t>
             </a:r>
             <a:r>
-              <a:rPr lang="en-US" dirty="0" smtClean="0"/>
+              <a:rPr lang="en-US" dirty="0"/>
               <a:t> </a:t>
             </a:r>
             <a:r>
-              <a:rPr lang="en-US" dirty="0" err="1" smtClean="0">
+              <a:rPr lang="en-US" dirty="0" err="1">
                 <a:solidFill>
                   <a:srgbClr val="FF0000"/>
                 </a:solidFill>
@@ -5730,7 +5716,7 @@
               <a:t>fn</a:t>
             </a:r>
             <a:r>
-              <a:rPr lang="en-US" dirty="0" smtClean="0">
+              <a:rPr lang="en-US" dirty="0">
                 <a:solidFill>
                   <a:srgbClr val="FF0000"/>
                 </a:solidFill>
@@ -5738,58 +5724,58 @@
               <a:t> </a:t>
             </a:r>
             <a:r>
-              <a:rPr lang="en-US" dirty="0" err="1" smtClean="0"/>
+              <a:rPr lang="en-US" dirty="0" err="1"/>
               <a:t>lst</a:t>
             </a:r>
             <a:r>
-              <a:rPr lang="en-US" dirty="0" smtClean="0"/>
+              <a:rPr lang="en-US" dirty="0"/>
               <a:t>)</a:t>
             </a:r>
           </a:p>
           <a:p>
             <a:r>
-              <a:rPr lang="en-US" dirty="0" smtClean="0"/>
+              <a:rPr lang="en-US" dirty="0"/>
               <a:t>  (</a:t>
             </a:r>
             <a:r>
-              <a:rPr lang="en-US" dirty="0" err="1" smtClean="0"/>
+              <a:rPr lang="en-US" dirty="0" err="1"/>
               <a:t>cond</a:t>
             </a:r>
-            <a:endParaRPr lang="en-US" dirty="0" smtClean="0"/>
-          </a:p>
-          <a:p>
-            <a:r>
-              <a:rPr lang="en-US" dirty="0" smtClean="0"/>
+            <a:endParaRPr lang="en-US" dirty="0"/>
+          </a:p>
+          <a:p>
+            <a:r>
+              <a:rPr lang="en-US" dirty="0"/>
               <a:t>	[(empty? </a:t>
             </a:r>
             <a:r>
-              <a:rPr lang="en-US" dirty="0" err="1" smtClean="0"/>
+              <a:rPr lang="en-US" dirty="0" err="1"/>
               <a:t>lst</a:t>
             </a:r>
             <a:r>
-              <a:rPr lang="en-US" dirty="0" smtClean="0"/>
+              <a:rPr lang="en-US" dirty="0"/>
               <a:t>) false]</a:t>
             </a:r>
           </a:p>
           <a:p>
             <a:r>
-              <a:rPr lang="en-US" dirty="0" smtClean="0"/>
+              <a:rPr lang="en-US" dirty="0"/>
               <a:t>    [else</a:t>
             </a:r>
           </a:p>
           <a:p>
             <a:r>
-              <a:rPr lang="en-US" dirty="0" smtClean="0"/>
+              <a:rPr lang="en-US" dirty="0"/>
               <a:t>      (or</a:t>
             </a:r>
           </a:p>
           <a:p>
             <a:r>
-              <a:rPr lang="en-US" dirty="0" smtClean="0"/>
+              <a:rPr lang="en-US" dirty="0"/>
               <a:t>        (</a:t>
             </a:r>
             <a:r>
-              <a:rPr lang="en-US" dirty="0" err="1" smtClean="0">
+              <a:rPr lang="en-US" dirty="0" err="1">
                 <a:solidFill>
                   <a:srgbClr val="FF0000"/>
                 </a:solidFill>
@@ -5797,45 +5783,45 @@
               <a:t>fn</a:t>
             </a:r>
             <a:r>
-              <a:rPr lang="en-US" dirty="0" smtClean="0"/>
+              <a:rPr lang="en-US" dirty="0"/>
               <a:t> (first </a:t>
             </a:r>
             <a:r>
-              <a:rPr lang="en-US" dirty="0" err="1" smtClean="0"/>
+              <a:rPr lang="en-US" dirty="0" err="1"/>
               <a:t>lst</a:t>
             </a:r>
             <a:r>
-              <a:rPr lang="en-US" dirty="0" smtClean="0"/>
+              <a:rPr lang="en-US" dirty="0"/>
               <a:t>))</a:t>
             </a:r>
           </a:p>
           <a:p>
             <a:r>
-              <a:rPr lang="en-US" dirty="0" smtClean="0"/>
+              <a:rPr lang="en-US" dirty="0"/>
               <a:t>        (</a:t>
             </a:r>
             <a:r>
-              <a:rPr lang="en-US" dirty="0" err="1" smtClean="0"/>
+              <a:rPr lang="en-US" dirty="0" err="1"/>
               <a:t>ormap</a:t>
             </a:r>
             <a:r>
-              <a:rPr lang="en-US" dirty="0" smtClean="0"/>
+              <a:rPr lang="en-US" dirty="0"/>
               <a:t> </a:t>
             </a:r>
             <a:r>
-              <a:rPr lang="en-US" dirty="0" err="1" smtClean="0"/>
+              <a:rPr lang="en-US" dirty="0" err="1"/>
               <a:t>fn</a:t>
             </a:r>
             <a:r>
-              <a:rPr lang="en-US" dirty="0" smtClean="0"/>
+              <a:rPr lang="en-US" dirty="0"/>
               <a:t> (rest </a:t>
             </a:r>
             <a:r>
-              <a:rPr lang="en-US" dirty="0" err="1" smtClean="0"/>
+              <a:rPr lang="en-US" dirty="0" err="1"/>
               <a:t>lst</a:t>
             </a:r>
             <a:r>
-              <a:rPr lang="en-US" dirty="0" smtClean="0"/>
+              <a:rPr lang="en-US" dirty="0"/>
               <a:t>)))]))</a:t>
             </a:r>
           </a:p>
@@ -6007,15 +5993,15 @@
           </a:lstStyle>
           <a:p>
             <a:r>
-              <a:rPr lang="en-US" dirty="0" err="1" smtClean="0"/>
+              <a:rPr lang="en-US" dirty="0" err="1"/>
               <a:t>ormap</a:t>
             </a:r>
             <a:r>
-              <a:rPr lang="en-US" dirty="0" smtClean="0"/>
+              <a:rPr lang="en-US" dirty="0"/>
               <a:t> : </a:t>
             </a:r>
             <a:r>
-              <a:rPr lang="en-US" dirty="0" smtClean="0">
+              <a:rPr lang="en-US" dirty="0">
                 <a:solidFill>
                   <a:schemeClr val="bg1"/>
                 </a:solidFill>
@@ -6023,7 +6009,7 @@
               <a:t>(X -&gt; Bool) </a:t>
             </a:r>
             <a:r>
-              <a:rPr lang="en-US" dirty="0" err="1" smtClean="0">
+              <a:rPr lang="en-US" dirty="0" err="1">
                 <a:solidFill>
                   <a:schemeClr val="bg1"/>
                 </a:solidFill>
@@ -6031,7 +6017,7 @@
               <a:t>ListOfX</a:t>
             </a:r>
             <a:r>
-              <a:rPr lang="en-US" dirty="0" smtClean="0">
+              <a:rPr lang="en-US" dirty="0">
                 <a:solidFill>
                   <a:schemeClr val="bg1"/>
                 </a:solidFill>
@@ -6039,25 +6025,25 @@
               <a:t> </a:t>
             </a:r>
             <a:r>
-              <a:rPr lang="en-US" dirty="0" smtClean="0"/>
+              <a:rPr lang="en-US" dirty="0"/>
               <a:t>-&gt; Bool</a:t>
             </a:r>
           </a:p>
           <a:p>
             <a:r>
-              <a:rPr lang="en-US" dirty="0" smtClean="0"/>
+              <a:rPr lang="en-US" dirty="0"/>
               <a:t>(define (</a:t>
             </a:r>
             <a:r>
-              <a:rPr lang="en-US" dirty="0" err="1" smtClean="0"/>
+              <a:rPr lang="en-US" dirty="0" err="1"/>
               <a:t>ormap</a:t>
             </a:r>
             <a:r>
-              <a:rPr lang="en-US" dirty="0" smtClean="0"/>
+              <a:rPr lang="en-US" dirty="0"/>
               <a:t> </a:t>
             </a:r>
             <a:r>
-              <a:rPr lang="en-US" dirty="0" err="1" smtClean="0">
+              <a:rPr lang="en-US" dirty="0" err="1">
                 <a:solidFill>
                   <a:srgbClr val="FF0000"/>
                 </a:solidFill>
@@ -6065,7 +6051,7 @@
               <a:t>fn</a:t>
             </a:r>
             <a:r>
-              <a:rPr lang="en-US" dirty="0" smtClean="0">
+              <a:rPr lang="en-US" dirty="0">
                 <a:solidFill>
                   <a:srgbClr val="FF0000"/>
                 </a:solidFill>
@@ -6073,58 +6059,58 @@
               <a:t> </a:t>
             </a:r>
             <a:r>
-              <a:rPr lang="en-US" dirty="0" err="1" smtClean="0"/>
+              <a:rPr lang="en-US" dirty="0" err="1"/>
               <a:t>lst</a:t>
             </a:r>
             <a:r>
-              <a:rPr lang="en-US" dirty="0" smtClean="0"/>
+              <a:rPr lang="en-US" dirty="0"/>
               <a:t>)</a:t>
             </a:r>
           </a:p>
           <a:p>
             <a:r>
-              <a:rPr lang="en-US" dirty="0" smtClean="0"/>
+              <a:rPr lang="en-US" dirty="0"/>
               <a:t>  (</a:t>
             </a:r>
             <a:r>
-              <a:rPr lang="en-US" dirty="0" err="1" smtClean="0"/>
+              <a:rPr lang="en-US" dirty="0" err="1"/>
               <a:t>cond</a:t>
             </a:r>
-            <a:endParaRPr lang="en-US" dirty="0" smtClean="0"/>
-          </a:p>
-          <a:p>
-            <a:r>
-              <a:rPr lang="en-US" dirty="0" smtClean="0"/>
+            <a:endParaRPr lang="en-US" dirty="0"/>
+          </a:p>
+          <a:p>
+            <a:r>
+              <a:rPr lang="en-US" dirty="0"/>
               <a:t>	[(empty? </a:t>
             </a:r>
             <a:r>
-              <a:rPr lang="en-US" dirty="0" err="1" smtClean="0"/>
+              <a:rPr lang="en-US" dirty="0" err="1"/>
               <a:t>lst</a:t>
             </a:r>
             <a:r>
-              <a:rPr lang="en-US" dirty="0" smtClean="0"/>
+              <a:rPr lang="en-US" dirty="0"/>
               <a:t>) false]</a:t>
             </a:r>
           </a:p>
           <a:p>
             <a:r>
-              <a:rPr lang="en-US" dirty="0" smtClean="0"/>
+              <a:rPr lang="en-US" dirty="0"/>
               <a:t>    [else</a:t>
             </a:r>
           </a:p>
           <a:p>
             <a:r>
-              <a:rPr lang="en-US" dirty="0" smtClean="0"/>
+              <a:rPr lang="en-US" dirty="0"/>
               <a:t>      (or</a:t>
             </a:r>
           </a:p>
           <a:p>
             <a:r>
-              <a:rPr lang="en-US" dirty="0" smtClean="0"/>
+              <a:rPr lang="en-US" dirty="0"/>
               <a:t>        (</a:t>
             </a:r>
             <a:r>
-              <a:rPr lang="en-US" dirty="0" err="1" smtClean="0">
+              <a:rPr lang="en-US" dirty="0" err="1">
                 <a:solidFill>
                   <a:srgbClr val="FF0000"/>
                 </a:solidFill>
@@ -6132,45 +6118,45 @@
               <a:t>fn</a:t>
             </a:r>
             <a:r>
-              <a:rPr lang="en-US" dirty="0" smtClean="0"/>
+              <a:rPr lang="en-US" dirty="0"/>
               <a:t> (first </a:t>
             </a:r>
             <a:r>
-              <a:rPr lang="en-US" dirty="0" err="1" smtClean="0"/>
+              <a:rPr lang="en-US" dirty="0" err="1"/>
               <a:t>lst</a:t>
             </a:r>
             <a:r>
-              <a:rPr lang="en-US" dirty="0" smtClean="0"/>
+              <a:rPr lang="en-US" dirty="0"/>
               <a:t>))</a:t>
             </a:r>
           </a:p>
           <a:p>
             <a:r>
-              <a:rPr lang="en-US" dirty="0" smtClean="0"/>
+              <a:rPr lang="en-US" dirty="0"/>
               <a:t>        (</a:t>
             </a:r>
             <a:r>
-              <a:rPr lang="en-US" dirty="0" err="1" smtClean="0"/>
+              <a:rPr lang="en-US" dirty="0" err="1"/>
               <a:t>ormap</a:t>
             </a:r>
             <a:r>
-              <a:rPr lang="en-US" dirty="0" smtClean="0"/>
+              <a:rPr lang="en-US" dirty="0"/>
               <a:t> </a:t>
             </a:r>
             <a:r>
-              <a:rPr lang="en-US" dirty="0" err="1" smtClean="0"/>
+              <a:rPr lang="en-US" dirty="0" err="1"/>
               <a:t>fn</a:t>
             </a:r>
             <a:r>
-              <a:rPr lang="en-US" dirty="0" smtClean="0"/>
+              <a:rPr lang="en-US" dirty="0"/>
               <a:t> (rest </a:t>
             </a:r>
             <a:r>
-              <a:rPr lang="en-US" dirty="0" err="1" smtClean="0"/>
+              <a:rPr lang="en-US" dirty="0" err="1"/>
               <a:t>lst</a:t>
             </a:r>
             <a:r>
-              <a:rPr lang="en-US" dirty="0" smtClean="0"/>
+              <a:rPr lang="en-US" dirty="0"/>
               <a:t>)))]))</a:t>
             </a:r>
           </a:p>
@@ -6342,37 +6328,37 @@
           </a:lstStyle>
           <a:p>
             <a:r>
-              <a:rPr lang="en-US" dirty="0" err="1" smtClean="0"/>
+              <a:rPr lang="en-US" dirty="0" err="1"/>
               <a:t>ormap</a:t>
             </a:r>
             <a:r>
-              <a:rPr lang="en-US" dirty="0" smtClean="0"/>
+              <a:rPr lang="en-US" dirty="0"/>
               <a:t> : (X -&gt; Bool) </a:t>
             </a:r>
             <a:r>
-              <a:rPr lang="en-US" dirty="0" err="1" smtClean="0"/>
+              <a:rPr lang="en-US" dirty="0" err="1"/>
               <a:t>ListOfX</a:t>
             </a:r>
             <a:r>
-              <a:rPr lang="en-US" dirty="0" smtClean="0"/>
+              <a:rPr lang="en-US" dirty="0"/>
               <a:t> -&gt; Bool</a:t>
             </a:r>
           </a:p>
           <a:p>
             <a:r>
-              <a:rPr lang="en-US" dirty="0" smtClean="0"/>
+              <a:rPr lang="en-US" dirty="0"/>
               <a:t>(define (</a:t>
             </a:r>
             <a:r>
-              <a:rPr lang="en-US" dirty="0" err="1" smtClean="0"/>
+              <a:rPr lang="en-US" dirty="0" err="1"/>
               <a:t>ormap</a:t>
             </a:r>
             <a:r>
-              <a:rPr lang="en-US" dirty="0" smtClean="0"/>
+              <a:rPr lang="en-US" dirty="0"/>
               <a:t> </a:t>
             </a:r>
             <a:r>
-              <a:rPr lang="en-US" dirty="0" err="1" smtClean="0">
+              <a:rPr lang="en-US" dirty="0" err="1">
                 <a:solidFill>
                   <a:srgbClr val="FF0000"/>
                 </a:solidFill>
@@ -6380,7 +6366,7 @@
               <a:t>fn</a:t>
             </a:r>
             <a:r>
-              <a:rPr lang="en-US" dirty="0" smtClean="0">
+              <a:rPr lang="en-US" dirty="0">
                 <a:solidFill>
                   <a:srgbClr val="FF0000"/>
                 </a:solidFill>
@@ -6388,58 +6374,58 @@
               <a:t> </a:t>
             </a:r>
             <a:r>
-              <a:rPr lang="en-US" dirty="0" err="1" smtClean="0"/>
+              <a:rPr lang="en-US" dirty="0" err="1"/>
               <a:t>lst</a:t>
             </a:r>
             <a:r>
-              <a:rPr lang="en-US" dirty="0" smtClean="0"/>
+              <a:rPr lang="en-US" dirty="0"/>
               <a:t>)</a:t>
             </a:r>
           </a:p>
           <a:p>
             <a:r>
-              <a:rPr lang="en-US" dirty="0" smtClean="0"/>
+              <a:rPr lang="en-US" dirty="0"/>
               <a:t>  (</a:t>
             </a:r>
             <a:r>
-              <a:rPr lang="en-US" dirty="0" err="1" smtClean="0"/>
+              <a:rPr lang="en-US" dirty="0" err="1"/>
               <a:t>cond</a:t>
             </a:r>
-            <a:endParaRPr lang="en-US" dirty="0" smtClean="0"/>
-          </a:p>
-          <a:p>
-            <a:r>
-              <a:rPr lang="en-US" dirty="0" smtClean="0"/>
+            <a:endParaRPr lang="en-US" dirty="0"/>
+          </a:p>
+          <a:p>
+            <a:r>
+              <a:rPr lang="en-US" dirty="0"/>
               <a:t>	[(empty? </a:t>
             </a:r>
             <a:r>
-              <a:rPr lang="en-US" dirty="0" err="1" smtClean="0"/>
+              <a:rPr lang="en-US" dirty="0" err="1"/>
               <a:t>lst</a:t>
             </a:r>
             <a:r>
-              <a:rPr lang="en-US" dirty="0" smtClean="0"/>
+              <a:rPr lang="en-US" dirty="0"/>
               <a:t>) false]</a:t>
             </a:r>
           </a:p>
           <a:p>
             <a:r>
-              <a:rPr lang="en-US" dirty="0" smtClean="0"/>
+              <a:rPr lang="en-US" dirty="0"/>
               <a:t>    [else</a:t>
             </a:r>
           </a:p>
           <a:p>
             <a:r>
-              <a:rPr lang="en-US" dirty="0" smtClean="0"/>
+              <a:rPr lang="en-US" dirty="0"/>
               <a:t>      (or</a:t>
             </a:r>
           </a:p>
           <a:p>
             <a:r>
-              <a:rPr lang="en-US" dirty="0" smtClean="0"/>
+              <a:rPr lang="en-US" dirty="0"/>
               <a:t>        (</a:t>
             </a:r>
             <a:r>
-              <a:rPr lang="en-US" dirty="0" err="1" smtClean="0">
+              <a:rPr lang="en-US" dirty="0" err="1">
                 <a:solidFill>
                   <a:srgbClr val="FF0000"/>
                 </a:solidFill>
@@ -6447,45 +6433,45 @@
               <a:t>fn</a:t>
             </a:r>
             <a:r>
-              <a:rPr lang="en-US" dirty="0" smtClean="0"/>
+              <a:rPr lang="en-US" dirty="0"/>
               <a:t> (first </a:t>
             </a:r>
             <a:r>
-              <a:rPr lang="en-US" dirty="0" err="1" smtClean="0"/>
+              <a:rPr lang="en-US" dirty="0" err="1"/>
               <a:t>lst</a:t>
             </a:r>
             <a:r>
-              <a:rPr lang="en-US" dirty="0" smtClean="0"/>
+              <a:rPr lang="en-US" dirty="0"/>
               <a:t>))</a:t>
             </a:r>
           </a:p>
           <a:p>
             <a:r>
-              <a:rPr lang="en-US" dirty="0" smtClean="0"/>
+              <a:rPr lang="en-US" dirty="0"/>
               <a:t>        (</a:t>
             </a:r>
             <a:r>
-              <a:rPr lang="en-US" dirty="0" err="1" smtClean="0"/>
+              <a:rPr lang="en-US" dirty="0" err="1"/>
               <a:t>ormap</a:t>
             </a:r>
             <a:r>
-              <a:rPr lang="en-US" dirty="0" smtClean="0"/>
+              <a:rPr lang="en-US" dirty="0"/>
               <a:t> </a:t>
             </a:r>
             <a:r>
-              <a:rPr lang="en-US" dirty="0" err="1" smtClean="0"/>
+              <a:rPr lang="en-US" dirty="0" err="1"/>
               <a:t>fn</a:t>
             </a:r>
             <a:r>
-              <a:rPr lang="en-US" dirty="0" smtClean="0"/>
+              <a:rPr lang="en-US" dirty="0"/>
               <a:t> (rest </a:t>
             </a:r>
             <a:r>
-              <a:rPr lang="en-US" dirty="0" err="1" smtClean="0"/>
+              <a:rPr lang="en-US" dirty="0" err="1"/>
               <a:t>lst</a:t>
             </a:r>
             <a:r>
-              <a:rPr lang="en-US" dirty="0" smtClean="0"/>
+              <a:rPr lang="en-US" dirty="0"/>
               <a:t>)))]))</a:t>
             </a:r>
           </a:p>
@@ -6512,14 +6498,9 @@
           <a:lstStyle/>
           <a:p>
             <a:r>
-              <a:rPr lang="en-US" dirty="0" smtClean="0"/>
-              <a:t>What's the contract</a:t>
-            </a:r>
-            <a:r>
-              <a:rPr lang="en-US" dirty="0" smtClean="0"/>
-              <a:t>?</a:t>
-            </a:r>
-            <a:endParaRPr lang="en-US" dirty="0"/>
+              <a:rPr lang="en-US" dirty="0"/>
+              <a:t>What's the contract?</a:t>
+            </a:r>
           </a:p>
         </p:txBody>
       </p:sp>
@@ -6628,7 +6609,7 @@
             <a:p>
               <a:pPr algn="ctr"/>
               <a:r>
-                <a:rPr lang="en-US" b="1" dirty="0" smtClean="0">
+                <a:rPr lang="en-US" b="1" dirty="0">
                   <a:solidFill>
                     <a:schemeClr val="tx1"/>
                   </a:solidFill>
@@ -6637,7 +6618,7 @@
                 </a:rPr>
                 <a:t>Boolean</a:t>
               </a:r>
-              <a:endParaRPr lang="en-US" dirty="0" smtClean="0">
+              <a:endParaRPr lang="en-US" dirty="0">
                 <a:solidFill>
                   <a:schemeClr val="tx1"/>
                 </a:solidFill>
@@ -6787,7 +6768,7 @@
             <a:p>
               <a:pPr algn="ctr"/>
               <a:r>
-                <a:rPr lang="en-US" b="1" dirty="0" smtClean="0">
+                <a:rPr lang="en-US" b="1" dirty="0">
                   <a:solidFill>
                     <a:schemeClr val="tx1"/>
                   </a:solidFill>
@@ -6796,7 +6777,7 @@
                 </a:rPr>
                 <a:t>Boolean</a:t>
               </a:r>
-              <a:endParaRPr lang="en-US" dirty="0" smtClean="0">
+              <a:endParaRPr lang="en-US" dirty="0">
                 <a:solidFill>
                   <a:schemeClr val="tx1"/>
                 </a:solidFill>
@@ -7009,7 +6990,7 @@
               <a:p>
                 <a:pPr algn="ctr"/>
                 <a:r>
-                  <a:rPr lang="en-US" b="1" dirty="0" err="1" smtClean="0">
+                  <a:rPr lang="en-US" b="1" dirty="0" err="1">
                     <a:solidFill>
                       <a:schemeClr val="tx1"/>
                     </a:solidFill>
@@ -7018,7 +6999,7 @@
                   </a:rPr>
                   <a:t>ListOfX</a:t>
                 </a:r>
-                <a:endParaRPr lang="en-US" dirty="0" smtClean="0">
+                <a:endParaRPr lang="en-US" dirty="0">
                   <a:solidFill>
                     <a:schemeClr val="tx1"/>
                   </a:solidFill>
@@ -7178,7 +7159,7 @@
                 </a:rPr>
                 <a:t>X</a:t>
               </a:r>
-              <a:endParaRPr lang="en-US" dirty="0" smtClean="0">
+              <a:endParaRPr lang="en-US" dirty="0">
                 <a:solidFill>
                   <a:schemeClr val="tx1"/>
                 </a:solidFill>
@@ -7338,7 +7319,7 @@
             <a:p>
               <a:pPr algn="ctr"/>
               <a:r>
-                <a:rPr lang="en-US" b="1" dirty="0" smtClean="0">
+                <a:rPr lang="en-US" b="1" dirty="0">
                   <a:solidFill>
                     <a:schemeClr val="tx1"/>
                   </a:solidFill>
@@ -7348,7 +7329,7 @@
                 <a:t>X -&gt; </a:t>
               </a:r>
               <a:r>
-                <a:rPr lang="en-US" b="1" dirty="0" err="1" smtClean="0">
+                <a:rPr lang="en-US" b="1" dirty="0" err="1">
                   <a:solidFill>
                     <a:schemeClr val="tx1"/>
                   </a:solidFill>
@@ -7357,7 +7338,7 @@
                 </a:rPr>
                 <a:t>Bool</a:t>
               </a:r>
-              <a:endParaRPr lang="en-US" dirty="0" smtClean="0">
+              <a:endParaRPr lang="en-US" dirty="0">
                 <a:solidFill>
                   <a:schemeClr val="tx1"/>
                 </a:solidFill>
@@ -7487,34 +7468,34 @@
           <a:lstStyle/>
           <a:p>
             <a:r>
-              <a:rPr lang="en-US" dirty="0" smtClean="0"/>
+              <a:rPr lang="en-US" dirty="0"/>
               <a:t>Both branches of the </a:t>
             </a:r>
             <a:r>
-              <a:rPr lang="en-US" dirty="0" err="1" smtClean="0"/>
+              <a:rPr lang="en-US" dirty="0" err="1"/>
               <a:t>cond</a:t>
             </a:r>
             <a:r>
-              <a:rPr lang="en-US" dirty="0" smtClean="0"/>
+              <a:rPr lang="en-US" dirty="0"/>
               <a:t> return </a:t>
             </a:r>
             <a:r>
-              <a:rPr lang="en-US" dirty="0" err="1" smtClean="0"/>
+              <a:rPr lang="en-US" dirty="0" err="1"/>
               <a:t>booleans</a:t>
             </a:r>
             <a:r>
-              <a:rPr lang="en-US" dirty="0" smtClean="0"/>
+              <a:rPr lang="en-US" dirty="0"/>
               <a:t>, so </a:t>
             </a:r>
             <a:r>
-              <a:rPr lang="en-US" b="1" dirty="0" err="1" smtClean="0">
+              <a:rPr lang="en-US" b="1" dirty="0" err="1">
                 <a:latin typeface="Consolas" panose="020B0609020204030204" pitchFamily="49" charset="0"/>
                 <a:cs typeface="Consolas" panose="020B0609020204030204" pitchFamily="49" charset="0"/>
               </a:rPr>
               <a:t>ormap</a:t>
             </a:r>
             <a:r>
-              <a:rPr lang="en-US" dirty="0" smtClean="0"/>
+              <a:rPr lang="en-US" dirty="0"/>
               <a:t> must return a Boolean</a:t>
             </a:r>
           </a:p>
@@ -7556,45 +7537,33 @@
           <a:lstStyle/>
           <a:p>
             <a:r>
-              <a:rPr lang="en-US" b="1" dirty="0" err="1" smtClean="0">
+              <a:rPr lang="en-US" b="1" dirty="0" err="1">
                 <a:latin typeface="Consolas" panose="020B0609020204030204" pitchFamily="49" charset="0"/>
                 <a:cs typeface="Consolas" panose="020B0609020204030204" pitchFamily="49" charset="0"/>
               </a:rPr>
               <a:t>fn</a:t>
             </a:r>
             <a:r>
-              <a:rPr lang="en-US" dirty="0" smtClean="0"/>
-              <a:t> </a:t>
-            </a:r>
-            <a:r>
-              <a:rPr lang="en-US" dirty="0" smtClean="0"/>
-              <a:t>must take an X, </a:t>
-            </a:r>
-            <a:r>
-              <a:rPr lang="en-US" dirty="0" smtClean="0"/>
-              <a:t>because its argument is an X, and </a:t>
-            </a:r>
-            <a:r>
-              <a:rPr lang="en-US" dirty="0" smtClean="0"/>
-              <a:t>it must return a </a:t>
-            </a:r>
-            <a:r>
-              <a:rPr lang="en-US" dirty="0" err="1" smtClean="0"/>
+              <a:rPr lang="en-US" dirty="0"/>
+              <a:t> must take an X, because its argument is an X, and it must return a </a:t>
+            </a:r>
+            <a:r>
+              <a:rPr lang="en-US" dirty="0" err="1"/>
               <a:t>boolean</a:t>
             </a:r>
             <a:r>
-              <a:rPr lang="en-US" dirty="0" smtClean="0"/>
+              <a:rPr lang="en-US" dirty="0"/>
               <a:t>, because its return value is an argument to </a:t>
             </a:r>
             <a:r>
-              <a:rPr lang="en-US" b="1" dirty="0" smtClean="0">
+              <a:rPr lang="en-US" b="1" dirty="0">
                 <a:latin typeface="Consolas" panose="020B0609020204030204" pitchFamily="49" charset="0"/>
                 <a:cs typeface="Consolas" panose="020B0609020204030204" pitchFamily="49" charset="0"/>
               </a:rPr>
               <a:t>or</a:t>
             </a:r>
             <a:r>
-              <a:rPr lang="en-US" dirty="0" smtClean="0"/>
+              <a:rPr lang="en-US" dirty="0"/>
               <a:t>.</a:t>
             </a:r>
           </a:p>
@@ -7636,31 +7605,31 @@
           <a:lstStyle/>
           <a:p>
             <a:r>
-              <a:rPr lang="en-US" dirty="0" smtClean="0"/>
+              <a:rPr lang="en-US" dirty="0"/>
               <a:t>So </a:t>
             </a:r>
             <a:r>
-              <a:rPr lang="en-US" dirty="0" err="1" smtClean="0"/>
+              <a:rPr lang="en-US" dirty="0" err="1"/>
               <a:t>fn</a:t>
             </a:r>
             <a:r>
-              <a:rPr lang="en-US" dirty="0" smtClean="0"/>
+              <a:rPr lang="en-US" dirty="0"/>
               <a:t> must be a function from X's to Booleans, and </a:t>
             </a:r>
             <a:r>
-              <a:rPr lang="en-US" dirty="0" err="1" smtClean="0"/>
+              <a:rPr lang="en-US" dirty="0" err="1"/>
               <a:t>lst</a:t>
             </a:r>
             <a:r>
-              <a:rPr lang="en-US" dirty="0" smtClean="0"/>
+              <a:rPr lang="en-US" dirty="0"/>
               <a:t> must be a </a:t>
             </a:r>
             <a:r>
-              <a:rPr lang="en-US" dirty="0" err="1" smtClean="0"/>
+              <a:rPr lang="en-US" dirty="0" err="1"/>
               <a:t>ListOfX</a:t>
             </a:r>
             <a:r>
-              <a:rPr lang="en-US" dirty="0" smtClean="0"/>
+              <a:rPr lang="en-US" dirty="0"/>
               <a:t>.  We write all this down in the contract.</a:t>
             </a:r>
           </a:p>
@@ -8360,10 +8329,9 @@
           <a:lstStyle/>
           <a:p>
             <a:r>
-              <a:rPr lang="en-US" dirty="0" smtClean="0"/>
+              <a:rPr lang="en-US" dirty="0"/>
               <a:t>What's the purpose statement?</a:t>
             </a:r>
-            <a:endParaRPr lang="en-US" dirty="0"/>
           </a:p>
         </p:txBody>
       </p:sp>
@@ -8444,139 +8412,104 @@
           <a:lstStyle/>
           <a:p>
             <a:r>
-              <a:rPr lang="en-US" sz="2000" b="1" dirty="0" smtClean="0">
+              <a:rPr lang="en-US" sz="2000" b="1" dirty="0">
                 <a:latin typeface="Consolas" pitchFamily="49" charset="0"/>
                 <a:cs typeface="Consolas" pitchFamily="49" charset="0"/>
               </a:rPr>
               <a:t>;; </a:t>
             </a:r>
             <a:r>
-              <a:rPr lang="en-US" sz="2000" b="1" dirty="0" err="1" smtClean="0">
+              <a:rPr lang="en-US" sz="2000" b="1" dirty="0" err="1">
                 <a:latin typeface="Consolas" pitchFamily="49" charset="0"/>
                 <a:cs typeface="Consolas" pitchFamily="49" charset="0"/>
               </a:rPr>
               <a:t>ormap</a:t>
             </a:r>
             <a:r>
-              <a:rPr lang="en-US" sz="2000" b="1" dirty="0" smtClean="0">
+              <a:rPr lang="en-US" sz="2000" b="1" dirty="0">
                 <a:latin typeface="Consolas" pitchFamily="49" charset="0"/>
                 <a:cs typeface="Consolas" pitchFamily="49" charset="0"/>
               </a:rPr>
               <a:t> : (X -&gt; Boolean) </a:t>
             </a:r>
             <a:r>
-              <a:rPr lang="en-US" sz="2000" b="1" dirty="0" err="1" smtClean="0">
+              <a:rPr lang="en-US" sz="2000" b="1" dirty="0" err="1">
                 <a:latin typeface="Consolas" pitchFamily="49" charset="0"/>
                 <a:cs typeface="Consolas" pitchFamily="49" charset="0"/>
               </a:rPr>
               <a:t>ListOfX</a:t>
             </a:r>
             <a:r>
-              <a:rPr lang="en-US" sz="2000" b="1" dirty="0" smtClean="0">
+              <a:rPr lang="en-US" sz="2000" b="1" dirty="0">
                 <a:latin typeface="Consolas" pitchFamily="49" charset="0"/>
                 <a:cs typeface="Consolas" pitchFamily="49" charset="0"/>
               </a:rPr>
-              <a:t> </a:t>
-            </a:r>
-            <a:r>
-              <a:rPr lang="en-US" sz="2000" b="1" dirty="0" smtClean="0">
+              <a:t> -&gt; Boolean </a:t>
+            </a:r>
+          </a:p>
+          <a:p>
+            <a:r>
+              <a:rPr lang="en-US" sz="2000" b="1" dirty="0">
                 <a:latin typeface="Consolas" pitchFamily="49" charset="0"/>
                 <a:cs typeface="Consolas" pitchFamily="49" charset="0"/>
               </a:rPr>
-              <a:t>-&gt; Boolean </a:t>
-            </a:r>
-          </a:p>
-          <a:p>
-            <a:r>
-              <a:rPr lang="en-US" sz="2000" b="1" dirty="0" smtClean="0">
-                <a:latin typeface="Consolas" pitchFamily="49" charset="0"/>
-                <a:cs typeface="Consolas" pitchFamily="49" charset="0"/>
-              </a:rPr>
-              <a:t>;; GIVEN: A predicate p on X's and a list of </a:t>
-            </a:r>
-            <a:r>
-              <a:rPr lang="en-US" sz="2000" b="1" dirty="0" smtClean="0">
-                <a:latin typeface="Consolas" pitchFamily="49" charset="0"/>
-                <a:cs typeface="Consolas" pitchFamily="49" charset="0"/>
-              </a:rPr>
-              <a:t>X's, </a:t>
-            </a:r>
-            <a:r>
-              <a:rPr lang="en-US" sz="2000" b="1" dirty="0" smtClean="0">
-                <a:latin typeface="Consolas" pitchFamily="49" charset="0"/>
-                <a:cs typeface="Consolas" pitchFamily="49" charset="0"/>
-              </a:rPr>
-              <a:t>lox </a:t>
-            </a:r>
-          </a:p>
-          <a:p>
-            <a:r>
-              <a:rPr lang="en-US" sz="2000" b="1" dirty="0" smtClean="0">
+              <a:t>;; GIVEN: A predicate p on X's and a list of X's, lox </a:t>
+            </a:r>
+          </a:p>
+          <a:p>
+            <a:r>
+              <a:rPr lang="en-US" sz="2000" b="1" dirty="0">
                 <a:latin typeface="Consolas" pitchFamily="49" charset="0"/>
                 <a:cs typeface="Consolas" pitchFamily="49" charset="0"/>
               </a:rPr>
               <a:t>;; RETURNS: true </a:t>
             </a:r>
             <a:r>
-              <a:rPr lang="en-US" sz="2000" b="1" dirty="0" err="1" smtClean="0">
+              <a:rPr lang="en-US" sz="2000" b="1" dirty="0" err="1">
                 <a:latin typeface="Consolas" pitchFamily="49" charset="0"/>
                 <a:cs typeface="Consolas" pitchFamily="49" charset="0"/>
               </a:rPr>
               <a:t>iff</a:t>
             </a:r>
             <a:r>
-              <a:rPr lang="en-US" sz="2000" b="1" dirty="0" smtClean="0">
+              <a:rPr lang="en-US" sz="2000" b="1" dirty="0">
                 <a:latin typeface="Consolas" pitchFamily="49" charset="0"/>
                 <a:cs typeface="Consolas" pitchFamily="49" charset="0"/>
               </a:rPr>
-              <a:t> p holds for at least one </a:t>
-            </a:r>
-            <a:r>
-              <a:rPr lang="en-US" sz="2000" b="1" dirty="0" smtClean="0">
-                <a:latin typeface="Consolas" pitchFamily="49" charset="0"/>
-                <a:cs typeface="Consolas" pitchFamily="49" charset="0"/>
-              </a:rPr>
-              <a:t>value in </a:t>
-            </a:r>
-            <a:r>
-              <a:rPr lang="en-US" sz="2000" b="1" dirty="0" smtClean="0">
-                <a:latin typeface="Consolas" pitchFamily="49" charset="0"/>
-                <a:cs typeface="Consolas" pitchFamily="49" charset="0"/>
-              </a:rPr>
-              <a:t>lox </a:t>
-            </a:r>
-          </a:p>
-          <a:p>
-            <a:r>
-              <a:rPr lang="en-US" sz="2000" b="1" dirty="0" smtClean="0">
+              <a:t> p holds for at least one value in lox </a:t>
+            </a:r>
+          </a:p>
+          <a:p>
+            <a:r>
+              <a:rPr lang="en-US" sz="2000" b="1" dirty="0">
                 <a:latin typeface="Consolas" pitchFamily="49" charset="0"/>
                 <a:cs typeface="Consolas" pitchFamily="49" charset="0"/>
               </a:rPr>
               <a:t>;; that is, (</a:t>
             </a:r>
             <a:r>
-              <a:rPr lang="en-US" sz="2000" b="1" dirty="0" err="1" smtClean="0">
+              <a:rPr lang="en-US" sz="2000" b="1" dirty="0" err="1">
                 <a:latin typeface="Consolas" pitchFamily="49" charset="0"/>
                 <a:cs typeface="Consolas" pitchFamily="49" charset="0"/>
               </a:rPr>
               <a:t>ormap</a:t>
             </a:r>
             <a:r>
-              <a:rPr lang="en-US" sz="2000" b="1" dirty="0" smtClean="0">
+              <a:rPr lang="en-US" sz="2000" b="1" dirty="0">
                 <a:latin typeface="Consolas" pitchFamily="49" charset="0"/>
                 <a:cs typeface="Consolas" pitchFamily="49" charset="0"/>
               </a:rPr>
               <a:t> p (list x_1 ... </a:t>
             </a:r>
             <a:r>
-              <a:rPr lang="en-US" sz="2000" b="1" dirty="0" err="1" smtClean="0">
+              <a:rPr lang="en-US" sz="2000" b="1" dirty="0" err="1">
                 <a:latin typeface="Consolas" pitchFamily="49" charset="0"/>
                 <a:cs typeface="Consolas" pitchFamily="49" charset="0"/>
               </a:rPr>
               <a:t>x_n</a:t>
             </a:r>
             <a:r>
-              <a:rPr lang="en-US" sz="2000" b="1" dirty="0" smtClean="0">
+              <a:rPr lang="en-US" sz="2000" b="1" dirty="0">
                 <a:latin typeface="Consolas" pitchFamily="49" charset="0"/>
                 <a:cs typeface="Consolas" pitchFamily="49" charset="0"/>
               </a:rPr>
@@ -8585,21 +8518,21 @@
           </a:p>
           <a:p>
             <a:r>
-              <a:rPr lang="en-US" sz="2000" b="1" dirty="0" smtClean="0">
+              <a:rPr lang="en-US" sz="2000" b="1" dirty="0">
                 <a:latin typeface="Consolas" pitchFamily="49" charset="0"/>
                 <a:cs typeface="Consolas" pitchFamily="49" charset="0"/>
               </a:rPr>
               <a:t>;;           = (or (p x_1) ... (p </a:t>
             </a:r>
             <a:r>
-              <a:rPr lang="en-US" sz="2000" b="1" dirty="0" err="1" smtClean="0">
+              <a:rPr lang="en-US" sz="2000" b="1" dirty="0" err="1">
                 <a:latin typeface="Consolas" pitchFamily="49" charset="0"/>
                 <a:cs typeface="Consolas" pitchFamily="49" charset="0"/>
               </a:rPr>
               <a:t>x_n</a:t>
             </a:r>
             <a:r>
-              <a:rPr lang="en-US" sz="2000" b="1" dirty="0" smtClean="0">
+              <a:rPr lang="en-US" sz="2000" b="1" dirty="0">
                 <a:latin typeface="Consolas" pitchFamily="49" charset="0"/>
                 <a:cs typeface="Consolas" pitchFamily="49" charset="0"/>
               </a:rPr>
@@ -8608,21 +8541,21 @@
           </a:p>
           <a:p>
             <a:r>
-              <a:rPr lang="en-US" sz="2000" b="1" dirty="0" smtClean="0">
+              <a:rPr lang="en-US" sz="2000" b="1" dirty="0">
                 <a:latin typeface="Consolas" pitchFamily="49" charset="0"/>
                 <a:cs typeface="Consolas" pitchFamily="49" charset="0"/>
               </a:rPr>
               <a:t>(define (</a:t>
             </a:r>
             <a:r>
-              <a:rPr lang="en-US" sz="2000" b="1" dirty="0" err="1" smtClean="0">
+              <a:rPr lang="en-US" sz="2000" b="1" dirty="0" err="1">
                 <a:latin typeface="Consolas" pitchFamily="49" charset="0"/>
                 <a:cs typeface="Consolas" pitchFamily="49" charset="0"/>
               </a:rPr>
               <a:t>ormap</a:t>
             </a:r>
             <a:r>
-              <a:rPr lang="en-US" sz="2000" b="1" dirty="0" smtClean="0">
+              <a:rPr lang="en-US" sz="2000" b="1" dirty="0">
                 <a:latin typeface="Consolas" pitchFamily="49" charset="0"/>
                 <a:cs typeface="Consolas" pitchFamily="49" charset="0"/>
               </a:rPr>
@@ -8641,13 +8574,6 @@
   <p:clrMapOvr>
     <a:masterClrMapping/>
   </p:clrMapOvr>
-  <p:timing>
-    <p:tnLst>
-      <p:par>
-        <p:cTn id="1" dur="indefinite" restart="never" nodeType="tmRoot"/>
-      </p:par>
-    </p:tnLst>
-  </p:timing>
 </p:sld>
 </file>
 
@@ -8716,19 +8642,19 @@
           <a:lstStyle/>
           <a:p>
             <a:r>
-              <a:rPr lang="en-US" dirty="0" smtClean="0"/>
+              <a:rPr lang="en-US" dirty="0"/>
               <a:t>(define (</a:t>
             </a:r>
             <a:r>
-              <a:rPr lang="en-US" dirty="0" err="1" smtClean="0"/>
+              <a:rPr lang="en-US" dirty="0" err="1"/>
               <a:t>andmap</a:t>
             </a:r>
             <a:r>
-              <a:rPr lang="en-US" dirty="0" smtClean="0"/>
+              <a:rPr lang="en-US" dirty="0"/>
               <a:t> </a:t>
             </a:r>
             <a:r>
-              <a:rPr lang="en-US" dirty="0" err="1" smtClean="0">
+              <a:rPr lang="en-US" dirty="0" err="1">
                 <a:solidFill>
                   <a:srgbClr val="FF0000"/>
                 </a:solidFill>
@@ -8736,7 +8662,7 @@
               <a:t>fn</a:t>
             </a:r>
             <a:r>
-              <a:rPr lang="en-US" dirty="0" smtClean="0">
+              <a:rPr lang="en-US" dirty="0">
                 <a:solidFill>
                   <a:srgbClr val="FF0000"/>
                 </a:solidFill>
@@ -8744,48 +8670,40 @@
               <a:t> </a:t>
             </a:r>
             <a:r>
-              <a:rPr lang="en-US" dirty="0" err="1" smtClean="0"/>
+              <a:rPr lang="en-US" dirty="0" err="1"/>
               <a:t>lst</a:t>
             </a:r>
             <a:r>
-              <a:rPr lang="en-US" dirty="0" smtClean="0"/>
+              <a:rPr lang="en-US" dirty="0"/>
               <a:t>)</a:t>
             </a:r>
           </a:p>
           <a:p>
             <a:r>
               <a:rPr lang="en-US" dirty="0"/>
-              <a:t>  </a:t>
-            </a:r>
-            <a:r>
-              <a:rPr lang="en-US" dirty="0" smtClean="0"/>
-              <a:t>(</a:t>
-            </a:r>
-            <a:r>
-              <a:rPr lang="en-US" dirty="0" err="1" smtClean="0"/>
+              <a:t>  (</a:t>
+            </a:r>
+            <a:r>
+              <a:rPr lang="en-US" dirty="0" err="1"/>
               <a:t>cond</a:t>
             </a:r>
-            <a:endParaRPr lang="en-US" dirty="0" smtClean="0"/>
-          </a:p>
-          <a:p>
-            <a:r>
-              <a:rPr lang="en-US" dirty="0"/>
-              <a:t>	</a:t>
-            </a:r>
-            <a:r>
-              <a:rPr lang="en-US" dirty="0" smtClean="0"/>
-              <a:t>[(empty? </a:t>
-            </a:r>
-            <a:r>
-              <a:rPr lang="en-US" dirty="0" err="1" smtClean="0"/>
+            <a:endParaRPr lang="en-US" dirty="0"/>
+          </a:p>
+          <a:p>
+            <a:r>
+              <a:rPr lang="en-US" dirty="0"/>
+              <a:t>	[(empty? </a:t>
+            </a:r>
+            <a:r>
+              <a:rPr lang="en-US" dirty="0" err="1"/>
               <a:t>lst</a:t>
             </a:r>
             <a:r>
-              <a:rPr lang="en-US" dirty="0" smtClean="0"/>
+              <a:rPr lang="en-US" dirty="0"/>
               <a:t>) </a:t>
             </a:r>
             <a:r>
-              <a:rPr lang="en-US" dirty="0" smtClean="0">
+              <a:rPr lang="en-US" dirty="0">
                 <a:solidFill>
                   <a:srgbClr val="00B050"/>
                 </a:solidFill>
@@ -8793,31 +8711,23 @@
               <a:t>true</a:t>
             </a:r>
             <a:r>
-              <a:rPr lang="en-US" dirty="0" smtClean="0"/>
+              <a:rPr lang="en-US" dirty="0"/>
               <a:t>]</a:t>
             </a:r>
           </a:p>
           <a:p>
             <a:r>
               <a:rPr lang="en-US" dirty="0"/>
-              <a:t> </a:t>
-            </a:r>
-            <a:r>
-              <a:rPr lang="en-US" dirty="0" smtClean="0"/>
-              <a:t>   [else</a:t>
-            </a:r>
-          </a:p>
-          <a:p>
-            <a:r>
-              <a:rPr lang="en-US" dirty="0"/>
-              <a:t> </a:t>
-            </a:r>
-            <a:r>
-              <a:rPr lang="en-US" dirty="0" smtClean="0"/>
-              <a:t>     (</a:t>
-            </a:r>
-            <a:r>
-              <a:rPr lang="en-US" dirty="0" smtClean="0">
+              <a:t>    [else</a:t>
+            </a:r>
+          </a:p>
+          <a:p>
+            <a:r>
+              <a:rPr lang="en-US" dirty="0"/>
+              <a:t>      (</a:t>
+            </a:r>
+            <a:r>
+              <a:rPr lang="en-US" dirty="0">
                 <a:solidFill>
                   <a:srgbClr val="00B050"/>
                 </a:solidFill>
@@ -8828,14 +8738,10 @@
           <a:p>
             <a:r>
               <a:rPr lang="en-US" dirty="0"/>
-              <a:t> </a:t>
-            </a:r>
-            <a:r>
-              <a:rPr lang="en-US" dirty="0" smtClean="0"/>
-              <a:t>       (</a:t>
-            </a:r>
-            <a:r>
-              <a:rPr lang="en-US" dirty="0" err="1" smtClean="0">
+              <a:t>        (</a:t>
+            </a:r>
+            <a:r>
+              <a:rPr lang="en-US" dirty="0" err="1">
                 <a:solidFill>
                   <a:srgbClr val="FF0000"/>
                 </a:solidFill>
@@ -8843,52 +8749,47 @@
               <a:t>fn</a:t>
             </a:r>
             <a:r>
-              <a:rPr lang="en-US" dirty="0" smtClean="0"/>
+              <a:rPr lang="en-US" dirty="0"/>
               <a:t> (first </a:t>
             </a:r>
             <a:r>
-              <a:rPr lang="en-US" dirty="0" err="1" smtClean="0"/>
+              <a:rPr lang="en-US" dirty="0" err="1"/>
               <a:t>lst</a:t>
             </a:r>
             <a:r>
-              <a:rPr lang="en-US" dirty="0" smtClean="0"/>
+              <a:rPr lang="en-US" dirty="0"/>
               <a:t>))</a:t>
             </a:r>
           </a:p>
           <a:p>
             <a:r>
               <a:rPr lang="en-US" dirty="0"/>
+              <a:t>        (</a:t>
+            </a:r>
+            <a:r>
+              <a:rPr lang="en-US"/>
+              <a:t>andmap</a:t>
+            </a:r>
+            <a:r>
+              <a:rPr lang="en-US" dirty="0"/>
               <a:t> </a:t>
             </a:r>
             <a:r>
-              <a:rPr lang="en-US" dirty="0" smtClean="0"/>
-              <a:t>       (</a:t>
-            </a:r>
-            <a:r>
-              <a:rPr lang="en-US" smtClean="0"/>
-              <a:t>andmap</a:t>
-            </a:r>
-            <a:r>
-              <a:rPr lang="en-US" dirty="0" smtClean="0"/>
-              <a:t> </a:t>
-            </a:r>
-            <a:r>
-              <a:rPr lang="en-US" dirty="0" err="1" smtClean="0"/>
+              <a:rPr lang="en-US" dirty="0" err="1"/>
               <a:t>fn</a:t>
             </a:r>
             <a:r>
-              <a:rPr lang="en-US" dirty="0" smtClean="0"/>
+              <a:rPr lang="en-US" dirty="0"/>
               <a:t> (rest </a:t>
             </a:r>
             <a:r>
-              <a:rPr lang="en-US" dirty="0" err="1" smtClean="0"/>
+              <a:rPr lang="en-US" dirty="0" err="1"/>
               <a:t>lst</a:t>
             </a:r>
             <a:r>
-              <a:rPr lang="en-US" dirty="0" smtClean="0"/>
+              <a:rPr lang="en-US" dirty="0"/>
               <a:t>)))]))</a:t>
             </a:r>
-            <a:endParaRPr lang="en-US" dirty="0"/>
           </a:p>
         </p:txBody>
       </p:sp>
@@ -8925,13 +8826,6 @@
   <p:clrMapOvr>
     <a:masterClrMapping/>
   </p:clrMapOvr>
-  <p:timing>
-    <p:tnLst>
-      <p:par>
-        <p:cTn id="1" dur="indefinite" restart="never" nodeType="tmRoot"/>
-      </p:par>
-    </p:tnLst>
-  </p:timing>
 </p:sld>
 </file>
 
@@ -8968,10 +8862,9 @@
           <a:lstStyle/>
           <a:p>
             <a:r>
-              <a:rPr lang="en-US" dirty="0" smtClean="0"/>
+              <a:rPr lang="en-US" dirty="0"/>
               <a:t>Contract and Purpose Statement</a:t>
             </a:r>
-            <a:endParaRPr lang="en-US" dirty="0"/>
           </a:p>
         </p:txBody>
       </p:sp>
@@ -8998,55 +8891,37 @@
           <a:lstStyle/>
           <a:p>
             <a:r>
-              <a:rPr lang="en-US" sz="2400" dirty="0" smtClean="0"/>
+              <a:rPr lang="en-US" sz="2400" dirty="0"/>
               <a:t>;; </a:t>
             </a:r>
             <a:r>
-              <a:rPr lang="en-US" sz="2400" dirty="0" err="1" smtClean="0"/>
+              <a:rPr lang="en-US" sz="2400" dirty="0" err="1"/>
               <a:t>andmap</a:t>
             </a:r>
             <a:r>
-              <a:rPr lang="en-US" sz="2400" dirty="0" smtClean="0"/>
+              <a:rPr lang="en-US" sz="2400" dirty="0"/>
               <a:t> : (X -&gt; Bool) </a:t>
             </a:r>
             <a:r>
-              <a:rPr lang="en-US" sz="2400" dirty="0" err="1" smtClean="0"/>
+              <a:rPr lang="en-US" sz="2400" dirty="0" err="1"/>
               <a:t>ListOfX</a:t>
             </a:r>
             <a:r>
-              <a:rPr lang="en-US" sz="2400" dirty="0" smtClean="0"/>
-              <a:t> </a:t>
-            </a:r>
-            <a:r>
-              <a:rPr lang="en-US" sz="2400" dirty="0" smtClean="0"/>
-              <a:t>-&gt; Bool</a:t>
-            </a:r>
-          </a:p>
-          <a:p>
-            <a:r>
-              <a:rPr lang="en-US" sz="2400" dirty="0" smtClean="0"/>
-              <a:t>;; GIVEN</a:t>
-            </a:r>
-            <a:r>
               <a:rPr lang="en-US" sz="2400" dirty="0"/>
-              <a:t>: A predicate p on X's </a:t>
-            </a:r>
-            <a:endParaRPr lang="en-US" sz="2400" dirty="0" smtClean="0"/>
-          </a:p>
-          <a:p>
-            <a:r>
-              <a:rPr lang="en-US" sz="2400" dirty="0" smtClean="0"/>
-              <a:t>;; and </a:t>
-            </a:r>
+              <a:t> -&gt; Bool</a:t>
+            </a:r>
+          </a:p>
+          <a:p>
             <a:r>
               <a:rPr lang="en-US" sz="2400" dirty="0"/>
-              <a:t>a list of </a:t>
-            </a:r>
-            <a:r>
-              <a:rPr lang="en-US" sz="2400" dirty="0" smtClean="0"/>
-              <a:t>X's, lox </a:t>
-            </a:r>
-            <a:endParaRPr lang="en-US" sz="2400" dirty="0"/>
+              <a:t>;; GIVEN: A predicate p on X's </a:t>
+            </a:r>
+          </a:p>
+          <a:p>
+            <a:r>
+              <a:rPr lang="en-US" sz="2400" dirty="0"/>
+              <a:t>;; and a list of X's, lox </a:t>
+            </a:r>
           </a:p>
           <a:p>
             <a:r>
@@ -9059,51 +8934,27 @@
             </a:r>
             <a:r>
               <a:rPr lang="en-US" sz="2400" dirty="0"/>
-              <a:t> p holds for </a:t>
-            </a:r>
-            <a:r>
-              <a:rPr lang="en-US" sz="2400" dirty="0" smtClean="0"/>
-              <a:t>every value</a:t>
-            </a:r>
-          </a:p>
-          <a:p>
-            <a:r>
-              <a:rPr lang="en-US" sz="2400" dirty="0" smtClean="0"/>
-              <a:t>;; </a:t>
-            </a:r>
+              <a:t> p holds for every value</a:t>
+            </a:r>
+          </a:p>
+          <a:p>
             <a:r>
               <a:rPr lang="en-US" sz="2400" dirty="0"/>
-              <a:t>i</a:t>
-            </a:r>
-            <a:r>
-              <a:rPr lang="en-US" sz="2400" dirty="0" smtClean="0"/>
-              <a:t>n </a:t>
-            </a:r>
+              <a:t>;; in lox </a:t>
+            </a:r>
+          </a:p>
+          <a:p>
             <a:r>
               <a:rPr lang="en-US" sz="2400" dirty="0"/>
-              <a:t>lox </a:t>
-            </a:r>
-          </a:p>
-          <a:p>
+              <a:t>;; that is, (</a:t>
+            </a:r>
+            <a:r>
+              <a:rPr lang="en-US" sz="2400" dirty="0" err="1"/>
+              <a:t>andmap</a:t>
+            </a:r>
             <a:r>
               <a:rPr lang="en-US" sz="2400" dirty="0"/>
-              <a:t>;; that is, </a:t>
-            </a:r>
-            <a:r>
-              <a:rPr lang="en-US" sz="2400" dirty="0" smtClean="0"/>
-              <a:t>(</a:t>
-            </a:r>
-            <a:r>
-              <a:rPr lang="en-US" sz="2400" dirty="0" err="1" smtClean="0"/>
-              <a:t>andmap</a:t>
-            </a:r>
-            <a:r>
-              <a:rPr lang="en-US" sz="2400" dirty="0" smtClean="0"/>
-              <a:t> </a:t>
-            </a:r>
-            <a:r>
-              <a:rPr lang="en-US" sz="2400" dirty="0"/>
-              <a:t>p (list x_1 ... </a:t>
+              <a:t> p (list x_1 ... </a:t>
             </a:r>
             <a:r>
               <a:rPr lang="en-US" sz="2400" dirty="0" err="1"/>
@@ -9117,15 +8968,7 @@
           <a:p>
             <a:r>
               <a:rPr lang="en-US" sz="2400" dirty="0"/>
-              <a:t>;;           = </a:t>
-            </a:r>
-            <a:r>
-              <a:rPr lang="en-US" sz="2400" dirty="0" smtClean="0"/>
-              <a:t>(and </a:t>
-            </a:r>
-            <a:r>
-              <a:rPr lang="en-US" sz="2400" dirty="0"/>
-              <a:t>(p x_1) ... (p </a:t>
+              <a:t>;;           = (and (p x_1) ... (p </a:t>
             </a:r>
             <a:r>
               <a:rPr lang="en-US" sz="2400" dirty="0" err="1"/>
@@ -9200,18 +9043,18 @@
           <a:lstStyle/>
           <a:p>
             <a:r>
-              <a:rPr lang="en-US" sz="2400" dirty="0" smtClean="0"/>
+              <a:rPr lang="en-US" sz="2400" dirty="0"/>
               <a:t>The contract and purpose statement look very much like the ones for </a:t>
             </a:r>
             <a:r>
-              <a:rPr lang="en-US" sz="2400" b="1" dirty="0" err="1" smtClean="0">
+              <a:rPr lang="en-US" sz="2400" b="1" dirty="0" err="1">
                 <a:latin typeface="Consolas" panose="020B0609020204030204" pitchFamily="49" charset="0"/>
                 <a:cs typeface="Consolas" panose="020B0609020204030204" pitchFamily="49" charset="0"/>
               </a:rPr>
               <a:t>ormap</a:t>
             </a:r>
             <a:r>
-              <a:rPr lang="en-US" sz="2400" dirty="0" smtClean="0"/>
+              <a:rPr lang="en-US" sz="2400" dirty="0"/>
               <a:t>.</a:t>
             </a:r>
           </a:p>
@@ -9227,13 +9070,6 @@
   <p:clrMapOvr>
     <a:masterClrMapping/>
   </p:clrMapOvr>
-  <p:timing>
-    <p:tnLst>
-      <p:par>
-        <p:cTn id="1" dur="indefinite" restart="never" nodeType="tmRoot"/>
-      </p:par>
-    </p:tnLst>
-  </p:timing>
 </p:sld>
 </file>
 
@@ -9270,10 +9106,9 @@
           <a:lstStyle/>
           <a:p>
             <a:r>
-              <a:rPr lang="en-US" dirty="0" smtClean="0"/>
+              <a:rPr lang="en-US" dirty="0"/>
               <a:t>Another common pattern</a:t>
             </a:r>
-            <a:endParaRPr lang="en-US" dirty="0"/>
           </a:p>
         </p:txBody>
       </p:sp>
@@ -9293,16 +9128,15 @@
           <a:lstStyle/>
           <a:p>
             <a:r>
-              <a:rPr lang="en-US" dirty="0" smtClean="0"/>
+              <a:rPr lang="en-US" dirty="0"/>
               <a:t>Another common list-manipulation problem is to take a list and return a list of those values in the list that pass a certain test.</a:t>
             </a:r>
           </a:p>
           <a:p>
             <a:r>
-              <a:rPr lang="en-US" dirty="0" smtClean="0"/>
+              <a:rPr lang="en-US" dirty="0"/>
               <a:t>For example, here's a function that returns only the even values in a list of integers.</a:t>
             </a:r>
-            <a:endParaRPr lang="en-US" dirty="0"/>
           </a:p>
           <a:p>
             <a:endParaRPr lang="en-US" dirty="0"/>
@@ -9343,13 +9177,6 @@
   <p:clrMapOvr>
     <a:masterClrMapping/>
   </p:clrMapOvr>
-  <p:timing>
-    <p:tnLst>
-      <p:par>
-        <p:cTn id="1" dur="indefinite" restart="never" nodeType="tmRoot"/>
-      </p:par>
-    </p:tnLst>
-  </p:timing>
 </p:sld>
 </file>
 
@@ -9386,10 +9213,9 @@
           <a:lstStyle/>
           <a:p>
             <a:r>
-              <a:rPr lang="en-US" dirty="0" smtClean="0"/>
+              <a:rPr lang="en-US" dirty="0"/>
               <a:t>only-evens</a:t>
             </a:r>
-            <a:endParaRPr lang="en-US" dirty="0"/>
           </a:p>
         </p:txBody>
       </p:sp>
@@ -9411,118 +9237,106 @@
           <a:lstStyle/>
           <a:p>
             <a:r>
-              <a:rPr lang="en-US" dirty="0" smtClean="0"/>
+              <a:rPr lang="en-US" dirty="0"/>
               <a:t>;; only-evens </a:t>
             </a:r>
           </a:p>
           <a:p>
             <a:r>
-              <a:rPr lang="en-US" dirty="0" smtClean="0"/>
+              <a:rPr lang="en-US" dirty="0"/>
               <a:t>;;   : </a:t>
             </a:r>
             <a:r>
-              <a:rPr lang="en-US" dirty="0" err="1" smtClean="0"/>
+              <a:rPr lang="en-US" dirty="0" err="1"/>
               <a:t>ListOfInteger</a:t>
             </a:r>
             <a:r>
-              <a:rPr lang="en-US" dirty="0" smtClean="0"/>
+              <a:rPr lang="en-US" dirty="0"/>
               <a:t> -&gt; </a:t>
             </a:r>
             <a:r>
-              <a:rPr lang="en-US" dirty="0" err="1" smtClean="0"/>
+              <a:rPr lang="en-US" dirty="0" err="1"/>
               <a:t>ListOfInteger</a:t>
             </a:r>
-            <a:endParaRPr lang="en-US" dirty="0" smtClean="0"/>
-          </a:p>
-          <a:p>
-            <a:r>
-              <a:rPr lang="en-US" dirty="0" smtClean="0"/>
+            <a:endParaRPr lang="en-US" dirty="0"/>
+          </a:p>
+          <a:p>
+            <a:r>
+              <a:rPr lang="en-US" dirty="0"/>
               <a:t>;; returns the list of all the even values </a:t>
             </a:r>
           </a:p>
           <a:p>
             <a:r>
-              <a:rPr lang="en-US" dirty="0" smtClean="0"/>
+              <a:rPr lang="en-US" dirty="0"/>
               <a:t>;; in the list</a:t>
             </a:r>
           </a:p>
           <a:p>
             <a:r>
-              <a:rPr lang="en-US" dirty="0" smtClean="0"/>
-              <a:t>;; STRATEGY: </a:t>
-            </a:r>
-            <a:r>
-              <a:rPr lang="en-US" dirty="0" smtClean="0"/>
-              <a:t>Use template for </a:t>
-            </a:r>
-            <a:r>
-              <a:rPr lang="en-US" dirty="0" err="1" smtClean="0"/>
+              <a:rPr lang="en-US" dirty="0"/>
+              <a:t>;; STRATEGY: Use template for </a:t>
+            </a:r>
+            <a:r>
+              <a:rPr lang="en-US" dirty="0" err="1"/>
               <a:t>ListOfInteger</a:t>
             </a:r>
             <a:r>
-              <a:rPr lang="en-US" dirty="0" smtClean="0"/>
+              <a:rPr lang="en-US" dirty="0"/>
               <a:t> on </a:t>
             </a:r>
             <a:r>
-              <a:rPr lang="en-US" dirty="0" err="1" smtClean="0"/>
+              <a:rPr lang="en-US" dirty="0" err="1"/>
               <a:t>lst</a:t>
             </a:r>
-            <a:endParaRPr lang="en-US" dirty="0" smtClean="0"/>
-          </a:p>
-          <a:p>
-            <a:r>
-              <a:rPr lang="en-US" dirty="0" smtClean="0"/>
+            <a:endParaRPr lang="en-US" dirty="0"/>
+          </a:p>
+          <a:p>
+            <a:r>
+              <a:rPr lang="en-US" dirty="0"/>
               <a:t>(define (only-evens </a:t>
             </a:r>
             <a:r>
-              <a:rPr lang="en-US" dirty="0" err="1" smtClean="0"/>
+              <a:rPr lang="en-US" dirty="0" err="1"/>
               <a:t>lst</a:t>
             </a:r>
             <a:r>
-              <a:rPr lang="en-US" dirty="0" smtClean="0"/>
+              <a:rPr lang="en-US" dirty="0"/>
               <a:t>)</a:t>
             </a:r>
           </a:p>
           <a:p>
             <a:r>
-              <a:rPr lang="en-US" dirty="0" smtClean="0"/>
+              <a:rPr lang="en-US" dirty="0"/>
               <a:t>  (</a:t>
             </a:r>
             <a:r>
-              <a:rPr lang="en-US" dirty="0" err="1" smtClean="0"/>
+              <a:rPr lang="en-US" dirty="0" err="1"/>
               <a:t>cond</a:t>
             </a:r>
-            <a:endParaRPr lang="en-US" dirty="0" smtClean="0"/>
-          </a:p>
-          <a:p>
-            <a:r>
-              <a:rPr lang="en-US" dirty="0"/>
-              <a:t> </a:t>
-            </a:r>
-            <a:r>
-              <a:rPr lang="en-US" dirty="0" smtClean="0"/>
-              <a:t>   [(empty? </a:t>
-            </a:r>
-            <a:r>
-              <a:rPr lang="en-US" dirty="0" err="1" smtClean="0"/>
+            <a:endParaRPr lang="en-US" dirty="0"/>
+          </a:p>
+          <a:p>
+            <a:r>
+              <a:rPr lang="en-US" dirty="0"/>
+              <a:t>    [(empty? </a:t>
+            </a:r>
+            <a:r>
+              <a:rPr lang="en-US" dirty="0" err="1"/>
               <a:t>lst</a:t>
             </a:r>
             <a:r>
-              <a:rPr lang="en-US" dirty="0" smtClean="0"/>
+              <a:rPr lang="en-US" dirty="0"/>
               <a:t>) empty]</a:t>
             </a:r>
           </a:p>
           <a:p>
             <a:r>
               <a:rPr lang="en-US" dirty="0"/>
-              <a:t> </a:t>
-            </a:r>
-            <a:r>
-              <a:rPr lang="en-US" dirty="0" smtClean="0"/>
-              <a:t>   [else (if (</a:t>
-            </a:r>
-            <a:r>
-              <a:rPr lang="en-US" dirty="0" smtClean="0">
+              <a:t>    [else (if (</a:t>
+            </a:r>
+            <a:r>
+              <a:rPr lang="en-US" dirty="0">
                 <a:solidFill>
                   <a:srgbClr val="00B050"/>
                 </a:solidFill>
@@ -9530,72 +9344,59 @@
               <a:t>even?</a:t>
             </a:r>
             <a:r>
-              <a:rPr lang="en-US" dirty="0" smtClean="0"/>
+              <a:rPr lang="en-US" dirty="0"/>
               <a:t> (first </a:t>
             </a:r>
             <a:r>
-              <a:rPr lang="en-US" dirty="0" err="1" smtClean="0"/>
+              <a:rPr lang="en-US" dirty="0" err="1"/>
               <a:t>lst</a:t>
             </a:r>
             <a:r>
-              <a:rPr lang="en-US" dirty="0" smtClean="0"/>
+              <a:rPr lang="en-US" dirty="0"/>
               <a:t>))</a:t>
             </a:r>
           </a:p>
           <a:p>
             <a:r>
               <a:rPr lang="en-US" dirty="0"/>
-              <a:t> </a:t>
-            </a:r>
-            <a:r>
-              <a:rPr lang="en-US" dirty="0" smtClean="0"/>
-              <a:t>             (cons (first </a:t>
-            </a:r>
-            <a:r>
-              <a:rPr lang="en-US" dirty="0" err="1" smtClean="0"/>
+              <a:t>              (cons (first </a:t>
+            </a:r>
+            <a:r>
+              <a:rPr lang="en-US" dirty="0" err="1"/>
               <a:t>lst</a:t>
             </a:r>
             <a:r>
-              <a:rPr lang="en-US" dirty="0" smtClean="0"/>
+              <a:rPr lang="en-US" dirty="0"/>
               <a:t>)</a:t>
             </a:r>
           </a:p>
           <a:p>
             <a:r>
               <a:rPr lang="en-US" dirty="0"/>
-              <a:t> </a:t>
-            </a:r>
-            <a:r>
-              <a:rPr lang="en-US" dirty="0" smtClean="0"/>
-              <a:t>                   (only-evens (rest </a:t>
-            </a:r>
-            <a:r>
-              <a:rPr lang="en-US" dirty="0" err="1" smtClean="0"/>
+              <a:t>                    (only-evens (rest </a:t>
+            </a:r>
+            <a:r>
+              <a:rPr lang="en-US" dirty="0" err="1"/>
               <a:t>lst</a:t>
             </a:r>
             <a:r>
-              <a:rPr lang="en-US" dirty="0" smtClean="0"/>
+              <a:rPr lang="en-US" dirty="0"/>
               <a:t>)))</a:t>
             </a:r>
           </a:p>
           <a:p>
             <a:r>
               <a:rPr lang="en-US" dirty="0"/>
-              <a:t> </a:t>
-            </a:r>
-            <a:r>
-              <a:rPr lang="en-US" dirty="0" smtClean="0"/>
-              <a:t>             (only-evens (rest </a:t>
-            </a:r>
-            <a:r>
-              <a:rPr lang="en-US" dirty="0" err="1" smtClean="0"/>
+              <a:t>              (only-evens (rest </a:t>
+            </a:r>
+            <a:r>
+              <a:rPr lang="en-US" dirty="0" err="1"/>
               <a:t>lst</a:t>
             </a:r>
             <a:r>
-              <a:rPr lang="en-US" dirty="0" smtClean="0"/>
+              <a:rPr lang="en-US" dirty="0"/>
               <a:t>)))]))</a:t>
             </a:r>
-            <a:endParaRPr lang="en-US" dirty="0"/>
           </a:p>
         </p:txBody>
       </p:sp>
@@ -9632,13 +9433,6 @@
   <p:clrMapOvr>
     <a:masterClrMapping/>
   </p:clrMapOvr>
-  <p:timing>
-    <p:tnLst>
-      <p:par>
-        <p:cTn id="1" dur="indefinite" restart="never" nodeType="tmRoot"/>
-      </p:par>
-    </p:tnLst>
-  </p:timing>
 </p:sld>
 </file>
 
@@ -9675,20 +9469,16 @@
           <a:lstStyle/>
           <a:p>
             <a:r>
-              <a:rPr lang="en-US" dirty="0" smtClean="0"/>
+              <a:rPr lang="en-US" dirty="0"/>
               <a:t>Generalize: </a:t>
             </a:r>
             <a:r>
-              <a:rPr lang="en-US" b="1" dirty="0" smtClean="0">
+              <a:rPr lang="en-US" b="1" dirty="0">
                 <a:latin typeface="Consolas" pitchFamily="49" charset="0"/>
                 <a:cs typeface="Consolas" pitchFamily="49" charset="0"/>
               </a:rPr>
               <a:t>filter</a:t>
             </a:r>
-            <a:endParaRPr lang="en-US" b="1" dirty="0">
-              <a:latin typeface="Consolas" pitchFamily="49" charset="0"/>
-              <a:cs typeface="Consolas" pitchFamily="49" charset="0"/>
-            </a:endParaRPr>
           </a:p>
         </p:txBody>
       </p:sp>
@@ -9710,68 +9500,64 @@
           <a:lstStyle/>
           <a:p>
             <a:r>
-              <a:rPr lang="en-US" dirty="0" smtClean="0"/>
+              <a:rPr lang="en-US" dirty="0"/>
               <a:t>;; filter : (X -&gt; Boolean) </a:t>
             </a:r>
             <a:r>
-              <a:rPr lang="en-US" dirty="0" err="1" smtClean="0"/>
+              <a:rPr lang="en-US" dirty="0" err="1"/>
               <a:t>ListOfX</a:t>
             </a:r>
-            <a:endParaRPr lang="en-US" dirty="0" smtClean="0"/>
-          </a:p>
-          <a:p>
-            <a:r>
-              <a:rPr lang="en-US" dirty="0" smtClean="0"/>
+            <a:endParaRPr lang="en-US" dirty="0"/>
+          </a:p>
+          <a:p>
+            <a:r>
+              <a:rPr lang="en-US" dirty="0"/>
               <a:t>;;            -&gt; </a:t>
             </a:r>
             <a:r>
-              <a:rPr lang="en-US" dirty="0" err="1" smtClean="0"/>
+              <a:rPr lang="en-US" dirty="0" err="1"/>
               <a:t>ListOfX</a:t>
             </a:r>
-            <a:endParaRPr lang="en-US" dirty="0" smtClean="0"/>
-          </a:p>
-          <a:p>
-            <a:r>
-              <a:rPr lang="en-US" dirty="0" smtClean="0"/>
+            <a:endParaRPr lang="en-US" dirty="0"/>
+          </a:p>
+          <a:p>
+            <a:r>
+              <a:rPr lang="en-US" dirty="0"/>
               <a:t>;; RETURNS: the list of all the elements </a:t>
             </a:r>
           </a:p>
           <a:p>
             <a:r>
-              <a:rPr lang="en-US" dirty="0" smtClean="0"/>
+              <a:rPr lang="en-US" dirty="0"/>
               <a:t>;; in the list that satisfy the test</a:t>
             </a:r>
           </a:p>
           <a:p>
             <a:r>
-              <a:rPr lang="en-US" dirty="0" smtClean="0"/>
-              <a:t>;; STRATEGY: </a:t>
-            </a:r>
-            <a:r>
-              <a:rPr lang="en-US" dirty="0" smtClean="0"/>
-              <a:t>Use template for </a:t>
-            </a:r>
-            <a:r>
-              <a:rPr lang="en-US" dirty="0" err="1" smtClean="0"/>
+              <a:rPr lang="en-US" dirty="0"/>
+              <a:t>;; STRATEGY: Use template for </a:t>
+            </a:r>
+            <a:r>
+              <a:rPr lang="en-US" dirty="0" err="1"/>
               <a:t>ListOfX</a:t>
             </a:r>
             <a:r>
-              <a:rPr lang="en-US" dirty="0" smtClean="0"/>
+              <a:rPr lang="en-US" dirty="0"/>
               <a:t> on </a:t>
             </a:r>
             <a:r>
-              <a:rPr lang="en-US" dirty="0" err="1" smtClean="0"/>
+              <a:rPr lang="en-US" dirty="0" err="1"/>
               <a:t>lst</a:t>
             </a:r>
-            <a:endParaRPr lang="en-US" dirty="0" smtClean="0"/>
-          </a:p>
-          <a:p>
-            <a:r>
-              <a:rPr lang="en-US" dirty="0" smtClean="0"/>
+            <a:endParaRPr lang="en-US" dirty="0"/>
+          </a:p>
+          <a:p>
+            <a:r>
+              <a:rPr lang="en-US" dirty="0"/>
               <a:t>(define (filter </a:t>
             </a:r>
             <a:r>
-              <a:rPr lang="en-US" dirty="0" err="1" smtClean="0">
+              <a:rPr lang="en-US" dirty="0" err="1">
                 <a:solidFill>
                   <a:srgbClr val="00B050"/>
                 </a:solidFill>
@@ -9779,7 +9565,7 @@
               <a:t>fn</a:t>
             </a:r>
             <a:r>
-              <a:rPr lang="en-US" dirty="0" smtClean="0">
+              <a:rPr lang="en-US" dirty="0">
                 <a:solidFill>
                   <a:srgbClr val="00B050"/>
                 </a:solidFill>
@@ -9787,50 +9573,46 @@
               <a:t> </a:t>
             </a:r>
             <a:r>
-              <a:rPr lang="en-US" dirty="0" err="1" smtClean="0"/>
+              <a:rPr lang="en-US" dirty="0" err="1"/>
               <a:t>lst</a:t>
             </a:r>
             <a:r>
-              <a:rPr lang="en-US" dirty="0" smtClean="0"/>
+              <a:rPr lang="en-US" dirty="0"/>
               <a:t>)</a:t>
             </a:r>
           </a:p>
           <a:p>
             <a:r>
-              <a:rPr lang="en-US" dirty="0" smtClean="0"/>
+              <a:rPr lang="en-US" dirty="0"/>
               <a:t>  (</a:t>
             </a:r>
             <a:r>
-              <a:rPr lang="en-US" dirty="0" err="1" smtClean="0"/>
+              <a:rPr lang="en-US" dirty="0" err="1"/>
               <a:t>cond</a:t>
             </a:r>
-            <a:endParaRPr lang="en-US" dirty="0" smtClean="0"/>
-          </a:p>
-          <a:p>
-            <a:r>
-              <a:rPr lang="en-US" dirty="0" smtClean="0"/>
+            <a:endParaRPr lang="en-US" dirty="0"/>
+          </a:p>
+          <a:p>
+            <a:r>
+              <a:rPr lang="en-US" dirty="0"/>
               <a:t>    [(empty? </a:t>
             </a:r>
             <a:r>
-              <a:rPr lang="en-US" dirty="0" err="1" smtClean="0"/>
+              <a:rPr lang="en-US" dirty="0" err="1"/>
               <a:t>lst</a:t>
             </a:r>
             <a:r>
-              <a:rPr lang="en-US" dirty="0" smtClean="0"/>
+              <a:rPr lang="en-US" dirty="0"/>
               <a:t>) empty]</a:t>
             </a:r>
           </a:p>
           <a:p>
             <a:r>
               <a:rPr lang="en-US" dirty="0"/>
-              <a:t> </a:t>
-            </a:r>
-            <a:r>
-              <a:rPr lang="en-US" dirty="0" smtClean="0"/>
-              <a:t>   [else (if (</a:t>
-            </a:r>
-            <a:r>
-              <a:rPr lang="en-US" dirty="0" err="1" smtClean="0">
+              <a:t>    [else (if (</a:t>
+            </a:r>
+            <a:r>
+              <a:rPr lang="en-US" dirty="0" err="1">
                 <a:solidFill>
                   <a:srgbClr val="00B050"/>
                 </a:solidFill>
@@ -9838,88 +9620,75 @@
               <a:t>fn</a:t>
             </a:r>
             <a:r>
-              <a:rPr lang="en-US" dirty="0" smtClean="0"/>
+              <a:rPr lang="en-US" dirty="0"/>
               <a:t> (first </a:t>
             </a:r>
             <a:r>
-              <a:rPr lang="en-US" dirty="0" err="1" smtClean="0"/>
+              <a:rPr lang="en-US" dirty="0" err="1"/>
               <a:t>lst</a:t>
             </a:r>
             <a:r>
-              <a:rPr lang="en-US" dirty="0" smtClean="0"/>
+              <a:rPr lang="en-US" dirty="0"/>
               <a:t>))</a:t>
             </a:r>
           </a:p>
           <a:p>
             <a:r>
               <a:rPr lang="en-US" dirty="0"/>
-              <a:t> </a:t>
-            </a:r>
-            <a:r>
-              <a:rPr lang="en-US" dirty="0" smtClean="0"/>
-              <a:t>             (cons (first </a:t>
-            </a:r>
-            <a:r>
-              <a:rPr lang="en-US" dirty="0" err="1" smtClean="0"/>
+              <a:t>              (cons (first </a:t>
+            </a:r>
+            <a:r>
+              <a:rPr lang="en-US" dirty="0" err="1"/>
               <a:t>lst</a:t>
             </a:r>
             <a:r>
-              <a:rPr lang="en-US" dirty="0" smtClean="0"/>
+              <a:rPr lang="en-US" dirty="0"/>
               <a:t>)</a:t>
             </a:r>
           </a:p>
           <a:p>
             <a:r>
               <a:rPr lang="en-US" dirty="0"/>
-              <a:t> </a:t>
-            </a:r>
-            <a:r>
-              <a:rPr lang="en-US" dirty="0" smtClean="0"/>
-              <a:t>                   (filter </a:t>
-            </a:r>
-            <a:r>
-              <a:rPr lang="en-US" dirty="0" err="1" smtClean="0"/>
+              <a:t>                    (filter </a:t>
+            </a:r>
+            <a:r>
+              <a:rPr lang="en-US" dirty="0" err="1"/>
               <a:t>fn</a:t>
             </a:r>
             <a:r>
-              <a:rPr lang="en-US" dirty="0" smtClean="0"/>
+              <a:rPr lang="en-US" dirty="0"/>
               <a:t> (rest </a:t>
             </a:r>
             <a:r>
-              <a:rPr lang="en-US" dirty="0" err="1" smtClean="0"/>
+              <a:rPr lang="en-US" dirty="0" err="1"/>
               <a:t>lst</a:t>
             </a:r>
             <a:r>
-              <a:rPr lang="en-US" dirty="0" smtClean="0"/>
+              <a:rPr lang="en-US" dirty="0"/>
               <a:t>)))</a:t>
             </a:r>
           </a:p>
           <a:p>
             <a:r>
               <a:rPr lang="en-US" dirty="0"/>
-              <a:t> </a:t>
-            </a:r>
-            <a:r>
-              <a:rPr lang="en-US" dirty="0" smtClean="0"/>
-              <a:t>             (filter </a:t>
-            </a:r>
-            <a:r>
-              <a:rPr lang="en-US" dirty="0" err="1" smtClean="0"/>
+              <a:t>              (filter </a:t>
+            </a:r>
+            <a:r>
+              <a:rPr lang="en-US" dirty="0" err="1"/>
               <a:t>fn</a:t>
             </a:r>
             <a:r>
-              <a:rPr lang="en-US" dirty="0" smtClean="0"/>
+              <a:rPr lang="en-US" dirty="0"/>
               <a:t> (rest </a:t>
             </a:r>
             <a:r>
-              <a:rPr lang="en-US" dirty="0" err="1" smtClean="0"/>
+              <a:rPr lang="en-US" dirty="0" err="1"/>
               <a:t>lst</a:t>
             </a:r>
             <a:r>
-              <a:rPr lang="en-US" dirty="0" smtClean="0"/>
+              <a:rPr lang="en-US" dirty="0"/>
               <a:t>)))]))</a:t>
             </a:r>
-            <a:endParaRPr lang="en-US" dirty="0"/>
           </a:p>
         </p:txBody>
       </p:sp>
@@ -9991,13 +9760,8 @@
             </a:r>
             <a:r>
               <a:rPr lang="en-US" sz="2400" dirty="0"/>
-              <a:t>with an extra argument</a:t>
-            </a:r>
-            <a:r>
-              <a:rPr lang="en-US" sz="2400" dirty="0" smtClean="0"/>
-              <a:t>.</a:t>
-            </a:r>
-            <a:endParaRPr lang="en-US" sz="2400" dirty="0"/>
+              <a:t>with an extra argument.</a:t>
+            </a:r>
           </a:p>
         </p:txBody>
       </p:sp>
@@ -10011,13 +9775,6 @@
   <p:clrMapOvr>
     <a:masterClrMapping/>
   </p:clrMapOvr>
-  <p:timing>
-    <p:tnLst>
-      <p:par>
-        <p:cTn id="1" dur="indefinite" restart="never" nodeType="tmRoot"/>
-      </p:par>
-    </p:tnLst>
-  </p:timing>
 </p:sld>
 </file>
 
@@ -10054,10 +9811,9 @@
           <a:lstStyle/>
           <a:p>
             <a:r>
-              <a:rPr lang="en-US" dirty="0" smtClean="0"/>
+              <a:rPr lang="en-US" dirty="0"/>
               <a:t>These can be strung together</a:t>
             </a:r>
-            <a:endParaRPr lang="en-US" dirty="0"/>
           </a:p>
         </p:txBody>
       </p:sp>
@@ -10082,22 +9838,22 @@
               </a:spcBef>
             </a:pPr>
             <a:r>
-              <a:rPr lang="en-US" dirty="0" smtClean="0"/>
+              <a:rPr lang="en-US" dirty="0"/>
               <a:t>;; </a:t>
             </a:r>
             <a:r>
-              <a:rPr lang="en-US" dirty="0" err="1" smtClean="0"/>
+              <a:rPr lang="en-US" dirty="0" err="1"/>
               <a:t>ListOfInteger</a:t>
             </a:r>
             <a:r>
-              <a:rPr lang="en-US" dirty="0" smtClean="0"/>
+              <a:rPr lang="en-US" dirty="0"/>
               <a:t> -&gt; </a:t>
             </a:r>
             <a:r>
-              <a:rPr lang="en-US" dirty="0" err="1" smtClean="0"/>
+              <a:rPr lang="en-US" dirty="0" err="1"/>
               <a:t>ListOfInteger</a:t>
             </a:r>
-            <a:endParaRPr lang="en-US" dirty="0" smtClean="0"/>
+            <a:endParaRPr lang="en-US" dirty="0"/>
           </a:p>
           <a:p>
             <a:pPr>
@@ -10106,7 +9862,7 @@
               </a:spcBef>
             </a:pPr>
             <a:r>
-              <a:rPr lang="en-US" dirty="0" smtClean="0"/>
+              <a:rPr lang="en-US" dirty="0"/>
               <a:t>;; RETURNS: the squares of the</a:t>
             </a:r>
           </a:p>
@@ -10117,7 +9873,7 @@
               </a:spcBef>
             </a:pPr>
             <a:r>
-              <a:rPr lang="en-US" dirty="0" smtClean="0"/>
+              <a:rPr lang="en-US" dirty="0"/>
               <a:t>;; evens in the given list</a:t>
             </a:r>
           </a:p>
@@ -10128,19 +9884,15 @@
               </a:spcBef>
             </a:pPr>
             <a:r>
-              <a:rPr lang="en-US" dirty="0" smtClean="0"/>
-              <a:t>;; STRATEGY: </a:t>
-            </a:r>
-            <a:r>
-              <a:rPr lang="en-US" dirty="0" smtClean="0"/>
-              <a:t>Use HOF filter on </a:t>
-            </a:r>
-            <a:r>
-              <a:rPr lang="en-US" dirty="0" err="1" smtClean="0"/>
+              <a:rPr lang="en-US" dirty="0"/>
+              <a:t>;; STRATEGY: Use HOF filter on </a:t>
+            </a:r>
+            <a:r>
+              <a:rPr lang="en-US" dirty="0" err="1"/>
               <a:t>lon</a:t>
             </a:r>
             <a:r>
-              <a:rPr lang="en-US" dirty="0" smtClean="0"/>
+              <a:rPr lang="en-US" dirty="0"/>
               <a:t>,</a:t>
             </a:r>
           </a:p>
@@ -10151,10 +9903,9 @@
               </a:spcBef>
             </a:pPr>
             <a:r>
-              <a:rPr lang="en-US" dirty="0" smtClean="0"/>
+              <a:rPr lang="en-US" dirty="0"/>
               <a:t>;;   followed by HOF map</a:t>
             </a:r>
-            <a:endParaRPr lang="en-US" dirty="0" smtClean="0"/>
           </a:p>
           <a:p>
             <a:pPr>
@@ -10163,15 +9914,15 @@
               </a:spcBef>
             </a:pPr>
             <a:r>
-              <a:rPr lang="en-US" dirty="0" smtClean="0"/>
+              <a:rPr lang="en-US" dirty="0"/>
               <a:t>(define (squares-of-evens </a:t>
             </a:r>
             <a:r>
-              <a:rPr lang="en-US" dirty="0" err="1" smtClean="0"/>
+              <a:rPr lang="en-US" dirty="0" err="1"/>
               <a:t>lon</a:t>
             </a:r>
             <a:r>
-              <a:rPr lang="en-US" dirty="0" smtClean="0"/>
+              <a:rPr lang="en-US" dirty="0"/>
               <a:t>)</a:t>
             </a:r>
           </a:p>
@@ -10183,17 +9934,13 @@
             </a:pPr>
             <a:r>
               <a:rPr lang="en-US" dirty="0"/>
-              <a:t> </a:t>
-            </a:r>
-            <a:r>
-              <a:rPr lang="en-US" dirty="0" smtClean="0"/>
-              <a:t>(map </a:t>
-            </a:r>
-            <a:r>
-              <a:rPr lang="en-US" dirty="0" err="1" smtClean="0"/>
+              <a:t> (map </a:t>
+            </a:r>
+            <a:r>
+              <a:rPr lang="en-US" dirty="0" err="1"/>
               <a:t>sqr</a:t>
             </a:r>
-            <a:endParaRPr lang="en-US" dirty="0" smtClean="0"/>
+            <a:endParaRPr lang="en-US" dirty="0"/>
           </a:p>
           <a:p>
             <a:pPr>
@@ -10203,21 +9950,16 @@
             </a:pPr>
             <a:r>
               <a:rPr lang="en-US" dirty="0"/>
-              <a:t> </a:t>
-            </a:r>
-            <a:r>
-              <a:rPr lang="en-US" dirty="0" smtClean="0"/>
               <a:t>  (filter even? </a:t>
             </a:r>
             <a:r>
-              <a:rPr lang="en-US" dirty="0" err="1" smtClean="0"/>
+              <a:rPr lang="en-US" dirty="0" err="1"/>
               <a:t>lon</a:t>
             </a:r>
             <a:r>
-              <a:rPr lang="en-US" dirty="0" smtClean="0"/>
+              <a:rPr lang="en-US" dirty="0"/>
               <a:t>)))</a:t>
             </a:r>
-            <a:endParaRPr lang="en-US" dirty="0"/>
           </a:p>
         </p:txBody>
       </p:sp>
@@ -10252,8 +9994,8 @@
         </p:nvSpPr>
         <p:spPr>
           <a:xfrm>
-            <a:off x="4762500" y="5610502"/>
-            <a:ext cx="3581400" cy="923330"/>
+            <a:off x="5829300" y="4648200"/>
+            <a:ext cx="3238500" cy="1938992"/>
           </a:xfrm>
           <a:prstGeom prst="rect">
             <a:avLst/>
@@ -10280,14 +10022,9 @@
           <a:lstStyle/>
           <a:p>
             <a:r>
-              <a:rPr lang="en-US" dirty="0"/>
-              <a:t>One of the nice things about these functions is that they can be </a:t>
-            </a:r>
-            <a:r>
-              <a:rPr lang="en-US" dirty="0" smtClean="0"/>
-              <a:t>combined.</a:t>
-            </a:r>
-            <a:endParaRPr lang="en-US" dirty="0" smtClean="0"/>
+              <a:rPr lang="en-US" sz="2400" dirty="0"/>
+              <a:t>One of the nice things about these functions is that they can be combined to create multi-pass functions.</a:t>
+            </a:r>
           </a:p>
         </p:txBody>
       </p:sp>
@@ -10301,13 +10038,6 @@
   <p:clrMapOvr>
     <a:masterClrMapping/>
   </p:clrMapOvr>
-  <p:timing>
-    <p:tnLst>
-      <p:par>
-        <p:cTn id="1" dur="indefinite" restart="never" nodeType="tmRoot"/>
-      </p:par>
-    </p:tnLst>
-  </p:timing>
 </p:sld>
 </file>
 
@@ -10344,126 +10074,120 @@
           <a:lstStyle/>
           <a:p>
             <a:r>
-              <a:rPr lang="en-US" dirty="0" smtClean="0"/>
-              <a:t>Summary</a:t>
+              <a:rPr lang="en-US" dirty="0"/>
+              <a:t>Go crazy with these!</a:t>
+            </a:r>
+          </a:p>
+        </p:txBody>
+      </p:sp>
+      <p:sp>
+        <p:nvSpPr>
+          <p:cNvPr id="3" name="Content Placeholder 2"/>
+          <p:cNvSpPr>
+            <a:spLocks noGrp="1"/>
+          </p:cNvSpPr>
+          <p:nvPr>
+            <p:ph idx="1"/>
+          </p:nvPr>
+        </p:nvSpPr>
+        <p:spPr/>
+        <p:txBody>
+          <a:bodyPr/>
+          <a:lstStyle/>
+          <a:p>
+            <a:pPr>
+              <a:spcBef>
+                <a:spcPts val="0"/>
+              </a:spcBef>
+            </a:pPr>
+            <a:r>
+              <a:rPr lang="en-US" dirty="0"/>
+              <a:t>;; STRATEGY: Use HOF filter on </a:t>
+            </a:r>
+            <a:r>
+              <a:rPr lang="en-US" dirty="0" err="1"/>
+              <a:t>lon</a:t>
+            </a:r>
+            <a:r>
+              <a:rPr lang="en-US" dirty="0"/>
+              <a:t>,</a:t>
+            </a:r>
+          </a:p>
+          <a:p>
+            <a:pPr>
+              <a:spcBef>
+                <a:spcPts val="0"/>
+              </a:spcBef>
+            </a:pPr>
+            <a:r>
+              <a:rPr lang="en-US" dirty="0"/>
+              <a:t>;;   followed by HOF map twice</a:t>
+            </a:r>
+          </a:p>
+          <a:p>
+            <a:pPr>
+              <a:spcBef>
+                <a:spcPts val="0"/>
+              </a:spcBef>
+            </a:pPr>
+            <a:r>
+              <a:rPr lang="en-US" dirty="0"/>
+              <a:t>(define (squares-of-evens+1 </a:t>
+            </a:r>
+            <a:r>
+              <a:rPr lang="en-US" dirty="0" err="1"/>
+              <a:t>lon</a:t>
+            </a:r>
+            <a:r>
+              <a:rPr lang="en-US" dirty="0"/>
+              <a:t>)</a:t>
+            </a:r>
+          </a:p>
+          <a:p>
+            <a:pPr>
+              <a:spcBef>
+                <a:spcPts val="0"/>
+              </a:spcBef>
+            </a:pPr>
+            <a:r>
+              <a:rPr lang="en-US" dirty="0"/>
+              <a:t> (map add1</a:t>
+            </a:r>
+          </a:p>
+          <a:p>
+            <a:pPr>
+              <a:spcBef>
+                <a:spcPts val="0"/>
+              </a:spcBef>
+            </a:pPr>
+            <a:r>
+              <a:rPr lang="en-US" dirty="0"/>
+              <a:t>  (map </a:t>
+            </a:r>
+            <a:r>
+              <a:rPr lang="en-US" dirty="0" err="1"/>
+              <a:t>sqr</a:t>
             </a:r>
             <a:endParaRPr lang="en-US" dirty="0"/>
           </a:p>
-        </p:txBody>
-      </p:sp>
-      <p:sp>
-        <p:nvSpPr>
-          <p:cNvPr id="3" name="Content Placeholder 2"/>
-          <p:cNvSpPr>
-            <a:spLocks noGrp="1"/>
-          </p:cNvSpPr>
-          <p:nvPr>
-            <p:ph idx="1"/>
-          </p:nvPr>
-        </p:nvSpPr>
-        <p:spPr/>
-        <p:txBody>
-          <a:bodyPr>
-            <a:normAutofit/>
-          </a:bodyPr>
-          <a:lstStyle/>
-          <a:p>
-            <a:r>
-              <a:rPr lang="en-US" dirty="0" smtClean="0"/>
-              <a:t>You should now be able to:</a:t>
-            </a:r>
-          </a:p>
-          <a:p>
-            <a:pPr lvl="1"/>
-            <a:r>
-              <a:rPr lang="en-US" dirty="0"/>
-              <a:t>recognize the </a:t>
-            </a:r>
-            <a:r>
-              <a:rPr lang="en-US" b="1" dirty="0" err="1">
-                <a:latin typeface="Consolas" panose="020B0609020204030204" pitchFamily="49" charset="0"/>
-                <a:cs typeface="Consolas" panose="020B0609020204030204" pitchFamily="49" charset="0"/>
-              </a:rPr>
-              <a:t>ormap</a:t>
-            </a:r>
-            <a:r>
-              <a:rPr lang="en-US" dirty="0"/>
-              <a:t>, </a:t>
-            </a:r>
-            <a:r>
-              <a:rPr lang="en-US" b="1" dirty="0" err="1">
-                <a:latin typeface="Consolas" panose="020B0609020204030204" pitchFamily="49" charset="0"/>
-                <a:cs typeface="Consolas" panose="020B0609020204030204" pitchFamily="49" charset="0"/>
-              </a:rPr>
-              <a:t>andmap</a:t>
-            </a:r>
-            <a:r>
-              <a:rPr lang="en-US" dirty="0"/>
-              <a:t>, and </a:t>
-            </a:r>
-            <a:r>
-              <a:rPr lang="en-US" b="1" dirty="0">
-                <a:latin typeface="Consolas" panose="020B0609020204030204" pitchFamily="49" charset="0"/>
-                <a:cs typeface="Consolas" panose="020B0609020204030204" pitchFamily="49" charset="0"/>
-              </a:rPr>
-              <a:t>filter</a:t>
-            </a:r>
-            <a:r>
-              <a:rPr lang="en-US" dirty="0"/>
-              <a:t> patterns</a:t>
-            </a:r>
-          </a:p>
-          <a:p>
-            <a:pPr lvl="1"/>
-            <a:r>
-              <a:rPr lang="en-US" dirty="0"/>
-              <a:t>state the contracts for </a:t>
-            </a:r>
-            <a:r>
-              <a:rPr lang="en-US" b="1" dirty="0" err="1">
-                <a:latin typeface="Consolas" panose="020B0609020204030204" pitchFamily="49" charset="0"/>
-                <a:cs typeface="Consolas" panose="020B0609020204030204" pitchFamily="49" charset="0"/>
-              </a:rPr>
-              <a:t>ormap</a:t>
-            </a:r>
-            <a:r>
-              <a:rPr lang="en-US" dirty="0"/>
-              <a:t>, </a:t>
-            </a:r>
-            <a:r>
-              <a:rPr lang="en-US" b="1" dirty="0" err="1">
-                <a:latin typeface="Consolas" panose="020B0609020204030204" pitchFamily="49" charset="0"/>
-                <a:cs typeface="Consolas" panose="020B0609020204030204" pitchFamily="49" charset="0"/>
-              </a:rPr>
-              <a:t>andmap</a:t>
-            </a:r>
-            <a:r>
-              <a:rPr lang="en-US" dirty="0"/>
-              <a:t>, and </a:t>
-            </a:r>
-            <a:r>
-              <a:rPr lang="en-US" b="1" dirty="0">
-                <a:latin typeface="Consolas" panose="020B0609020204030204" pitchFamily="49" charset="0"/>
-                <a:cs typeface="Consolas" panose="020B0609020204030204" pitchFamily="49" charset="0"/>
-              </a:rPr>
-              <a:t>filter</a:t>
-            </a:r>
-            <a:r>
-              <a:rPr lang="en-US" dirty="0"/>
-              <a:t> , and use them appropriately.</a:t>
-            </a:r>
-          </a:p>
-          <a:p>
-            <a:pPr lvl="1"/>
-            <a:r>
-              <a:rPr lang="en-US" dirty="0"/>
-              <a:t>combine these </a:t>
-            </a:r>
-            <a:r>
-              <a:rPr lang="en-US" dirty="0" smtClean="0"/>
-              <a:t>functions to form more complicated operations on lists.</a:t>
-            </a:r>
-            <a:endParaRPr lang="en-US" dirty="0"/>
+          <a:p>
+            <a:pPr>
+              <a:spcBef>
+                <a:spcPts val="0"/>
+              </a:spcBef>
+            </a:pPr>
+            <a:r>
+              <a:rPr lang="en-US" dirty="0"/>
+              <a:t>   (filter even? </a:t>
+            </a:r>
+            <a:r>
+              <a:rPr lang="en-US" dirty="0" err="1"/>
+              <a:t>lon</a:t>
+            </a:r>
+            <a:r>
+              <a:rPr lang="en-US" dirty="0"/>
+              <a:t>))))</a:t>
+            </a:r>
           </a:p>
         </p:txBody>
       </p:sp>
@@ -10482,32 +10206,81 @@
           <a:bodyPr/>
           <a:lstStyle/>
           <a:p>
-            <a:fld id="{9F4492BD-6A9C-48FC-AC76-0B4FE11194A1}" type="slidenum">
+            <a:fld id="{2AF3B5EA-18B6-4040-9F78-6052AF49C681}" type="slidenum">
               <a:rPr lang="en-US" smtClean="0"/>
-              <a:pPr/>
               <a:t>18</a:t>
             </a:fld>
             <a:endParaRPr lang="en-US"/>
           </a:p>
         </p:txBody>
       </p:sp>
+      <p:sp>
+        <p:nvSpPr>
+          <p:cNvPr id="6" name="Rectangle 5"/>
+          <p:cNvSpPr/>
+          <p:nvPr/>
+        </p:nvSpPr>
+        <p:spPr>
+          <a:xfrm>
+            <a:off x="4724400" y="4648200"/>
+            <a:ext cx="3429000" cy="1752600"/>
+          </a:xfrm>
+          <a:prstGeom prst="rect">
+            <a:avLst/>
+          </a:prstGeom>
+          <a:solidFill>
+            <a:schemeClr val="accent3">
+              <a:lumMod val="40000"/>
+              <a:lumOff val="60000"/>
+            </a:schemeClr>
+          </a:solidFill>
+          <a:ln/>
+        </p:spPr>
+        <p:style>
+          <a:lnRef idx="2">
+            <a:schemeClr val="accent1"/>
+          </a:lnRef>
+          <a:fillRef idx="1">
+            <a:schemeClr val="lt1"/>
+          </a:fillRef>
+          <a:effectRef idx="0">
+            <a:schemeClr val="accent1"/>
+          </a:effectRef>
+          <a:fontRef idx="minor">
+            <a:schemeClr val="dk1"/>
+          </a:fontRef>
+        </p:style>
+        <p:txBody>
+          <a:bodyPr rot="0" spcFirstLastPara="0" vertOverflow="overflow" horzOverflow="overflow" vert="horz" wrap="square" lIns="91440" tIns="45720" rIns="91440" bIns="45720" numCol="1" spcCol="0" rtlCol="0" fromWordArt="0" anchor="ctr" anchorCtr="0" forceAA="0" compatLnSpc="1">
+            <a:prstTxWarp prst="textNoShape">
+              <a:avLst/>
+            </a:prstTxWarp>
+            <a:noAutofit/>
+          </a:bodyPr>
+          <a:lstStyle/>
+          <a:p>
+            <a:pPr algn="ctr"/>
+            <a:r>
+              <a:rPr lang="en-US" sz="2400" dirty="0">
+                <a:solidFill>
+                  <a:schemeClr val="tx1"/>
+                </a:solidFill>
+              </a:rPr>
+              <a:t>But always make sure that your definitions are CLEAR AND UNDERSTANDABLE!</a:t>
+            </a:r>
+          </a:p>
+        </p:txBody>
+      </p:sp>
     </p:spTree>
     <p:extLst>
       <p:ext uri="{BB962C8B-B14F-4D97-AF65-F5344CB8AC3E}">
-        <p14:creationId xmlns:p14="http://schemas.microsoft.com/office/powerpoint/2010/main" val="2015971023"/>
+        <p14:creationId xmlns:p14="http://schemas.microsoft.com/office/powerpoint/2010/main" val="1978715050"/>
       </p:ext>
     </p:extLst>
   </p:cSld>
   <p:clrMapOvr>
     <a:masterClrMapping/>
   </p:clrMapOvr>
-  <p:timing>
-    <p:tnLst>
-      <p:par>
-        <p:cTn id="1" dur="indefinite" restart="never" nodeType="tmRoot"/>
-      </p:par>
-    </p:tnLst>
-  </p:timing>
 </p:sld>
 </file>
 
@@ -10544,10 +10317,9 @@
           <a:lstStyle/>
           <a:p>
             <a:r>
-              <a:rPr lang="en-US" dirty="0" smtClean="0"/>
-              <a:t>Next Steps</a:t>
-            </a:r>
-            <a:endParaRPr lang="en-US" dirty="0"/>
+              <a:rPr lang="en-US" dirty="0"/>
+              <a:t>Summary</a:t>
+            </a:r>
           </a:p>
         </p:txBody>
       </p:sp>
@@ -10563,36 +10335,102 @@
         </p:nvSpPr>
         <p:spPr/>
         <p:txBody>
-          <a:bodyPr/>
-          <a:lstStyle/>
-          <a:p>
-            <a:r>
-              <a:rPr lang="en-US" smtClean="0"/>
-              <a:t>Study 05-3-map.rkt in </a:t>
-            </a:r>
-            <a:r>
-              <a:rPr lang="en-US" dirty="0" smtClean="0"/>
-              <a:t>the examples folder.</a:t>
-            </a:r>
-          </a:p>
-          <a:p>
-            <a:r>
-              <a:rPr lang="en-US" dirty="0" smtClean="0"/>
-              <a:t>If you have questions about this lesson, ask them on the Discussion Board</a:t>
-            </a:r>
-          </a:p>
-          <a:p>
-            <a:r>
-              <a:rPr lang="en-US" dirty="0" smtClean="0"/>
-              <a:t>Do Guided Practice 5.3</a:t>
-            </a:r>
-          </a:p>
-          <a:p>
-            <a:r>
-              <a:rPr lang="en-US" dirty="0" smtClean="0"/>
-              <a:t>Go on to the next lesson</a:t>
-            </a:r>
-            <a:endParaRPr lang="en-US" dirty="0"/>
+          <a:bodyPr>
+            <a:normAutofit/>
+          </a:bodyPr>
+          <a:lstStyle/>
+          <a:p>
+            <a:r>
+              <a:rPr lang="en-US" dirty="0"/>
+              <a:t>You should now be able to:</a:t>
+            </a:r>
+          </a:p>
+          <a:p>
+            <a:pPr lvl="1"/>
+            <a:r>
+              <a:rPr lang="en-US" dirty="0"/>
+              <a:t>recognize the </a:t>
+            </a:r>
+            <a:r>
+              <a:rPr lang="en-US" b="1" dirty="0" err="1">
+                <a:latin typeface="Consolas" panose="020B0609020204030204" pitchFamily="49" charset="0"/>
+                <a:cs typeface="Consolas" panose="020B0609020204030204" pitchFamily="49" charset="0"/>
+              </a:rPr>
+              <a:t>ormap</a:t>
+            </a:r>
+            <a:r>
+              <a:rPr lang="en-US" dirty="0"/>
+              <a:t>, </a:t>
+            </a:r>
+            <a:r>
+              <a:rPr lang="en-US" b="1" dirty="0" err="1">
+                <a:latin typeface="Consolas" panose="020B0609020204030204" pitchFamily="49" charset="0"/>
+                <a:cs typeface="Consolas" panose="020B0609020204030204" pitchFamily="49" charset="0"/>
+              </a:rPr>
+              <a:t>andmap</a:t>
+            </a:r>
+            <a:r>
+              <a:rPr lang="en-US" dirty="0"/>
+              <a:t>, and </a:t>
+            </a:r>
+            <a:r>
+              <a:rPr lang="en-US" b="1" dirty="0">
+                <a:latin typeface="Consolas" panose="020B0609020204030204" pitchFamily="49" charset="0"/>
+                <a:cs typeface="Consolas" panose="020B0609020204030204" pitchFamily="49" charset="0"/>
+              </a:rPr>
+              <a:t>filter</a:t>
+            </a:r>
+            <a:r>
+              <a:rPr lang="en-US" dirty="0"/>
+              <a:t> patterns</a:t>
+            </a:r>
+          </a:p>
+          <a:p>
+            <a:pPr lvl="1"/>
+            <a:r>
+              <a:rPr lang="en-US" dirty="0"/>
+              <a:t>state the contracts for </a:t>
+            </a:r>
+            <a:r>
+              <a:rPr lang="en-US" b="1" dirty="0" err="1">
+                <a:latin typeface="Consolas" panose="020B0609020204030204" pitchFamily="49" charset="0"/>
+                <a:cs typeface="Consolas" panose="020B0609020204030204" pitchFamily="49" charset="0"/>
+              </a:rPr>
+              <a:t>ormap</a:t>
+            </a:r>
+            <a:r>
+              <a:rPr lang="en-US" dirty="0"/>
+              <a:t>, </a:t>
+            </a:r>
+            <a:r>
+              <a:rPr lang="en-US" b="1" dirty="0" err="1">
+                <a:latin typeface="Consolas" panose="020B0609020204030204" pitchFamily="49" charset="0"/>
+                <a:cs typeface="Consolas" panose="020B0609020204030204" pitchFamily="49" charset="0"/>
+              </a:rPr>
+              <a:t>andmap</a:t>
+            </a:r>
+            <a:r>
+              <a:rPr lang="en-US" dirty="0"/>
+              <a:t>, and </a:t>
+            </a:r>
+            <a:r>
+              <a:rPr lang="en-US" b="1" dirty="0">
+                <a:latin typeface="Consolas" panose="020B0609020204030204" pitchFamily="49" charset="0"/>
+                <a:cs typeface="Consolas" panose="020B0609020204030204" pitchFamily="49" charset="0"/>
+              </a:rPr>
+              <a:t>filter</a:t>
+            </a:r>
+            <a:r>
+              <a:rPr lang="en-US" dirty="0"/>
+              <a:t> , and use them appropriately.</a:t>
+            </a:r>
+          </a:p>
+          <a:p>
+            <a:pPr lvl="1"/>
+            <a:r>
+              <a:rPr lang="en-US" dirty="0"/>
+              <a:t>combine these functions to form more complicated operations on lists.</a:t>
+            </a:r>
           </a:p>
         </p:txBody>
       </p:sp>
@@ -10623,20 +10461,13 @@
     </p:spTree>
     <p:extLst>
       <p:ext uri="{BB962C8B-B14F-4D97-AF65-F5344CB8AC3E}">
-        <p14:creationId xmlns:p14="http://schemas.microsoft.com/office/powerpoint/2010/main" val="3352761229"/>
+        <p14:creationId xmlns:p14="http://schemas.microsoft.com/office/powerpoint/2010/main" val="2015971023"/>
       </p:ext>
     </p:extLst>
   </p:cSld>
   <p:clrMapOvr>
     <a:masterClrMapping/>
   </p:clrMapOvr>
-  <p:timing>
-    <p:tnLst>
-      <p:par>
-        <p:cTn id="1" dur="indefinite" restart="never" nodeType="tmRoot"/>
-      </p:par>
-    </p:tnLst>
-  </p:timing>
 </p:sld>
 </file>
 
@@ -10673,10 +10504,9 @@
           <a:lstStyle/>
           <a:p>
             <a:r>
-              <a:rPr lang="en-US" dirty="0" smtClean="0"/>
+              <a:rPr lang="en-US" dirty="0"/>
               <a:t>Introduction</a:t>
             </a:r>
-            <a:endParaRPr lang="en-US" dirty="0"/>
           </a:p>
         </p:txBody>
       </p:sp>
@@ -10698,7 +10528,7 @@
           <a:lstStyle/>
           <a:p>
             <a:r>
-              <a:rPr lang="en-US" dirty="0" smtClean="0"/>
+              <a:rPr lang="en-US" dirty="0"/>
               <a:t>In this lesson, we will see more common patterns of function definitions that differ only by what functions they call.</a:t>
             </a:r>
           </a:p>
@@ -10738,13 +10568,126 @@
   <p:clrMapOvr>
     <a:masterClrMapping/>
   </p:clrMapOvr>
-  <p:timing>
-    <p:tnLst>
-      <p:par>
-        <p:cTn id="1" dur="indefinite" restart="never" nodeType="tmRoot"/>
-      </p:par>
-    </p:tnLst>
-  </p:timing>
+</p:sld>
+</file>
+
+<file path=ppt/slides/slide20.xml><?xml version="1.0" encoding="utf-8"?>
+<p:sld xmlns:a="http://schemas.openxmlformats.org/drawingml/2006/main" xmlns:r="http://schemas.openxmlformats.org/officeDocument/2006/relationships" xmlns:p="http://schemas.openxmlformats.org/presentationml/2006/main">
+  <p:cSld>
+    <p:spTree>
+      <p:nvGrpSpPr>
+        <p:cNvPr id="1" name=""/>
+        <p:cNvGrpSpPr/>
+        <p:nvPr/>
+      </p:nvGrpSpPr>
+      <p:grpSpPr>
+        <a:xfrm>
+          <a:off x="0" y="0"/>
+          <a:ext cx="0" cy="0"/>
+          <a:chOff x="0" y="0"/>
+          <a:chExt cx="0" cy="0"/>
+        </a:xfrm>
+      </p:grpSpPr>
+      <p:sp>
+        <p:nvSpPr>
+          <p:cNvPr id="2" name="Title 1"/>
+          <p:cNvSpPr>
+            <a:spLocks noGrp="1"/>
+          </p:cNvSpPr>
+          <p:nvPr>
+            <p:ph type="title"/>
+          </p:nvPr>
+        </p:nvSpPr>
+        <p:spPr/>
+        <p:txBody>
+          <a:bodyPr/>
+          <a:lstStyle/>
+          <a:p>
+            <a:r>
+              <a:rPr lang="en-US" dirty="0"/>
+              <a:t>Next Steps</a:t>
+            </a:r>
+          </a:p>
+        </p:txBody>
+      </p:sp>
+      <p:sp>
+        <p:nvSpPr>
+          <p:cNvPr id="3" name="Content Placeholder 2"/>
+          <p:cNvSpPr>
+            <a:spLocks noGrp="1"/>
+          </p:cNvSpPr>
+          <p:nvPr>
+            <p:ph idx="1"/>
+          </p:nvPr>
+        </p:nvSpPr>
+        <p:spPr/>
+        <p:txBody>
+          <a:bodyPr/>
+          <a:lstStyle/>
+          <a:p>
+            <a:r>
+              <a:rPr lang="en-US"/>
+              <a:t>Study 05-3-map.rkt in </a:t>
+            </a:r>
+            <a:r>
+              <a:rPr lang="en-US" dirty="0"/>
+              <a:t>the examples folder.</a:t>
+            </a:r>
+          </a:p>
+          <a:p>
+            <a:r>
+              <a:rPr lang="en-US" dirty="0"/>
+              <a:t>If you have questions about this lesson, ask them on the Discussion Board</a:t>
+            </a:r>
+          </a:p>
+          <a:p>
+            <a:r>
+              <a:rPr lang="en-US" dirty="0"/>
+              <a:t>Do Guided Practice 5.3</a:t>
+            </a:r>
+          </a:p>
+          <a:p>
+            <a:r>
+              <a:rPr lang="en-US" dirty="0"/>
+              <a:t>Go on to the next lesson</a:t>
+            </a:r>
+          </a:p>
+        </p:txBody>
+      </p:sp>
+      <p:sp>
+        <p:nvSpPr>
+          <p:cNvPr id="4" name="Slide Number Placeholder 3"/>
+          <p:cNvSpPr>
+            <a:spLocks noGrp="1"/>
+          </p:cNvSpPr>
+          <p:nvPr>
+            <p:ph type="sldNum" sz="quarter" idx="12"/>
+          </p:nvPr>
+        </p:nvSpPr>
+        <p:spPr/>
+        <p:txBody>
+          <a:bodyPr/>
+          <a:lstStyle/>
+          <a:p>
+            <a:fld id="{9F4492BD-6A9C-48FC-AC76-0B4FE11194A1}" type="slidenum">
+              <a:rPr lang="en-US" smtClean="0"/>
+              <a:pPr/>
+              <a:t>20</a:t>
+            </a:fld>
+            <a:endParaRPr lang="en-US"/>
+          </a:p>
+        </p:txBody>
+      </p:sp>
+    </p:spTree>
+    <p:extLst>
+      <p:ext uri="{BB962C8B-B14F-4D97-AF65-F5344CB8AC3E}">
+        <p14:creationId xmlns:p14="http://schemas.microsoft.com/office/powerpoint/2010/main" val="3352761229"/>
+      </p:ext>
+    </p:extLst>
+  </p:cSld>
+  <p:clrMapOvr>
+    <a:masterClrMapping/>
+  </p:clrMapOvr>
 </p:sld>
 </file>
 
@@ -10781,10 +10724,9 @@
           <a:lstStyle/>
           <a:p>
             <a:r>
-              <a:rPr lang="en-US" dirty="0" smtClean="0"/>
+              <a:rPr lang="en-US" dirty="0"/>
               <a:t>Learning Objectives</a:t>
             </a:r>
-            <a:endParaRPr lang="en-US" dirty="0"/>
           </a:p>
         </p:txBody>
       </p:sp>
@@ -10806,55 +10748,15 @@
           <a:lstStyle/>
           <a:p>
             <a:r>
-              <a:rPr lang="en-US" dirty="0" smtClean="0"/>
+              <a:rPr lang="en-US" dirty="0"/>
               <a:t>At the end of this lesson you should be able to:</a:t>
             </a:r>
           </a:p>
           <a:p>
             <a:pPr lvl="1"/>
             <a:r>
-              <a:rPr lang="en-US" dirty="0" smtClean="0"/>
+              <a:rPr lang="en-US" dirty="0"/>
               <a:t>recognize the </a:t>
-            </a:r>
-            <a:r>
-              <a:rPr lang="en-US" b="1" dirty="0" err="1" smtClean="0">
-                <a:latin typeface="Consolas" panose="020B0609020204030204" pitchFamily="49" charset="0"/>
-                <a:cs typeface="Consolas" panose="020B0609020204030204" pitchFamily="49" charset="0"/>
-              </a:rPr>
-              <a:t>ormap</a:t>
-            </a:r>
-            <a:r>
-              <a:rPr lang="en-US" dirty="0" smtClean="0"/>
-              <a:t>, </a:t>
-            </a:r>
-            <a:r>
-              <a:rPr lang="en-US" b="1" dirty="0" err="1" smtClean="0">
-                <a:latin typeface="Consolas" panose="020B0609020204030204" pitchFamily="49" charset="0"/>
-                <a:cs typeface="Consolas" panose="020B0609020204030204" pitchFamily="49" charset="0"/>
-              </a:rPr>
-              <a:t>andmap</a:t>
-            </a:r>
-            <a:r>
-              <a:rPr lang="en-US" dirty="0" smtClean="0"/>
-              <a:t>, and </a:t>
-            </a:r>
-            <a:r>
-              <a:rPr lang="en-US" b="1" dirty="0" smtClean="0">
-                <a:latin typeface="Consolas" panose="020B0609020204030204" pitchFamily="49" charset="0"/>
-                <a:cs typeface="Consolas" panose="020B0609020204030204" pitchFamily="49" charset="0"/>
-              </a:rPr>
-              <a:t>filter</a:t>
-            </a:r>
-            <a:r>
-              <a:rPr lang="en-US" dirty="0" smtClean="0"/>
-              <a:t> patterns</a:t>
-            </a:r>
-          </a:p>
-          <a:p>
-            <a:pPr lvl="1"/>
-            <a:r>
-              <a:rPr lang="en-US" dirty="0" smtClean="0"/>
-              <a:t>state the contracts for </a:t>
             </a:r>
             <a:r>
               <a:rPr lang="en-US" b="1" dirty="0" err="1">
@@ -10879,21 +10781,61 @@
               <a:t>, and </a:t>
             </a:r>
             <a:r>
-              <a:rPr lang="en-US" b="1" dirty="0" smtClean="0">
+              <a:rPr lang="en-US" b="1" dirty="0">
                 <a:latin typeface="Consolas" panose="020B0609020204030204" pitchFamily="49" charset="0"/>
                 <a:cs typeface="Consolas" panose="020B0609020204030204" pitchFamily="49" charset="0"/>
               </a:rPr>
               <a:t>filter</a:t>
             </a:r>
             <a:r>
-              <a:rPr lang="en-US" dirty="0" smtClean="0"/>
-              <a:t> , and use them appropriately.</a:t>
+              <a:rPr lang="en-US" dirty="0"/>
+              <a:t> patterns</a:t>
             </a:r>
           </a:p>
           <a:p>
             <a:pPr lvl="1"/>
             <a:r>
-              <a:rPr lang="en-US" dirty="0" smtClean="0"/>
+              <a:rPr lang="en-US" dirty="0"/>
+              <a:t>state the contracts for </a:t>
+            </a:r>
+            <a:r>
+              <a:rPr lang="en-US" b="1" dirty="0" err="1">
+                <a:latin typeface="Consolas" panose="020B0609020204030204" pitchFamily="49" charset="0"/>
+                <a:cs typeface="Consolas" panose="020B0609020204030204" pitchFamily="49" charset="0"/>
+              </a:rPr>
+              <a:t>ormap</a:t>
+            </a:r>
+            <a:r>
+              <a:rPr lang="en-US" dirty="0"/>
+              <a:t>, </a:t>
+            </a:r>
+            <a:r>
+              <a:rPr lang="en-US" b="1" dirty="0" err="1">
+                <a:latin typeface="Consolas" panose="020B0609020204030204" pitchFamily="49" charset="0"/>
+                <a:cs typeface="Consolas" panose="020B0609020204030204" pitchFamily="49" charset="0"/>
+              </a:rPr>
+              <a:t>andmap</a:t>
+            </a:r>
+            <a:r>
+              <a:rPr lang="en-US" dirty="0"/>
+              <a:t>, and </a:t>
+            </a:r>
+            <a:r>
+              <a:rPr lang="en-US" b="1" dirty="0">
+                <a:latin typeface="Consolas" panose="020B0609020204030204" pitchFamily="49" charset="0"/>
+                <a:cs typeface="Consolas" panose="020B0609020204030204" pitchFamily="49" charset="0"/>
+              </a:rPr>
+              <a:t>filter</a:t>
+            </a:r>
+            <a:r>
+              <a:rPr lang="en-US" dirty="0"/>
+              <a:t>, and use them appropriately.</a:t>
+            </a:r>
+          </a:p>
+          <a:p>
+            <a:pPr lvl="1"/>
+            <a:r>
+              <a:rPr lang="en-US" dirty="0"/>
               <a:t>combine these functions using higher-order function combination</a:t>
             </a:r>
           </a:p>
@@ -10933,13 +10875,6 @@
   <p:clrMapOvr>
     <a:masterClrMapping/>
   </p:clrMapOvr>
-  <p:timing>
-    <p:tnLst>
-      <p:par>
-        <p:cTn id="1" dur="indefinite" restart="never" nodeType="tmRoot"/>
-      </p:par>
-    </p:tnLst>
-  </p:timing>
 </p:sld>
 </file>
 
@@ -10976,21 +10911,20 @@
           <a:lstStyle/>
           <a:p>
             <a:r>
-              <a:rPr lang="en-US" dirty="0" smtClean="0"/>
+              <a:rPr lang="en-US" dirty="0"/>
               <a:t>Let's look at </a:t>
             </a:r>
             <a:r>
-              <a:rPr lang="en-US" b="1" dirty="0" smtClean="0">
+              <a:rPr lang="en-US" b="1" dirty="0">
                 <a:latin typeface="Consolas" panose="020B0609020204030204" pitchFamily="49" charset="0"/>
                 <a:cs typeface="Consolas" panose="020B0609020204030204" pitchFamily="49" charset="0"/>
               </a:rPr>
               <a:t>find-dog</a:t>
             </a:r>
             <a:r>
-              <a:rPr lang="en-US" dirty="0" smtClean="0"/>
+              <a:rPr lang="en-US" dirty="0"/>
               <a:t> again</a:t>
             </a:r>
-            <a:endParaRPr lang="en-US" dirty="0"/>
           </a:p>
         </p:txBody>
       </p:sp>
@@ -11018,21 +10952,21 @@
               <a:buNone/>
             </a:pPr>
             <a:r>
-              <a:rPr lang="en-US" sz="2000" b="1" dirty="0" smtClean="0">
+              <a:rPr lang="en-US" sz="2000" b="1" dirty="0">
                 <a:latin typeface="Consolas" pitchFamily="49" charset="0"/>
                 <a:cs typeface="Consolas" pitchFamily="49" charset="0"/>
               </a:rPr>
               <a:t>;; find-dog : </a:t>
             </a:r>
             <a:r>
-              <a:rPr lang="en-US" sz="2000" b="1" dirty="0" err="1" smtClean="0">
+              <a:rPr lang="en-US" sz="2000" b="1" dirty="0" err="1">
                 <a:latin typeface="Consolas" pitchFamily="49" charset="0"/>
                 <a:cs typeface="Consolas" pitchFamily="49" charset="0"/>
               </a:rPr>
               <a:t>ListOfString</a:t>
             </a:r>
             <a:r>
-              <a:rPr lang="en-US" sz="2000" b="1" dirty="0" smtClean="0">
+              <a:rPr lang="en-US" sz="2000" b="1" dirty="0">
                 <a:latin typeface="Consolas" pitchFamily="49" charset="0"/>
                 <a:cs typeface="Consolas" pitchFamily="49" charset="0"/>
               </a:rPr>
@@ -11047,7 +10981,7 @@
               <a:buNone/>
             </a:pPr>
             <a:r>
-              <a:rPr lang="en-US" sz="2000" b="1" dirty="0" smtClean="0">
+              <a:rPr lang="en-US" sz="2000" b="1" dirty="0">
                 <a:latin typeface="Consolas" pitchFamily="49" charset="0"/>
                 <a:cs typeface="Consolas" pitchFamily="49" charset="0"/>
               </a:rPr>
@@ -11062,34 +10996,34 @@
               <a:buNone/>
             </a:pPr>
             <a:r>
-              <a:rPr lang="en-US" sz="2000" b="1" dirty="0" smtClean="0">
+              <a:rPr lang="en-US" sz="2000" b="1" dirty="0">
                 <a:latin typeface="Consolas" pitchFamily="49" charset="0"/>
                 <a:cs typeface="Consolas" pitchFamily="49" charset="0"/>
               </a:rPr>
               <a:t>;; STRATEGY: Use template for </a:t>
             </a:r>
             <a:r>
-              <a:rPr lang="en-US" sz="2000" b="1" dirty="0" err="1" smtClean="0">
+              <a:rPr lang="en-US" sz="2000" b="1" dirty="0" err="1">
                 <a:latin typeface="Consolas" pitchFamily="49" charset="0"/>
                 <a:cs typeface="Consolas" pitchFamily="49" charset="0"/>
               </a:rPr>
               <a:t>ListOfString</a:t>
             </a:r>
             <a:r>
-              <a:rPr lang="en-US" sz="2000" b="1" dirty="0" smtClean="0">
+              <a:rPr lang="en-US" sz="2000" b="1" dirty="0">
                 <a:latin typeface="Consolas" pitchFamily="49" charset="0"/>
                 <a:cs typeface="Consolas" pitchFamily="49" charset="0"/>
               </a:rPr>
               <a:t> on </a:t>
             </a:r>
             <a:r>
-              <a:rPr lang="en-US" sz="2000" b="1" dirty="0" err="1" smtClean="0">
+              <a:rPr lang="en-US" sz="2000" b="1" dirty="0" err="1">
                 <a:latin typeface="Consolas" pitchFamily="49" charset="0"/>
                 <a:cs typeface="Consolas" pitchFamily="49" charset="0"/>
               </a:rPr>
               <a:t>los</a:t>
             </a:r>
-            <a:endParaRPr lang="en-US" sz="2000" b="1" dirty="0" smtClean="0">
+            <a:endParaRPr lang="en-US" sz="2000" b="1" dirty="0">
               <a:latin typeface="Consolas" pitchFamily="49" charset="0"/>
               <a:cs typeface="Consolas" pitchFamily="49" charset="0"/>
             </a:endParaRPr>
@@ -11102,7 +11036,7 @@
               <a:buNone/>
             </a:pPr>
             <a:r>
-              <a:rPr lang="en-US" sz="2000" b="1" dirty="0" smtClean="0">
+              <a:rPr lang="en-US" sz="2000" b="1" dirty="0">
                 <a:latin typeface="Consolas" pitchFamily="49" charset="0"/>
                 <a:cs typeface="Consolas" pitchFamily="49" charset="0"/>
               </a:rPr>
@@ -11117,20 +11051,20 @@
               <a:buNone/>
             </a:pPr>
             <a:r>
-              <a:rPr lang="en-US" sz="2000" b="1" dirty="0" smtClean="0">
+              <a:rPr lang="en-US" sz="2000" b="1" dirty="0">
                 <a:latin typeface="Consolas" pitchFamily="49" charset="0"/>
                 <a:cs typeface="Consolas" pitchFamily="49" charset="0"/>
               </a:rPr>
               <a:t>  (</a:t>
             </a:r>
             <a:r>
-              <a:rPr lang="en-US" sz="2000" b="1" dirty="0" err="1" smtClean="0">
+              <a:rPr lang="en-US" sz="2000" b="1" dirty="0" err="1">
                 <a:latin typeface="Consolas" pitchFamily="49" charset="0"/>
                 <a:cs typeface="Consolas" pitchFamily="49" charset="0"/>
               </a:rPr>
               <a:t>cond</a:t>
             </a:r>
-            <a:endParaRPr lang="en-US" sz="2000" b="1" dirty="0" smtClean="0">
+            <a:endParaRPr lang="en-US" sz="2000" b="1" dirty="0">
               <a:latin typeface="Consolas" pitchFamily="49" charset="0"/>
               <a:cs typeface="Consolas" pitchFamily="49" charset="0"/>
             </a:endParaRPr>
@@ -11143,7 +11077,7 @@
               <a:buNone/>
             </a:pPr>
             <a:r>
-              <a:rPr lang="en-US" sz="2000" b="1" dirty="0" smtClean="0">
+              <a:rPr lang="en-US" sz="2000" b="1" dirty="0">
                 <a:latin typeface="Consolas" pitchFamily="49" charset="0"/>
                 <a:cs typeface="Consolas" pitchFamily="49" charset="0"/>
               </a:rPr>
@@ -11158,7 +11092,7 @@
               <a:buNone/>
             </a:pPr>
             <a:r>
-              <a:rPr lang="en-US" sz="2000" b="1" dirty="0" smtClean="0">
+              <a:rPr lang="en-US" sz="2000" b="1" dirty="0">
                 <a:latin typeface="Consolas" pitchFamily="49" charset="0"/>
                 <a:cs typeface="Consolas" pitchFamily="49" charset="0"/>
               </a:rPr>
@@ -11173,7 +11107,7 @@
               <a:buNone/>
             </a:pPr>
             <a:r>
-              <a:rPr lang="en-US" sz="2000" b="1" dirty="0" smtClean="0">
+              <a:rPr lang="en-US" sz="2000" b="1" dirty="0">
                 <a:latin typeface="Consolas" pitchFamily="49" charset="0"/>
                 <a:cs typeface="Consolas" pitchFamily="49" charset="0"/>
               </a:rPr>
@@ -11188,7 +11122,7 @@
               <a:buNone/>
             </a:pPr>
             <a:r>
-              <a:rPr lang="en-US" sz="2000" b="1" dirty="0" smtClean="0">
+              <a:rPr lang="en-US" sz="2000" b="1" dirty="0">
                 <a:latin typeface="Consolas" pitchFamily="49" charset="0"/>
                 <a:cs typeface="Consolas" pitchFamily="49" charset="0"/>
               </a:rPr>
@@ -11202,7 +11136,7 @@
               </a:spcBef>
               <a:buNone/>
             </a:pPr>
-            <a:endParaRPr lang="en-US" sz="2000" b="1" dirty="0" smtClean="0">
+            <a:endParaRPr lang="en-US" sz="2000" b="1" dirty="0">
               <a:latin typeface="Consolas" pitchFamily="49" charset="0"/>
               <a:cs typeface="Consolas" pitchFamily="49" charset="0"/>
             </a:endParaRPr>
@@ -11215,7 +11149,7 @@
               <a:buNone/>
             </a:pPr>
             <a:r>
-              <a:rPr lang="en-US" sz="2000" b="1" dirty="0" smtClean="0">
+              <a:rPr lang="en-US" sz="2000" b="1" dirty="0">
                 <a:latin typeface="Consolas" pitchFamily="49" charset="0"/>
                 <a:cs typeface="Consolas" pitchFamily="49" charset="0"/>
               </a:rPr>
@@ -11230,16 +11164,12 @@
               <a:buNone/>
             </a:pPr>
             <a:r>
-              <a:rPr lang="en-US" sz="2000" b="1" dirty="0" smtClean="0">
+              <a:rPr lang="en-US" sz="2000" b="1" dirty="0">
                 <a:latin typeface="Consolas" pitchFamily="49" charset="0"/>
                 <a:cs typeface="Consolas" pitchFamily="49" charset="0"/>
               </a:rPr>
               <a:t>(check-equal? (find-dog (list "cat" "elephant" "weasel")) false)</a:t>
             </a:r>
-            <a:endParaRPr lang="en-US" sz="2000" b="1" dirty="0">
-              <a:latin typeface="Consolas" pitchFamily="49" charset="0"/>
-              <a:cs typeface="Consolas" pitchFamily="49" charset="0"/>
-            </a:endParaRPr>
           </a:p>
         </p:txBody>
       </p:sp>
@@ -11277,13 +11207,6 @@
   <p:clrMapOvr>
     <a:masterClrMapping/>
   </p:clrMapOvr>
-  <p:timing>
-    <p:tnLst>
-      <p:par>
-        <p:cTn id="1" dur="indefinite" restart="never" nodeType="tmRoot"/>
-      </p:par>
-    </p:tnLst>
-  </p:timing>
 </p:sld>
 </file>
 
@@ -11322,10 +11245,9 @@
           <a:lstStyle/>
           <a:p>
             <a:r>
-              <a:rPr lang="en-US" dirty="0" smtClean="0"/>
+              <a:rPr lang="en-US" dirty="0"/>
               <a:t>Here's another function with a similar structure</a:t>
             </a:r>
-            <a:endParaRPr lang="en-US" dirty="0"/>
           </a:p>
         </p:txBody>
       </p:sp>
@@ -11348,100 +11270,63 @@
           <a:p>
             <a:r>
               <a:rPr lang="en-US" dirty="0"/>
-              <a:t>;; </a:t>
-            </a:r>
-            <a:r>
-              <a:rPr lang="en-US" dirty="0" smtClean="0"/>
-              <a:t>has-even? </a:t>
-            </a:r>
-            <a:r>
-              <a:rPr lang="en-US" dirty="0"/>
-              <a:t>: </a:t>
-            </a:r>
-            <a:r>
-              <a:rPr lang="en-US" dirty="0" err="1" smtClean="0"/>
+              <a:t>;; has-even? : </a:t>
+            </a:r>
+            <a:r>
+              <a:rPr lang="en-US" dirty="0" err="1"/>
               <a:t>ListOfInteger</a:t>
             </a:r>
             <a:r>
-              <a:rPr lang="en-US" dirty="0" smtClean="0"/>
-              <a:t> </a:t>
-            </a:r>
-            <a:r>
-              <a:rPr lang="en-US" dirty="0"/>
-              <a:t>-&gt; Boolean</a:t>
-            </a:r>
-          </a:p>
-          <a:p>
-            <a:r>
-              <a:rPr lang="en-US" dirty="0"/>
-              <a:t>;; </a:t>
-            </a:r>
-            <a:r>
-              <a:rPr lang="en-US" dirty="0" smtClean="0"/>
-              <a:t>RETURNS: </a:t>
-            </a:r>
-            <a:r>
-              <a:rPr lang="en-US" dirty="0"/>
-              <a:t>true </a:t>
-            </a:r>
-            <a:r>
-              <a:rPr lang="en-US" dirty="0" err="1" smtClean="0"/>
+              <a:rPr lang="en-US" dirty="0"/>
+              <a:t> -&gt; Boolean</a:t>
+            </a:r>
+          </a:p>
+          <a:p>
+            <a:r>
+              <a:rPr lang="en-US" dirty="0"/>
+              <a:t>;; RETURNS: true </a:t>
+            </a:r>
+            <a:r>
+              <a:rPr lang="en-US" dirty="0" err="1"/>
               <a:t>iff</a:t>
             </a:r>
             <a:r>
-              <a:rPr lang="en-US" dirty="0" smtClean="0"/>
+              <a:rPr lang="en-US" dirty="0"/>
               <a:t> the given list contains</a:t>
             </a:r>
           </a:p>
           <a:p>
             <a:r>
-              <a:rPr lang="en-US" dirty="0" smtClean="0"/>
+              <a:rPr lang="en-US" dirty="0"/>
               <a:t>;;  an even number</a:t>
             </a:r>
+          </a:p>
+          <a:p>
+            <a:r>
+              <a:rPr lang="en-US" dirty="0"/>
+              <a:t>;; STRATEGY: Use </a:t>
+            </a:r>
+            <a:r>
+              <a:rPr lang="en-US" dirty="0" err="1"/>
+              <a:t>ListOfInteger</a:t>
+            </a:r>
+            <a:r>
+              <a:rPr lang="en-US" dirty="0"/>
+              <a:t> on </a:t>
+            </a:r>
+            <a:r>
+              <a:rPr lang="en-US" dirty="0" err="1"/>
+              <a:t>los</a:t>
+            </a:r>
             <a:endParaRPr lang="en-US" dirty="0"/>
           </a:p>
           <a:p>
-            <a:r>
-              <a:rPr lang="en-US" dirty="0"/>
-              <a:t>;; </a:t>
-            </a:r>
-            <a:r>
-              <a:rPr lang="en-US" dirty="0" smtClean="0"/>
-              <a:t>STRATEGY: Use </a:t>
-            </a:r>
-            <a:r>
-              <a:rPr lang="en-US" dirty="0" err="1" smtClean="0"/>
-              <a:t>ListOfInteger</a:t>
-            </a:r>
-            <a:r>
-              <a:rPr lang="en-US" dirty="0" smtClean="0"/>
-              <a:t> on </a:t>
-            </a:r>
-            <a:r>
-              <a:rPr lang="en-US" dirty="0" err="1" smtClean="0"/>
-              <a:t>los</a:t>
-            </a:r>
-            <a:endParaRPr lang="en-US" dirty="0" smtClean="0"/>
-          </a:p>
-          <a:p>
-            <a:endParaRPr lang="en-US" dirty="0" smtClean="0"/>
-          </a:p>
-          <a:p>
-            <a:r>
-              <a:rPr lang="en-US" dirty="0" smtClean="0"/>
-              <a:t>(</a:t>
-            </a:r>
-            <a:r>
-              <a:rPr lang="en-US" dirty="0"/>
-              <a:t>define </a:t>
-            </a:r>
-            <a:r>
-              <a:rPr lang="en-US" dirty="0" smtClean="0"/>
-              <a:t>(has-even? </a:t>
-            </a:r>
-            <a:r>
-              <a:rPr lang="en-US" dirty="0"/>
-              <a:t>los)</a:t>
+            <a:endParaRPr lang="en-US" dirty="0"/>
+          </a:p>
+          <a:p>
+            <a:r>
+              <a:rPr lang="en-US" dirty="0"/>
+              <a:t>(define (has-even? los)</a:t>
             </a:r>
           </a:p>
           <a:p>
@@ -11470,26 +11355,13 @@
           <a:p>
             <a:r>
               <a:rPr lang="en-US" dirty="0"/>
-              <a:t>           </a:t>
-            </a:r>
-            <a:r>
-              <a:rPr lang="en-US" dirty="0" smtClean="0"/>
-              <a:t>(even? (first los))</a:t>
-            </a:r>
-            <a:endParaRPr lang="en-US" dirty="0"/>
-          </a:p>
-          <a:p>
-            <a:r>
-              <a:rPr lang="en-US" dirty="0"/>
-              <a:t>           </a:t>
-            </a:r>
-            <a:r>
-              <a:rPr lang="en-US" dirty="0" smtClean="0"/>
-              <a:t>(has-even? </a:t>
-            </a:r>
-            <a:r>
-              <a:rPr lang="en-US" dirty="0"/>
-              <a:t>(rest los)))]))</a:t>
+              <a:t>           (even? (first los))</a:t>
+            </a:r>
+          </a:p>
+          <a:p>
+            <a:r>
+              <a:rPr lang="en-US" dirty="0"/>
+              <a:t>           (has-even? (rest los)))]))</a:t>
             </a:r>
           </a:p>
         </p:txBody>
@@ -11527,13 +11399,6 @@
   <p:clrMapOvr>
     <a:masterClrMapping/>
   </p:clrMapOvr>
-  <p:timing>
-    <p:tnLst>
-      <p:par>
-        <p:cTn id="1" dur="indefinite" restart="never" nodeType="tmRoot"/>
-      </p:par>
-    </p:tnLst>
-  </p:timing>
 </p:sld>
 </file>
 
@@ -11570,10 +11435,9 @@
           <a:lstStyle/>
           <a:p>
             <a:r>
-              <a:rPr lang="en-US" dirty="0" smtClean="0"/>
+              <a:rPr lang="en-US" dirty="0"/>
               <a:t>Let's compare</a:t>
             </a:r>
-            <a:endParaRPr lang="en-US" dirty="0"/>
           </a:p>
         </p:txBody>
       </p:sp>
@@ -11619,14 +11483,7 @@
                 <a:latin typeface="Consolas" pitchFamily="49" charset="0"/>
                 <a:cs typeface="Consolas" pitchFamily="49" charset="0"/>
               </a:rPr>
-              <a:t> </a:t>
-            </a:r>
-            <a:r>
-              <a:rPr lang="en-US" sz="2400" b="1" dirty="0" smtClean="0">
-                <a:latin typeface="Consolas" pitchFamily="49" charset="0"/>
-                <a:cs typeface="Consolas" pitchFamily="49" charset="0"/>
-              </a:rPr>
-              <a:t>(</a:t>
+              <a:t> (</a:t>
             </a:r>
             <a:r>
               <a:rPr lang="en-US" sz="2400" b="1" dirty="0" err="1">
@@ -11649,21 +11506,19 @@
                 <a:latin typeface="Consolas" pitchFamily="49" charset="0"/>
                 <a:cs typeface="Consolas" pitchFamily="49" charset="0"/>
               </a:rPr>
-              <a:t>  </a:t>
-            </a:r>
-            <a:r>
-              <a:rPr lang="en-US" sz="2400" b="1" dirty="0" smtClean="0">
-                <a:latin typeface="Consolas" pitchFamily="49" charset="0"/>
-                <a:cs typeface="Consolas" pitchFamily="49" charset="0"/>
-              </a:rPr>
-              <a:t>[(</a:t>
-            </a:r>
+              <a:t>  [(empty? los) false]</a:t>
+            </a:r>
+          </a:p>
+          <a:p>
+            <a:pPr>
+              <a:buNone/>
+            </a:pPr>
             <a:r>
               <a:rPr lang="en-US" sz="2400" b="1" dirty="0">
                 <a:latin typeface="Consolas" pitchFamily="49" charset="0"/>
                 <a:cs typeface="Consolas" pitchFamily="49" charset="0"/>
               </a:rPr>
-              <a:t>empty? los) false]</a:t>
+              <a:t>  [else </a:t>
             </a:r>
           </a:p>
           <a:p>
@@ -11675,77 +11530,19 @@
                 <a:latin typeface="Consolas" pitchFamily="49" charset="0"/>
                 <a:cs typeface="Consolas" pitchFamily="49" charset="0"/>
               </a:rPr>
-              <a:t>  </a:t>
-            </a:r>
-            <a:r>
-              <a:rPr lang="en-US" sz="2400" b="1" dirty="0" smtClean="0">
-                <a:latin typeface="Consolas" pitchFamily="49" charset="0"/>
-                <a:cs typeface="Consolas" pitchFamily="49" charset="0"/>
-              </a:rPr>
-              <a:t>[</a:t>
-            </a:r>
+              <a:t>   (or  </a:t>
+            </a:r>
+          </a:p>
+          <a:p>
+            <a:pPr>
+              <a:buNone/>
+            </a:pPr>
             <a:r>
               <a:rPr lang="en-US" sz="2400" b="1" dirty="0">
                 <a:latin typeface="Consolas" pitchFamily="49" charset="0"/>
                 <a:cs typeface="Consolas" pitchFamily="49" charset="0"/>
               </a:rPr>
-              <a:t>else </a:t>
-            </a:r>
-            <a:endParaRPr lang="en-US" sz="2400" b="1" dirty="0" smtClean="0">
-              <a:latin typeface="Consolas" pitchFamily="49" charset="0"/>
-              <a:cs typeface="Consolas" pitchFamily="49" charset="0"/>
-            </a:endParaRPr>
-          </a:p>
-          <a:p>
-            <a:pPr>
-              <a:buNone/>
-            </a:pPr>
-            <a:r>
-              <a:rPr lang="en-US" sz="2400" b="1" dirty="0">
-                <a:latin typeface="Consolas" pitchFamily="49" charset="0"/>
-                <a:cs typeface="Consolas" pitchFamily="49" charset="0"/>
-              </a:rPr>
-              <a:t> </a:t>
-            </a:r>
-            <a:r>
-              <a:rPr lang="en-US" sz="2400" b="1" dirty="0" smtClean="0">
-                <a:latin typeface="Consolas" pitchFamily="49" charset="0"/>
-                <a:cs typeface="Consolas" pitchFamily="49" charset="0"/>
-              </a:rPr>
-              <a:t>  (or  </a:t>
-            </a:r>
-            <a:endParaRPr lang="en-US" sz="2400" b="1" dirty="0">
-              <a:latin typeface="Consolas" pitchFamily="49" charset="0"/>
-              <a:cs typeface="Consolas" pitchFamily="49" charset="0"/>
-            </a:endParaRPr>
-          </a:p>
-          <a:p>
-            <a:pPr>
-              <a:buNone/>
-            </a:pPr>
-            <a:r>
-              <a:rPr lang="en-US" sz="2400" b="1" dirty="0">
-                <a:latin typeface="Consolas" pitchFamily="49" charset="0"/>
-                <a:cs typeface="Consolas" pitchFamily="49" charset="0"/>
-              </a:rPr>
-              <a:t>  </a:t>
-            </a:r>
-            <a:r>
-              <a:rPr lang="en-US" sz="2400" b="1" dirty="0" smtClean="0">
-                <a:latin typeface="Consolas" pitchFamily="49" charset="0"/>
-                <a:cs typeface="Consolas" pitchFamily="49" charset="0"/>
-              </a:rPr>
-              <a:t>  </a:t>
-            </a:r>
-            <a:r>
-              <a:rPr lang="en-US" sz="2400" b="1" dirty="0" smtClean="0">
-                <a:solidFill>
-                  <a:srgbClr val="FF0000"/>
-                </a:solidFill>
-                <a:latin typeface="Consolas" pitchFamily="49" charset="0"/>
-                <a:cs typeface="Consolas" pitchFamily="49" charset="0"/>
-              </a:rPr>
-              <a:t>(</a:t>
+              <a:t>    </a:t>
             </a:r>
             <a:r>
               <a:rPr lang="en-US" sz="2400" b="1" dirty="0">
@@ -11755,15 +11552,8 @@
                 <a:latin typeface="Consolas" pitchFamily="49" charset="0"/>
                 <a:cs typeface="Consolas" pitchFamily="49" charset="0"/>
               </a:rPr>
-              <a:t>string=? </a:t>
-            </a:r>
-            <a:endParaRPr lang="en-US" sz="2400" b="1" dirty="0" smtClean="0">
-              <a:solidFill>
-                <a:srgbClr val="FF0000"/>
-              </a:solidFill>
-              <a:latin typeface="Consolas" pitchFamily="49" charset="0"/>
-              <a:cs typeface="Consolas" pitchFamily="49" charset="0"/>
-            </a:endParaRPr>
+              <a:t>(string=? </a:t>
+            </a:r>
           </a:p>
           <a:p>
             <a:pPr>
@@ -11777,31 +11567,14 @@
                 <a:latin typeface="Consolas" pitchFamily="49" charset="0"/>
                 <a:cs typeface="Consolas" pitchFamily="49" charset="0"/>
               </a:rPr>
-              <a:t> </a:t>
-            </a:r>
-            <a:r>
-              <a:rPr lang="en-US" sz="2400" b="1" dirty="0" smtClean="0">
-                <a:solidFill>
-                  <a:srgbClr val="FF0000"/>
-                </a:solidFill>
-                <a:latin typeface="Consolas" pitchFamily="49" charset="0"/>
-                <a:cs typeface="Consolas" pitchFamily="49" charset="0"/>
-              </a:rPr>
-              <a:t>    </a:t>
-            </a:r>
-            <a:r>
-              <a:rPr lang="en-US" sz="2400" b="1" dirty="0" smtClean="0">
-                <a:latin typeface="Consolas" pitchFamily="49" charset="0"/>
-                <a:cs typeface="Consolas" pitchFamily="49" charset="0"/>
-              </a:rPr>
-              <a:t>(</a:t>
+              <a:t>     </a:t>
             </a:r>
             <a:r>
               <a:rPr lang="en-US" sz="2400" b="1" dirty="0">
                 <a:latin typeface="Consolas" pitchFamily="49" charset="0"/>
                 <a:cs typeface="Consolas" pitchFamily="49" charset="0"/>
               </a:rPr>
-              <a:t>first los) </a:t>
+              <a:t>(first los) </a:t>
             </a:r>
             <a:r>
               <a:rPr lang="en-US" sz="2400" b="1" dirty="0">
@@ -11830,51 +11603,19 @@
                 <a:latin typeface="Consolas" pitchFamily="49" charset="0"/>
                 <a:cs typeface="Consolas" pitchFamily="49" charset="0"/>
               </a:rPr>
-              <a:t>    </a:t>
-            </a:r>
-            <a:r>
-              <a:rPr lang="en-US" sz="2400" b="1" dirty="0" smtClean="0">
-                <a:latin typeface="Consolas" pitchFamily="49" charset="0"/>
-                <a:cs typeface="Consolas" pitchFamily="49" charset="0"/>
-              </a:rPr>
-              <a:t>(</a:t>
-            </a:r>
+              <a:t>    (find-dog </a:t>
+            </a:r>
+          </a:p>
+          <a:p>
+            <a:pPr>
+              <a:buNone/>
+            </a:pPr>
             <a:r>
               <a:rPr lang="en-US" sz="2400" b="1" dirty="0">
                 <a:latin typeface="Consolas" pitchFamily="49" charset="0"/>
                 <a:cs typeface="Consolas" pitchFamily="49" charset="0"/>
               </a:rPr>
-              <a:t>find-dog </a:t>
-            </a:r>
-            <a:endParaRPr lang="en-US" sz="2400" b="1" dirty="0" smtClean="0">
-              <a:latin typeface="Consolas" pitchFamily="49" charset="0"/>
-              <a:cs typeface="Consolas" pitchFamily="49" charset="0"/>
-            </a:endParaRPr>
-          </a:p>
-          <a:p>
-            <a:pPr>
-              <a:buNone/>
-            </a:pPr>
-            <a:r>
-              <a:rPr lang="en-US" sz="2400" b="1" dirty="0">
-                <a:latin typeface="Consolas" pitchFamily="49" charset="0"/>
-                <a:cs typeface="Consolas" pitchFamily="49" charset="0"/>
-              </a:rPr>
-              <a:t> </a:t>
-            </a:r>
-            <a:r>
-              <a:rPr lang="en-US" sz="2400" b="1" dirty="0" smtClean="0">
-                <a:latin typeface="Consolas" pitchFamily="49" charset="0"/>
-                <a:cs typeface="Consolas" pitchFamily="49" charset="0"/>
-              </a:rPr>
-              <a:t>    (</a:t>
-            </a:r>
-            <a:r>
-              <a:rPr lang="en-US" sz="2400" b="1" dirty="0">
-                <a:latin typeface="Consolas" pitchFamily="49" charset="0"/>
-                <a:cs typeface="Consolas" pitchFamily="49" charset="0"/>
-              </a:rPr>
-              <a:t>rest los)))]))</a:t>
+              <a:t>     (rest los)))]))</a:t>
             </a:r>
           </a:p>
         </p:txBody>
@@ -11921,14 +11662,7 @@
                 <a:latin typeface="Consolas" pitchFamily="49" charset="0"/>
                 <a:cs typeface="Consolas" pitchFamily="49" charset="0"/>
               </a:rPr>
-              <a:t> </a:t>
-            </a:r>
-            <a:r>
-              <a:rPr lang="en-US" sz="2400" b="1" dirty="0" smtClean="0">
-                <a:latin typeface="Consolas" pitchFamily="49" charset="0"/>
-                <a:cs typeface="Consolas" pitchFamily="49" charset="0"/>
-              </a:rPr>
-              <a:t>(</a:t>
+              <a:t> (</a:t>
             </a:r>
             <a:r>
               <a:rPr lang="en-US" sz="2400" b="1" dirty="0" err="1">
@@ -11951,21 +11685,19 @@
                 <a:latin typeface="Consolas" pitchFamily="49" charset="0"/>
                 <a:cs typeface="Consolas" pitchFamily="49" charset="0"/>
               </a:rPr>
-              <a:t>  </a:t>
-            </a:r>
-            <a:r>
-              <a:rPr lang="en-US" sz="2400" b="1" dirty="0" smtClean="0">
-                <a:latin typeface="Consolas" pitchFamily="49" charset="0"/>
-                <a:cs typeface="Consolas" pitchFamily="49" charset="0"/>
-              </a:rPr>
-              <a:t>[(</a:t>
-            </a:r>
+              <a:t>  [(empty? los) false]</a:t>
+            </a:r>
+          </a:p>
+          <a:p>
+            <a:pPr marL="0" indent="0">
+              <a:buNone/>
+            </a:pPr>
             <a:r>
               <a:rPr lang="en-US" sz="2400" b="1" dirty="0">
                 <a:latin typeface="Consolas" pitchFamily="49" charset="0"/>
                 <a:cs typeface="Consolas" pitchFamily="49" charset="0"/>
               </a:rPr>
-              <a:t>empty? los) false]</a:t>
+              <a:t>  [else </a:t>
             </a:r>
           </a:p>
           <a:p>
@@ -11977,51 +11709,7 @@
                 <a:latin typeface="Consolas" pitchFamily="49" charset="0"/>
                 <a:cs typeface="Consolas" pitchFamily="49" charset="0"/>
               </a:rPr>
-              <a:t>  </a:t>
-            </a:r>
-            <a:r>
-              <a:rPr lang="en-US" sz="2400" b="1" dirty="0" smtClean="0">
-                <a:latin typeface="Consolas" pitchFamily="49" charset="0"/>
-                <a:cs typeface="Consolas" pitchFamily="49" charset="0"/>
-              </a:rPr>
-              <a:t>[</a:t>
-            </a:r>
-            <a:r>
-              <a:rPr lang="en-US" sz="2400" b="1" dirty="0">
-                <a:latin typeface="Consolas" pitchFamily="49" charset="0"/>
-                <a:cs typeface="Consolas" pitchFamily="49" charset="0"/>
-              </a:rPr>
-              <a:t>else </a:t>
-            </a:r>
-            <a:endParaRPr lang="en-US" sz="2400" b="1" dirty="0" smtClean="0">
-              <a:latin typeface="Consolas" pitchFamily="49" charset="0"/>
-              <a:cs typeface="Consolas" pitchFamily="49" charset="0"/>
-            </a:endParaRPr>
-          </a:p>
-          <a:p>
-            <a:pPr marL="0" indent="0">
-              <a:buNone/>
-            </a:pPr>
-            <a:r>
-              <a:rPr lang="en-US" sz="2400" b="1" dirty="0">
-                <a:latin typeface="Consolas" pitchFamily="49" charset="0"/>
-                <a:cs typeface="Consolas" pitchFamily="49" charset="0"/>
-              </a:rPr>
-              <a:t> </a:t>
-            </a:r>
-            <a:r>
-              <a:rPr lang="en-US" sz="2400" b="1" dirty="0" smtClean="0">
-                <a:latin typeface="Consolas" pitchFamily="49" charset="0"/>
-                <a:cs typeface="Consolas" pitchFamily="49" charset="0"/>
-              </a:rPr>
-              <a:t>  (</a:t>
-            </a:r>
-            <a:r>
-              <a:rPr lang="en-US" sz="2400" b="1" dirty="0">
-                <a:latin typeface="Consolas" pitchFamily="49" charset="0"/>
-                <a:cs typeface="Consolas" pitchFamily="49" charset="0"/>
-              </a:rPr>
-              <a:t>or </a:t>
+              <a:t>   (or </a:t>
             </a:r>
           </a:p>
           <a:p>
@@ -12034,16 +11722,6 @@
                 <a:cs typeface="Consolas" pitchFamily="49" charset="0"/>
               </a:rPr>
               <a:t>    </a:t>
-            </a:r>
-            <a:r>
-              <a:rPr lang="en-US" sz="2400" b="1" dirty="0" smtClean="0">
-                <a:solidFill>
-                  <a:srgbClr val="FF0000"/>
-                </a:solidFill>
-                <a:latin typeface="Consolas" pitchFamily="49" charset="0"/>
-                <a:cs typeface="Consolas" pitchFamily="49" charset="0"/>
-              </a:rPr>
-              <a:t>(even</a:t>
             </a:r>
             <a:r>
               <a:rPr lang="en-US" sz="2400" b="1" dirty="0">
@@ -12053,24 +11731,17 @@
                 <a:latin typeface="Consolas" pitchFamily="49" charset="0"/>
                 <a:cs typeface="Consolas" pitchFamily="49" charset="0"/>
               </a:rPr>
-              <a:t>? </a:t>
+              <a:t>(even? </a:t>
             </a:r>
             <a:r>
               <a:rPr lang="en-US" sz="2400" b="1" dirty="0">
                 <a:latin typeface="Consolas" pitchFamily="49" charset="0"/>
                 <a:cs typeface="Consolas" pitchFamily="49" charset="0"/>
               </a:rPr>
-              <a:t>(first los</a:t>
-            </a:r>
-            <a:r>
-              <a:rPr lang="en-US" sz="2400" b="1" dirty="0" smtClean="0">
-                <a:latin typeface="Consolas" pitchFamily="49" charset="0"/>
-                <a:cs typeface="Consolas" pitchFamily="49" charset="0"/>
-              </a:rPr>
-              <a:t>) </a:t>
-            </a:r>
-            <a:r>
-              <a:rPr lang="en-US" sz="2400" b="1" dirty="0" smtClean="0">
+              <a:t>(first los) </a:t>
+            </a:r>
+            <a:r>
+              <a:rPr lang="en-US" sz="2400" b="1" dirty="0">
                 <a:solidFill>
                   <a:srgbClr val="FF0000"/>
                 </a:solidFill>
@@ -12079,13 +11750,6 @@
               </a:rPr>
               <a:t>)</a:t>
             </a:r>
-            <a:endParaRPr lang="en-US" sz="2400" b="1" dirty="0">
-              <a:solidFill>
-                <a:srgbClr val="FF0000"/>
-              </a:solidFill>
-              <a:latin typeface="Consolas" pitchFamily="49" charset="0"/>
-              <a:cs typeface="Consolas" pitchFamily="49" charset="0"/>
-            </a:endParaRPr>
           </a:p>
           <a:p>
             <a:pPr marL="0" indent="0">
@@ -12098,33 +11762,18 @@
               </a:rPr>
               <a:t>           </a:t>
             </a:r>
-            <a:endParaRPr lang="en-US" sz="2400" b="1" dirty="0" smtClean="0">
-              <a:latin typeface="Consolas" pitchFamily="49" charset="0"/>
-              <a:cs typeface="Consolas" pitchFamily="49" charset="0"/>
-            </a:endParaRPr>
           </a:p>
           <a:p>
             <a:pPr marL="0" indent="0">
               <a:buNone/>
             </a:pPr>
-            <a:r>
-              <a:rPr lang="en-US" sz="2400" b="1" dirty="0" smtClean="0">
-                <a:latin typeface="Consolas" pitchFamily="49" charset="0"/>
-                <a:cs typeface="Consolas" pitchFamily="49" charset="0"/>
-              </a:rPr>
-              <a:t>    (</a:t>
-            </a:r>
             <a:r>
               <a:rPr lang="en-US" sz="2400" b="1" dirty="0">
                 <a:latin typeface="Consolas" pitchFamily="49" charset="0"/>
                 <a:cs typeface="Consolas" pitchFamily="49" charset="0"/>
               </a:rPr>
-              <a:t>has-even? </a:t>
-            </a:r>
-            <a:endParaRPr lang="en-US" sz="2400" b="1" dirty="0" smtClean="0">
-              <a:latin typeface="Consolas" pitchFamily="49" charset="0"/>
-              <a:cs typeface="Consolas" pitchFamily="49" charset="0"/>
-            </a:endParaRPr>
+              <a:t>    (has-even? </a:t>
+            </a:r>
           </a:p>
           <a:p>
             <a:pPr marL="0" indent="0">
@@ -12135,21 +11784,7 @@
                 <a:latin typeface="Consolas" pitchFamily="49" charset="0"/>
                 <a:cs typeface="Consolas" pitchFamily="49" charset="0"/>
               </a:rPr>
-              <a:t> </a:t>
-            </a:r>
-            <a:r>
-              <a:rPr lang="en-US" sz="2400" b="1" dirty="0" smtClean="0">
-                <a:latin typeface="Consolas" pitchFamily="49" charset="0"/>
-                <a:cs typeface="Consolas" pitchFamily="49" charset="0"/>
-              </a:rPr>
-              <a:t>    (</a:t>
-            </a:r>
-            <a:r>
-              <a:rPr lang="en-US" sz="2400" b="1" dirty="0">
-                <a:latin typeface="Consolas" pitchFamily="49" charset="0"/>
-                <a:cs typeface="Consolas" pitchFamily="49" charset="0"/>
-              </a:rPr>
-              <a:t>rest los)))]))</a:t>
+              <a:t>     (rest los)))]))</a:t>
             </a:r>
           </a:p>
           <a:p>
@@ -12246,13 +11881,6 @@
   <p:clrMapOvr>
     <a:masterClrMapping/>
   </p:clrMapOvr>
-  <p:timing>
-    <p:tnLst>
-      <p:par>
-        <p:cTn id="1" dur="indefinite" restart="never" nodeType="tmRoot"/>
-      </p:par>
-    </p:tnLst>
-  </p:timing>
 </p:sld>
 </file>
 
@@ -12289,10 +11917,9 @@
           <a:lstStyle/>
           <a:p>
             <a:r>
-              <a:rPr lang="en-US" dirty="0" smtClean="0"/>
+              <a:rPr lang="en-US" dirty="0"/>
               <a:t>Generalize by adding an argument</a:t>
             </a:r>
-            <a:endParaRPr lang="en-US" dirty="0"/>
           </a:p>
         </p:txBody>
       </p:sp>
@@ -12319,22 +11946,22 @@
               </a:spcBef>
             </a:pPr>
             <a:r>
-              <a:rPr lang="en-US" sz="2400" dirty="0" smtClean="0"/>
+              <a:rPr lang="en-US" sz="2400" dirty="0"/>
               <a:t>;; STRATEGY: Use template for </a:t>
             </a:r>
             <a:r>
-              <a:rPr lang="en-US" sz="2400" dirty="0" err="1" smtClean="0"/>
+              <a:rPr lang="en-US" sz="2400" dirty="0" err="1"/>
               <a:t>ListOfX</a:t>
             </a:r>
             <a:r>
-              <a:rPr lang="en-US" sz="2400" dirty="0" smtClean="0"/>
+              <a:rPr lang="en-US" sz="2400" dirty="0"/>
               <a:t> on </a:t>
             </a:r>
             <a:r>
-              <a:rPr lang="en-US" sz="2400" dirty="0" err="1" smtClean="0"/>
+              <a:rPr lang="en-US" sz="2400" dirty="0" err="1"/>
               <a:t>lst</a:t>
             </a:r>
-            <a:endParaRPr lang="en-US" sz="2400" dirty="0" smtClean="0"/>
+            <a:endParaRPr lang="en-US" sz="2400" dirty="0"/>
           </a:p>
           <a:p>
             <a:pPr>
@@ -12343,19 +11970,19 @@
               </a:spcBef>
             </a:pPr>
             <a:r>
-              <a:rPr lang="en-US" sz="2400" dirty="0" smtClean="0"/>
+              <a:rPr lang="en-US" sz="2400" dirty="0"/>
               <a:t>(define (</a:t>
             </a:r>
             <a:r>
-              <a:rPr lang="en-US" sz="2400" dirty="0" err="1" smtClean="0"/>
+              <a:rPr lang="en-US" sz="2400" dirty="0" err="1"/>
               <a:t>ormap</a:t>
             </a:r>
             <a:r>
-              <a:rPr lang="en-US" sz="2400" dirty="0" smtClean="0"/>
+              <a:rPr lang="en-US" sz="2400" dirty="0"/>
               <a:t> </a:t>
             </a:r>
             <a:r>
-              <a:rPr lang="en-US" sz="2400" dirty="0" err="1" smtClean="0">
+              <a:rPr lang="en-US" sz="2400" dirty="0" err="1">
                 <a:solidFill>
                   <a:srgbClr val="FF0000"/>
                 </a:solidFill>
@@ -12363,7 +11990,7 @@
               <a:t>fn</a:t>
             </a:r>
             <a:r>
-              <a:rPr lang="en-US" sz="2400" dirty="0" smtClean="0">
+              <a:rPr lang="en-US" sz="2400" dirty="0">
                 <a:solidFill>
                   <a:srgbClr val="FF0000"/>
                 </a:solidFill>
@@ -12371,11 +11998,11 @@
               <a:t> </a:t>
             </a:r>
             <a:r>
-              <a:rPr lang="en-US" sz="2400" dirty="0" err="1" smtClean="0"/>
+              <a:rPr lang="en-US" sz="2400" dirty="0" err="1"/>
               <a:t>lst</a:t>
             </a:r>
             <a:r>
-              <a:rPr lang="en-US" sz="2400" dirty="0" smtClean="0"/>
+              <a:rPr lang="en-US" sz="2400" dirty="0"/>
               <a:t>)</a:t>
             </a:r>
           </a:p>
@@ -12387,17 +12014,13 @@
             </a:pPr>
             <a:r>
               <a:rPr lang="en-US" sz="2400" dirty="0"/>
-              <a:t>  </a:t>
-            </a:r>
-            <a:r>
-              <a:rPr lang="en-US" sz="2400" dirty="0" smtClean="0"/>
-              <a:t>(</a:t>
-            </a:r>
-            <a:r>
-              <a:rPr lang="en-US" sz="2400" dirty="0" err="1" smtClean="0"/>
+              <a:t>  (</a:t>
+            </a:r>
+            <a:r>
+              <a:rPr lang="en-US" sz="2400" dirty="0" err="1"/>
               <a:t>cond</a:t>
             </a:r>
-            <a:endParaRPr lang="en-US" sz="2400" dirty="0" smtClean="0"/>
+            <a:endParaRPr lang="en-US" sz="2400" dirty="0"/>
           </a:p>
           <a:p>
             <a:pPr>
@@ -12407,18 +12030,14 @@
             </a:pPr>
             <a:r>
               <a:rPr lang="en-US" sz="2400" dirty="0"/>
-              <a:t>	</a:t>
-            </a:r>
-            <a:r>
-              <a:rPr lang="en-US" sz="2400" dirty="0" smtClean="0"/>
-              <a:t>[(empty? </a:t>
-            </a:r>
-            <a:r>
-              <a:rPr lang="en-US" sz="2400" dirty="0" err="1" smtClean="0"/>
+              <a:t>	[(empty? </a:t>
+            </a:r>
+            <a:r>
+              <a:rPr lang="en-US" sz="2400" dirty="0" err="1"/>
               <a:t>lst</a:t>
             </a:r>
             <a:r>
-              <a:rPr lang="en-US" sz="2400" dirty="0" smtClean="0"/>
+              <a:rPr lang="en-US" sz="2400" dirty="0"/>
               <a:t>) false]</a:t>
             </a:r>
           </a:p>
@@ -12430,11 +12049,7 @@
             </a:pPr>
             <a:r>
               <a:rPr lang="en-US" sz="2400" dirty="0"/>
-              <a:t> </a:t>
-            </a:r>
-            <a:r>
-              <a:rPr lang="en-US" sz="2400" dirty="0" smtClean="0"/>
-              <a:t>   [else</a:t>
+              <a:t>    [else</a:t>
             </a:r>
           </a:p>
           <a:p>
@@ -12445,11 +12060,7 @@
             </a:pPr>
             <a:r>
               <a:rPr lang="en-US" sz="2400" dirty="0"/>
-              <a:t> </a:t>
-            </a:r>
-            <a:r>
-              <a:rPr lang="en-US" sz="2400" dirty="0" smtClean="0"/>
-              <a:t>     (or</a:t>
+              <a:t>      (or</a:t>
             </a:r>
           </a:p>
           <a:p>
@@ -12460,14 +12071,10 @@
             </a:pPr>
             <a:r>
               <a:rPr lang="en-US" sz="2400" dirty="0"/>
-              <a:t> </a:t>
-            </a:r>
-            <a:r>
-              <a:rPr lang="en-US" sz="2400" dirty="0" smtClean="0"/>
-              <a:t>       (</a:t>
-            </a:r>
-            <a:r>
-              <a:rPr lang="en-US" sz="2400" dirty="0" err="1" smtClean="0">
+              <a:t>        (</a:t>
+            </a:r>
+            <a:r>
+              <a:rPr lang="en-US" sz="2400" dirty="0" err="1">
                 <a:solidFill>
                   <a:srgbClr val="FF0000"/>
                 </a:solidFill>
@@ -12475,15 +12082,15 @@
               <a:t>fn</a:t>
             </a:r>
             <a:r>
-              <a:rPr lang="en-US" sz="2400" dirty="0" smtClean="0"/>
+              <a:rPr lang="en-US" sz="2400" dirty="0"/>
               <a:t> (first </a:t>
             </a:r>
             <a:r>
-              <a:rPr lang="en-US" sz="2400" dirty="0" err="1" smtClean="0"/>
+              <a:rPr lang="en-US" sz="2400" dirty="0" err="1"/>
               <a:t>lst</a:t>
             </a:r>
             <a:r>
-              <a:rPr lang="en-US" sz="2400" dirty="0" smtClean="0"/>
+              <a:rPr lang="en-US" sz="2400" dirty="0"/>
               <a:t>))</a:t>
             </a:r>
           </a:p>
@@ -12495,37 +12102,32 @@
             </a:pPr>
             <a:r>
               <a:rPr lang="en-US" sz="2400" dirty="0"/>
+              <a:t>        (</a:t>
+            </a:r>
+            <a:r>
+              <a:rPr lang="en-US" sz="2400" dirty="0" err="1"/>
+              <a:t>ormap</a:t>
+            </a:r>
+            <a:r>
+              <a:rPr lang="en-US" sz="2400" dirty="0"/>
               <a:t> </a:t>
             </a:r>
             <a:r>
-              <a:rPr lang="en-US" sz="2400" dirty="0" smtClean="0"/>
-              <a:t>       (</a:t>
-            </a:r>
-            <a:r>
-              <a:rPr lang="en-US" sz="2400" dirty="0" err="1" smtClean="0"/>
-              <a:t>ormap</a:t>
-            </a:r>
-            <a:r>
-              <a:rPr lang="en-US" sz="2400" dirty="0" smtClean="0"/>
-              <a:t> </a:t>
-            </a:r>
-            <a:r>
-              <a:rPr lang="en-US" sz="2400" dirty="0" err="1" smtClean="0"/>
+              <a:rPr lang="en-US" sz="2400" dirty="0" err="1"/>
               <a:t>fn</a:t>
             </a:r>
             <a:r>
-              <a:rPr lang="en-US" sz="2400" dirty="0" smtClean="0"/>
+              <a:rPr lang="en-US" sz="2400" dirty="0"/>
               <a:t> (rest </a:t>
             </a:r>
             <a:r>
-              <a:rPr lang="en-US" sz="2400" dirty="0" err="1" smtClean="0"/>
+              <a:rPr lang="en-US" sz="2400" dirty="0" err="1"/>
               <a:t>lst</a:t>
             </a:r>
             <a:r>
-              <a:rPr lang="en-US" sz="2400" dirty="0" smtClean="0"/>
+              <a:rPr lang="en-US" sz="2400" dirty="0"/>
               <a:t>)))]))</a:t>
             </a:r>
-            <a:endParaRPr lang="en-US" sz="2400" dirty="0"/>
           </a:p>
         </p:txBody>
       </p:sp>
@@ -12588,12 +12190,8 @@
           <a:lstStyle/>
           <a:p>
             <a:r>
-              <a:rPr lang="en-US" sz="2400" dirty="0" smtClean="0"/>
-              <a:t>As </a:t>
-            </a:r>
-            <a:r>
               <a:rPr lang="en-US" sz="2400" dirty="0"/>
-              <a:t>before, we can generalize by adding an argument for the difference.</a:t>
+              <a:t>As before, we can generalize by adding an argument for the difference.</a:t>
             </a:r>
           </a:p>
         </p:txBody>
@@ -12608,13 +12206,6 @@
   <p:clrMapOvr>
     <a:masterClrMapping/>
   </p:clrMapOvr>
-  <p:timing>
-    <p:tnLst>
-      <p:par>
-        <p:cTn id="1" dur="indefinite" restart="never" nodeType="tmRoot"/>
-      </p:par>
-    </p:tnLst>
-  </p:timing>
 </p:sld>
 </file>
 
@@ -12651,10 +12242,9 @@
           <a:lstStyle/>
           <a:p>
             <a:r>
-              <a:rPr lang="en-US" dirty="0" smtClean="0"/>
+              <a:rPr lang="en-US" dirty="0"/>
               <a:t>And re-create the originals</a:t>
             </a:r>
-            <a:endParaRPr lang="en-US" dirty="0"/>
           </a:p>
         </p:txBody>
       </p:sp>
@@ -12681,22 +12271,22 @@
               </a:spcBef>
             </a:pPr>
             <a:r>
-              <a:rPr lang="en-US" sz="2000" dirty="0" smtClean="0"/>
+              <a:rPr lang="en-US" sz="2000" dirty="0"/>
               <a:t>;; STRATEGY: Use HOF </a:t>
             </a:r>
             <a:r>
-              <a:rPr lang="en-US" sz="2000" dirty="0" err="1" smtClean="0"/>
+              <a:rPr lang="en-US" sz="2000" dirty="0" err="1"/>
               <a:t>ormap</a:t>
             </a:r>
             <a:r>
-              <a:rPr lang="en-US" sz="2000" dirty="0" smtClean="0"/>
+              <a:rPr lang="en-US" sz="2000" dirty="0"/>
               <a:t> on </a:t>
             </a:r>
             <a:r>
-              <a:rPr lang="en-US" sz="2000" dirty="0" err="1" smtClean="0"/>
+              <a:rPr lang="en-US" sz="2000" dirty="0" err="1"/>
               <a:t>lst</a:t>
             </a:r>
-            <a:endParaRPr lang="en-US" sz="2000" dirty="0" smtClean="0"/>
+            <a:endParaRPr lang="en-US" sz="2000" dirty="0"/>
           </a:p>
           <a:p>
             <a:pPr>
@@ -12705,15 +12295,15 @@
               </a:spcBef>
             </a:pPr>
             <a:r>
-              <a:rPr lang="en-US" sz="2000" dirty="0" smtClean="0"/>
+              <a:rPr lang="en-US" sz="2000" dirty="0"/>
               <a:t>(define (find-dog </a:t>
             </a:r>
             <a:r>
-              <a:rPr lang="en-US" sz="2000" dirty="0" err="1" smtClean="0"/>
+              <a:rPr lang="en-US" sz="2000" dirty="0" err="1"/>
               <a:t>lst</a:t>
             </a:r>
             <a:r>
-              <a:rPr lang="en-US" sz="2000" dirty="0" smtClean="0"/>
+              <a:rPr lang="en-US" sz="2000" dirty="0"/>
               <a:t>)</a:t>
             </a:r>
           </a:p>
@@ -12725,18 +12315,14 @@
             </a:pPr>
             <a:r>
               <a:rPr lang="en-US" sz="2000" dirty="0"/>
-              <a:t>  </a:t>
-            </a:r>
-            <a:r>
-              <a:rPr lang="en-US" sz="2000" dirty="0" smtClean="0"/>
-              <a:t>(</a:t>
-            </a:r>
-            <a:r>
-              <a:rPr lang="en-US" sz="2000" dirty="0" err="1" smtClean="0"/>
+              <a:t>  (</a:t>
+            </a:r>
+            <a:r>
+              <a:rPr lang="en-US" sz="2000" dirty="0" err="1"/>
               <a:t>ormap</a:t>
             </a:r>
             <a:r>
-              <a:rPr lang="en-US" sz="2000" dirty="0" smtClean="0"/>
+              <a:rPr lang="en-US" sz="2000" dirty="0"/>
               <a:t> </a:t>
             </a:r>
           </a:p>
@@ -12748,11 +12334,7 @@
             </a:pPr>
             <a:r>
               <a:rPr lang="en-US" sz="2000" dirty="0"/>
-              <a:t> </a:t>
-            </a:r>
-            <a:r>
-              <a:rPr lang="en-US" sz="2000" dirty="0" smtClean="0"/>
-              <a:t>   ;; String -&gt; Boolean</a:t>
+              <a:t>    ;; String -&gt; Boolean</a:t>
             </a:r>
           </a:p>
           <a:p>
@@ -12763,26 +12345,22 @@
             </a:pPr>
             <a:r>
               <a:rPr lang="en-US" sz="2000" dirty="0"/>
-              <a:t> </a:t>
-            </a:r>
-            <a:r>
-              <a:rPr lang="en-US" sz="2000" dirty="0" smtClean="0"/>
-              <a:t>   (lambda (</a:t>
-            </a:r>
-            <a:r>
-              <a:rPr lang="en-US" sz="2000" dirty="0" err="1" smtClean="0"/>
+              <a:t>    (lambda (</a:t>
+            </a:r>
+            <a:r>
+              <a:rPr lang="en-US" sz="2000" dirty="0" err="1"/>
               <a:t>str</a:t>
             </a:r>
             <a:r>
-              <a:rPr lang="en-US" sz="2000" dirty="0" smtClean="0"/>
+              <a:rPr lang="en-US" sz="2000" dirty="0"/>
               <a:t>) (string=? "dog" </a:t>
             </a:r>
             <a:r>
-              <a:rPr lang="en-US" sz="2000" dirty="0" err="1" smtClean="0"/>
+              <a:rPr lang="en-US" sz="2000" dirty="0" err="1"/>
               <a:t>str</a:t>
             </a:r>
             <a:r>
-              <a:rPr lang="en-US" sz="2000" dirty="0" smtClean="0"/>
+              <a:rPr lang="en-US" sz="2000" dirty="0"/>
               <a:t>))</a:t>
             </a:r>
           </a:p>
@@ -12794,18 +12372,14 @@
             </a:pPr>
             <a:r>
               <a:rPr lang="en-US" sz="2000" dirty="0"/>
-              <a:t> </a:t>
-            </a:r>
-            <a:r>
-              <a:rPr lang="en-US" sz="2000" dirty="0" smtClean="0"/>
-              <a:t>   </a:t>
-            </a:r>
-            <a:r>
-              <a:rPr lang="en-US" sz="2000" dirty="0" err="1" smtClean="0"/>
+              <a:t>    </a:t>
+            </a:r>
+            <a:r>
+              <a:rPr lang="en-US" sz="2000" dirty="0" err="1"/>
               <a:t>lst</a:t>
             </a:r>
             <a:r>
-              <a:rPr lang="en-US" sz="2000" dirty="0" smtClean="0"/>
+              <a:rPr lang="en-US" sz="2000" dirty="0"/>
               <a:t>)))</a:t>
             </a:r>
           </a:p>
@@ -12815,7 +12389,7 @@
                 <a:spcPts val="0"/>
               </a:spcBef>
             </a:pPr>
-            <a:endParaRPr lang="en-US" sz="2000" dirty="0" smtClean="0"/>
+            <a:endParaRPr lang="en-US" sz="2000" dirty="0"/>
           </a:p>
           <a:p>
             <a:pPr>
@@ -12824,19 +12398,19 @@
               </a:spcBef>
             </a:pPr>
             <a:r>
-              <a:rPr lang="en-US" sz="2000" dirty="0" smtClean="0"/>
+              <a:rPr lang="en-US" sz="2000" dirty="0"/>
               <a:t>;; STRATEGY: Use HOF </a:t>
             </a:r>
             <a:r>
-              <a:rPr lang="en-US" sz="2000" dirty="0" err="1" smtClean="0"/>
+              <a:rPr lang="en-US" sz="2000" dirty="0" err="1"/>
               <a:t>ormap</a:t>
             </a:r>
             <a:r>
-              <a:rPr lang="en-US" sz="2000" dirty="0" smtClean="0"/>
+              <a:rPr lang="en-US" sz="2000" dirty="0"/>
               <a:t> on </a:t>
             </a:r>
             <a:r>
-              <a:rPr lang="en-US" sz="2000" dirty="0" err="1" smtClean="0"/>
+              <a:rPr lang="en-US" sz="2000" dirty="0" err="1"/>
               <a:t>lst</a:t>
             </a:r>
             <a:endParaRPr lang="en-US" sz="2000" dirty="0"/>
@@ -12848,15 +12422,15 @@
               </a:spcBef>
             </a:pPr>
             <a:r>
-              <a:rPr lang="en-US" sz="2000" dirty="0" smtClean="0"/>
+              <a:rPr lang="en-US" sz="2000" dirty="0"/>
               <a:t>(define (has-even? </a:t>
             </a:r>
             <a:r>
-              <a:rPr lang="en-US" sz="2000" dirty="0" err="1" smtClean="0"/>
+              <a:rPr lang="en-US" sz="2000" dirty="0" err="1"/>
               <a:t>lst</a:t>
             </a:r>
             <a:r>
-              <a:rPr lang="en-US" sz="2000" dirty="0" smtClean="0"/>
+              <a:rPr lang="en-US" sz="2000" dirty="0"/>
               <a:t>)</a:t>
             </a:r>
           </a:p>
@@ -12868,29 +12442,24 @@
             </a:pPr>
             <a:r>
               <a:rPr lang="en-US" sz="2000" dirty="0"/>
-              <a:t> </a:t>
-            </a:r>
-            <a:r>
-              <a:rPr lang="en-US" sz="2000" dirty="0" smtClean="0"/>
-              <a:t> (</a:t>
-            </a:r>
-            <a:r>
-              <a:rPr lang="en-US" sz="2000" dirty="0" err="1" smtClean="0"/>
+              <a:t>  (</a:t>
+            </a:r>
+            <a:r>
+              <a:rPr lang="en-US" sz="2000" dirty="0" err="1"/>
               <a:t>ormap</a:t>
             </a:r>
             <a:r>
-              <a:rPr lang="en-US" sz="2000" dirty="0" smtClean="0"/>
+              <a:rPr lang="en-US" sz="2000" dirty="0"/>
               <a:t> even? </a:t>
             </a:r>
             <a:r>
-              <a:rPr lang="en-US" sz="2000" dirty="0" err="1" smtClean="0"/>
+              <a:rPr lang="en-US" sz="2000" dirty="0" err="1"/>
               <a:t>lst</a:t>
             </a:r>
             <a:r>
-              <a:rPr lang="en-US" sz="2000" dirty="0" smtClean="0"/>
+              <a:rPr lang="en-US" sz="2000" dirty="0"/>
               <a:t>))</a:t>
             </a:r>
-            <a:endParaRPr lang="en-US" sz="2000" dirty="0"/>
           </a:p>
         </p:txBody>
       </p:sp>
@@ -12953,12 +12522,8 @@
           <a:lstStyle/>
           <a:p>
             <a:r>
-              <a:rPr lang="en-US" sz="2400" dirty="0" smtClean="0"/>
-              <a:t>Again as </a:t>
-            </a:r>
-            <a:r>
               <a:rPr lang="en-US" sz="2400" dirty="0"/>
-              <a:t>before, we re-create the originals using our generalized function.</a:t>
+              <a:t>Again as before, we re-create the originals using our generalized function.</a:t>
             </a:r>
           </a:p>
         </p:txBody>
@@ -12996,24 +12561,24 @@
           <a:lstStyle/>
           <a:p>
             <a:r>
-              <a:rPr lang="en-US" dirty="0" smtClean="0"/>
+              <a:rPr lang="en-US" dirty="0"/>
               <a:t>If you're afraid of lambda, you can define </a:t>
             </a:r>
             <a:r>
-              <a:rPr lang="en-US" b="1" dirty="0" smtClean="0">
+              <a:rPr lang="en-US" b="1" dirty="0">
                 <a:latin typeface="Consolas" panose="020B0609020204030204" pitchFamily="49" charset="0"/>
                 <a:cs typeface="Consolas" panose="020B0609020204030204" pitchFamily="49" charset="0"/>
               </a:rPr>
               <a:t>is-dog? </a:t>
             </a:r>
             <a:r>
-              <a:rPr lang="en-US" dirty="0" smtClean="0"/>
+              <a:rPr lang="en-US" dirty="0"/>
               <a:t>or use a local.</a:t>
             </a:r>
           </a:p>
           <a:p>
             <a:r>
-              <a:rPr lang="en-US" dirty="0" smtClean="0"/>
+              <a:rPr lang="en-US" dirty="0"/>
               <a:t>But it's good to get comfortable with lambda– it's so useful that it was added to Java as of Java 8.</a:t>
             </a:r>
           </a:p>
@@ -13029,13 +12594,6 @@
   <p:clrMapOvr>
     <a:masterClrMapping/>
   </p:clrMapOvr>
-  <p:timing>
-    <p:tnLst>
-      <p:par>
-        <p:cTn id="1" dur="indefinite" restart="never" nodeType="tmRoot"/>
-      </p:par>
-    </p:tnLst>
-  </p:timing>
 </p:sld>
 </file>
 
@@ -13072,21 +12630,20 @@
           <a:lstStyle/>
           <a:p>
             <a:r>
-              <a:rPr lang="en-US" dirty="0" smtClean="0"/>
+              <a:rPr lang="en-US" dirty="0"/>
               <a:t>What's the contract for </a:t>
             </a:r>
             <a:r>
-              <a:rPr lang="en-US" b="1" dirty="0" err="1" smtClean="0">
+              <a:rPr lang="en-US" b="1" dirty="0" err="1">
                 <a:latin typeface="Consolas" panose="020B0609020204030204" pitchFamily="49" charset="0"/>
                 <a:cs typeface="Consolas" panose="020B0609020204030204" pitchFamily="49" charset="0"/>
               </a:rPr>
               <a:t>ormap</a:t>
             </a:r>
             <a:r>
-              <a:rPr lang="en-US" dirty="0" smtClean="0"/>
+              <a:rPr lang="en-US" dirty="0"/>
               <a:t>?</a:t>
             </a:r>
-            <a:endParaRPr lang="en-US" dirty="0"/>
           </a:p>
         </p:txBody>
       </p:sp>
@@ -13106,32 +12663,23 @@
           <a:lstStyle/>
           <a:p>
             <a:r>
-              <a:rPr lang="en-US" dirty="0" smtClean="0"/>
+              <a:rPr lang="en-US" dirty="0"/>
               <a:t>Let's see what kind of values each of the pieces of </a:t>
             </a:r>
             <a:r>
-              <a:rPr lang="en-US" b="1" dirty="0" err="1" smtClean="0"/>
+              <a:rPr lang="en-US" b="1" dirty="0" err="1"/>
               <a:t>ormap</a:t>
             </a:r>
             <a:r>
-              <a:rPr lang="en-US" dirty="0" smtClean="0"/>
+              <a:rPr lang="en-US" dirty="0"/>
               <a:t> returns.</a:t>
             </a:r>
           </a:p>
           <a:p>
             <a:r>
-              <a:rPr lang="en-US" dirty="0" smtClean="0"/>
-              <a:t>Step </a:t>
-            </a:r>
-            <a:r>
-              <a:rPr lang="en-US" dirty="0"/>
-              <a:t>through the animation </a:t>
-            </a:r>
-            <a:r>
-              <a:rPr lang="en-US" dirty="0" smtClean="0"/>
-              <a:t>on the next slide to watch this work.</a:t>
-            </a:r>
-            <a:endParaRPr lang="en-US" dirty="0"/>
+              <a:rPr lang="en-US" dirty="0"/>
+              <a:t>Step through the animation on the next slide to watch this work.</a:t>
+            </a:r>
           </a:p>
           <a:p>
             <a:endParaRPr lang="en-US" dirty="0"/>
@@ -13172,13 +12720,6 @@
   <p:clrMapOvr>
     <a:masterClrMapping/>
   </p:clrMapOvr>
-  <p:timing>
-    <p:tnLst>
-      <p:par>
-        <p:cTn id="1" dur="indefinite" restart="never" nodeType="tmRoot"/>
-      </p:par>
-    </p:tnLst>
-  </p:timing>
 </p:sld>
 </file>
 
